--- a/项目计划(1).pptx
+++ b/项目计划(1).pptx
@@ -5,7 +5,7 @@
     <p:sldMasterId id="2147483648" r:id="rId1"/>
   </p:sldMasterIdLst>
   <p:notesMasterIdLst>
-    <p:notesMasterId r:id="rId18"/>
+    <p:notesMasterId r:id="rId24"/>
   </p:notesMasterIdLst>
   <p:sldIdLst>
     <p:sldId id="256" r:id="rId2"/>
@@ -14,16 +14,22 @@
     <p:sldId id="259" r:id="rId5"/>
     <p:sldId id="260" r:id="rId6"/>
     <p:sldId id="261" r:id="rId7"/>
-    <p:sldId id="262" r:id="rId8"/>
-    <p:sldId id="263" r:id="rId9"/>
-    <p:sldId id="264" r:id="rId10"/>
-    <p:sldId id="265" r:id="rId11"/>
-    <p:sldId id="266" r:id="rId12"/>
-    <p:sldId id="267" r:id="rId13"/>
-    <p:sldId id="268" r:id="rId14"/>
-    <p:sldId id="269" r:id="rId15"/>
-    <p:sldId id="270" r:id="rId16"/>
-    <p:sldId id="271" r:id="rId17"/>
+    <p:sldId id="279" r:id="rId8"/>
+    <p:sldId id="262" r:id="rId9"/>
+    <p:sldId id="263" r:id="rId10"/>
+    <p:sldId id="264" r:id="rId11"/>
+    <p:sldId id="274" r:id="rId12"/>
+    <p:sldId id="265" r:id="rId13"/>
+    <p:sldId id="266" r:id="rId14"/>
+    <p:sldId id="267" r:id="rId15"/>
+    <p:sldId id="268" r:id="rId16"/>
+    <p:sldId id="269" r:id="rId17"/>
+    <p:sldId id="270" r:id="rId18"/>
+    <p:sldId id="275" r:id="rId19"/>
+    <p:sldId id="276" r:id="rId20"/>
+    <p:sldId id="277" r:id="rId21"/>
+    <p:sldId id="278" r:id="rId22"/>
+    <p:sldId id="271" r:id="rId23"/>
   </p:sldIdLst>
   <p:sldSz cx="9144000" cy="6858000" type="screen4x3"/>
   <p:notesSz cx="6858000" cy="9144000"/>
@@ -3216,7 +3222,7 @@
           </a:ln>
           <a:extLst>
             <a:ext uri="{C572A759-6A51-4108-AA02-DFA0A04FC94B}">
-              <ma14:wrappingTextBoxFlag xmlns="" xmlns:m="http://schemas.openxmlformats.org/officeDocument/2006/math" xmlns:a14="http://schemas.microsoft.com/office/drawing/2010/main" xmlns:ma14="http://schemas.microsoft.com/office/mac/drawingml/2011/main" val="1"/>
+              <ma14:wrappingTextBoxFlag xmlns:ma14="http://schemas.microsoft.com/office/mac/drawingml/2011/main" xmlns:a14="http://schemas.microsoft.com/office/drawing/2010/main" xmlns:m="http://schemas.openxmlformats.org/officeDocument/2006/math" xmlns="" val="1"/>
             </a:ext>
           </a:extLst>
         </p:spPr>
@@ -3255,7 +3261,7 @@
           </a:ln>
           <a:extLst>
             <a:ext uri="{C572A759-6A51-4108-AA02-DFA0A04FC94B}">
-              <ma14:wrappingTextBoxFlag xmlns="" xmlns:m="http://schemas.openxmlformats.org/officeDocument/2006/math" xmlns:a14="http://schemas.microsoft.com/office/drawing/2010/main" xmlns:ma14="http://schemas.microsoft.com/office/mac/drawingml/2011/main" val="1"/>
+              <ma14:wrappingTextBoxFlag xmlns:ma14="http://schemas.microsoft.com/office/mac/drawingml/2011/main" xmlns:a14="http://schemas.microsoft.com/office/drawing/2010/main" xmlns:m="http://schemas.openxmlformats.org/officeDocument/2006/math" xmlns="" val="1"/>
             </a:ext>
           </a:extLst>
         </p:spPr>
@@ -4444,10 +4450,1504 @@
     <a:masterClrMapping/>
   </p:clrMapOvr>
   <p:transition spd="med"/>
+  <p:timing>
+    <p:tnLst>
+      <p:par>
+        <p:cTn id="1" dur="indefinite" restart="never" nodeType="tmRoot">
+          <p:childTnLst>
+            <p:seq concurrent="1" nextAc="seek">
+              <p:cTn id="2" dur="indefinite" nodeType="mainSeq">
+                <p:childTnLst>
+                  <p:par>
+                    <p:cTn id="3" fill="hold">
+                      <p:stCondLst>
+                        <p:cond delay="indefinite"/>
+                      </p:stCondLst>
+                      <p:childTnLst>
+                        <p:par>
+                          <p:cTn id="4" fill="hold">
+                            <p:stCondLst>
+                              <p:cond delay="0"/>
+                            </p:stCondLst>
+                            <p:childTnLst>
+                              <p:par>
+                                <p:cTn id="5" presetID="42" presetClass="entr" presetSubtype="0" fill="hold" nodeType="clickEffect">
+                                  <p:stCondLst>
+                                    <p:cond delay="0"/>
+                                  </p:stCondLst>
+                                  <p:childTnLst>
+                                    <p:set>
+                                      <p:cBhvr>
+                                        <p:cTn id="6" dur="1" fill="hold">
+                                          <p:stCondLst>
+                                            <p:cond delay="0"/>
+                                          </p:stCondLst>
+                                        </p:cTn>
+                                        <p:tgtEl>
+                                          <p:spTgt spid="4"/>
+                                        </p:tgtEl>
+                                        <p:attrNameLst>
+                                          <p:attrName>style.visibility</p:attrName>
+                                        </p:attrNameLst>
+                                      </p:cBhvr>
+                                      <p:to>
+                                        <p:strVal val="visible"/>
+                                      </p:to>
+                                    </p:set>
+                                    <p:animEffect transition="in" filter="fade">
+                                      <p:cBhvr>
+                                        <p:cTn id="7" dur="1000"/>
+                                        <p:tgtEl>
+                                          <p:spTgt spid="4"/>
+                                        </p:tgtEl>
+                                      </p:cBhvr>
+                                    </p:animEffect>
+                                    <p:anim calcmode="lin" valueType="num">
+                                      <p:cBhvr>
+                                        <p:cTn id="8" dur="1000" fill="hold"/>
+                                        <p:tgtEl>
+                                          <p:spTgt spid="4"/>
+                                        </p:tgtEl>
+                                        <p:attrNameLst>
+                                          <p:attrName>ppt_x</p:attrName>
+                                        </p:attrNameLst>
+                                      </p:cBhvr>
+                                      <p:tavLst>
+                                        <p:tav tm="0">
+                                          <p:val>
+                                            <p:strVal val="#ppt_x"/>
+                                          </p:val>
+                                        </p:tav>
+                                        <p:tav tm="100000">
+                                          <p:val>
+                                            <p:strVal val="#ppt_x"/>
+                                          </p:val>
+                                        </p:tav>
+                                      </p:tavLst>
+                                    </p:anim>
+                                    <p:anim calcmode="lin" valueType="num">
+                                      <p:cBhvr>
+                                        <p:cTn id="9" dur="1000" fill="hold"/>
+                                        <p:tgtEl>
+                                          <p:spTgt spid="4"/>
+                                        </p:tgtEl>
+                                        <p:attrNameLst>
+                                          <p:attrName>ppt_y</p:attrName>
+                                        </p:attrNameLst>
+                                      </p:cBhvr>
+                                      <p:tavLst>
+                                        <p:tav tm="0">
+                                          <p:val>
+                                            <p:strVal val="#ppt_y+.1"/>
+                                          </p:val>
+                                        </p:tav>
+                                        <p:tav tm="100000">
+                                          <p:val>
+                                            <p:strVal val="#ppt_y"/>
+                                          </p:val>
+                                        </p:tav>
+                                      </p:tavLst>
+                                    </p:anim>
+                                  </p:childTnLst>
+                                </p:cTn>
+                              </p:par>
+                              <p:par>
+                                <p:cTn id="10" presetID="42" presetClass="entr" presetSubtype="0" fill="hold" grpId="0" nodeType="withEffect">
+                                  <p:stCondLst>
+                                    <p:cond delay="0"/>
+                                  </p:stCondLst>
+                                  <p:childTnLst>
+                                    <p:set>
+                                      <p:cBhvr>
+                                        <p:cTn id="11" dur="1" fill="hold">
+                                          <p:stCondLst>
+                                            <p:cond delay="0"/>
+                                          </p:stCondLst>
+                                        </p:cTn>
+                                        <p:tgtEl>
+                                          <p:spTgt spid="130"/>
+                                        </p:tgtEl>
+                                        <p:attrNameLst>
+                                          <p:attrName>style.visibility</p:attrName>
+                                        </p:attrNameLst>
+                                      </p:cBhvr>
+                                      <p:to>
+                                        <p:strVal val="visible"/>
+                                      </p:to>
+                                    </p:set>
+                                    <p:animEffect transition="in" filter="fade">
+                                      <p:cBhvr>
+                                        <p:cTn id="12" dur="1000"/>
+                                        <p:tgtEl>
+                                          <p:spTgt spid="130"/>
+                                        </p:tgtEl>
+                                      </p:cBhvr>
+                                    </p:animEffect>
+                                    <p:anim calcmode="lin" valueType="num">
+                                      <p:cBhvr>
+                                        <p:cTn id="13" dur="1000" fill="hold"/>
+                                        <p:tgtEl>
+                                          <p:spTgt spid="130"/>
+                                        </p:tgtEl>
+                                        <p:attrNameLst>
+                                          <p:attrName>ppt_x</p:attrName>
+                                        </p:attrNameLst>
+                                      </p:cBhvr>
+                                      <p:tavLst>
+                                        <p:tav tm="0">
+                                          <p:val>
+                                            <p:strVal val="#ppt_x"/>
+                                          </p:val>
+                                        </p:tav>
+                                        <p:tav tm="100000">
+                                          <p:val>
+                                            <p:strVal val="#ppt_x"/>
+                                          </p:val>
+                                        </p:tav>
+                                      </p:tavLst>
+                                    </p:anim>
+                                    <p:anim calcmode="lin" valueType="num">
+                                      <p:cBhvr>
+                                        <p:cTn id="14" dur="1000" fill="hold"/>
+                                        <p:tgtEl>
+                                          <p:spTgt spid="130"/>
+                                        </p:tgtEl>
+                                        <p:attrNameLst>
+                                          <p:attrName>ppt_y</p:attrName>
+                                        </p:attrNameLst>
+                                      </p:cBhvr>
+                                      <p:tavLst>
+                                        <p:tav tm="0">
+                                          <p:val>
+                                            <p:strVal val="#ppt_y+.1"/>
+                                          </p:val>
+                                        </p:tav>
+                                        <p:tav tm="100000">
+                                          <p:val>
+                                            <p:strVal val="#ppt_y"/>
+                                          </p:val>
+                                        </p:tav>
+                                      </p:tavLst>
+                                    </p:anim>
+                                  </p:childTnLst>
+                                </p:cTn>
+                              </p:par>
+                            </p:childTnLst>
+                          </p:cTn>
+                        </p:par>
+                      </p:childTnLst>
+                    </p:cTn>
+                  </p:par>
+                  <p:par>
+                    <p:cTn id="15" fill="hold">
+                      <p:stCondLst>
+                        <p:cond delay="indefinite"/>
+                      </p:stCondLst>
+                      <p:childTnLst>
+                        <p:par>
+                          <p:cTn id="16" fill="hold">
+                            <p:stCondLst>
+                              <p:cond delay="0"/>
+                            </p:stCondLst>
+                            <p:childTnLst>
+                              <p:par>
+                                <p:cTn id="17" presetID="2" presetClass="entr" presetSubtype="4" fill="hold" grpId="0" nodeType="clickEffect">
+                                  <p:stCondLst>
+                                    <p:cond delay="0"/>
+                                  </p:stCondLst>
+                                  <p:childTnLst>
+                                    <p:set>
+                                      <p:cBhvr>
+                                        <p:cTn id="18" dur="1" fill="hold">
+                                          <p:stCondLst>
+                                            <p:cond delay="0"/>
+                                          </p:stCondLst>
+                                        </p:cTn>
+                                        <p:tgtEl>
+                                          <p:spTgt spid="131">
+                                            <p:bg/>
+                                          </p:spTgt>
+                                        </p:tgtEl>
+                                        <p:attrNameLst>
+                                          <p:attrName>style.visibility</p:attrName>
+                                        </p:attrNameLst>
+                                      </p:cBhvr>
+                                      <p:to>
+                                        <p:strVal val="visible"/>
+                                      </p:to>
+                                    </p:set>
+                                    <p:anim calcmode="lin" valueType="num">
+                                      <p:cBhvr additive="base">
+                                        <p:cTn id="19" dur="500" fill="hold"/>
+                                        <p:tgtEl>
+                                          <p:spTgt spid="131">
+                                            <p:bg/>
+                                          </p:spTgt>
+                                        </p:tgtEl>
+                                        <p:attrNameLst>
+                                          <p:attrName>ppt_x</p:attrName>
+                                        </p:attrNameLst>
+                                      </p:cBhvr>
+                                      <p:tavLst>
+                                        <p:tav tm="0">
+                                          <p:val>
+                                            <p:strVal val="#ppt_x"/>
+                                          </p:val>
+                                        </p:tav>
+                                        <p:tav tm="100000">
+                                          <p:val>
+                                            <p:strVal val="#ppt_x"/>
+                                          </p:val>
+                                        </p:tav>
+                                      </p:tavLst>
+                                    </p:anim>
+                                    <p:anim calcmode="lin" valueType="num">
+                                      <p:cBhvr additive="base">
+                                        <p:cTn id="20" dur="500" fill="hold"/>
+                                        <p:tgtEl>
+                                          <p:spTgt spid="131">
+                                            <p:bg/>
+                                          </p:spTgt>
+                                        </p:tgtEl>
+                                        <p:attrNameLst>
+                                          <p:attrName>ppt_y</p:attrName>
+                                        </p:attrNameLst>
+                                      </p:cBhvr>
+                                      <p:tavLst>
+                                        <p:tav tm="0">
+                                          <p:val>
+                                            <p:strVal val="1+#ppt_h/2"/>
+                                          </p:val>
+                                        </p:tav>
+                                        <p:tav tm="100000">
+                                          <p:val>
+                                            <p:strVal val="#ppt_y"/>
+                                          </p:val>
+                                        </p:tav>
+                                      </p:tavLst>
+                                    </p:anim>
+                                  </p:childTnLst>
+                                </p:cTn>
+                              </p:par>
+                            </p:childTnLst>
+                          </p:cTn>
+                        </p:par>
+                      </p:childTnLst>
+                    </p:cTn>
+                  </p:par>
+                  <p:par>
+                    <p:cTn id="21" fill="hold">
+                      <p:stCondLst>
+                        <p:cond delay="indefinite"/>
+                      </p:stCondLst>
+                      <p:childTnLst>
+                        <p:par>
+                          <p:cTn id="22" fill="hold">
+                            <p:stCondLst>
+                              <p:cond delay="0"/>
+                            </p:stCondLst>
+                            <p:childTnLst>
+                              <p:par>
+                                <p:cTn id="23" presetID="2" presetClass="entr" presetSubtype="4" fill="hold" grpId="0" nodeType="clickEffect">
+                                  <p:stCondLst>
+                                    <p:cond delay="0"/>
+                                  </p:stCondLst>
+                                  <p:childTnLst>
+                                    <p:set>
+                                      <p:cBhvr>
+                                        <p:cTn id="24" dur="1" fill="hold">
+                                          <p:stCondLst>
+                                            <p:cond delay="0"/>
+                                          </p:stCondLst>
+                                        </p:cTn>
+                                        <p:tgtEl>
+                                          <p:spTgt spid="131">
+                                            <p:txEl>
+                                              <p:pRg st="0" end="0"/>
+                                            </p:txEl>
+                                          </p:spTgt>
+                                        </p:tgtEl>
+                                        <p:attrNameLst>
+                                          <p:attrName>style.visibility</p:attrName>
+                                        </p:attrNameLst>
+                                      </p:cBhvr>
+                                      <p:to>
+                                        <p:strVal val="visible"/>
+                                      </p:to>
+                                    </p:set>
+                                    <p:anim calcmode="lin" valueType="num">
+                                      <p:cBhvr additive="base">
+                                        <p:cTn id="25" dur="500" fill="hold"/>
+                                        <p:tgtEl>
+                                          <p:spTgt spid="131">
+                                            <p:txEl>
+                                              <p:pRg st="0" end="0"/>
+                                            </p:txEl>
+                                          </p:spTgt>
+                                        </p:tgtEl>
+                                        <p:attrNameLst>
+                                          <p:attrName>ppt_x</p:attrName>
+                                        </p:attrNameLst>
+                                      </p:cBhvr>
+                                      <p:tavLst>
+                                        <p:tav tm="0">
+                                          <p:val>
+                                            <p:strVal val="#ppt_x"/>
+                                          </p:val>
+                                        </p:tav>
+                                        <p:tav tm="100000">
+                                          <p:val>
+                                            <p:strVal val="#ppt_x"/>
+                                          </p:val>
+                                        </p:tav>
+                                      </p:tavLst>
+                                    </p:anim>
+                                    <p:anim calcmode="lin" valueType="num">
+                                      <p:cBhvr additive="base">
+                                        <p:cTn id="26" dur="500" fill="hold"/>
+                                        <p:tgtEl>
+                                          <p:spTgt spid="131">
+                                            <p:txEl>
+                                              <p:pRg st="0" end="0"/>
+                                            </p:txEl>
+                                          </p:spTgt>
+                                        </p:tgtEl>
+                                        <p:attrNameLst>
+                                          <p:attrName>ppt_y</p:attrName>
+                                        </p:attrNameLst>
+                                      </p:cBhvr>
+                                      <p:tavLst>
+                                        <p:tav tm="0">
+                                          <p:val>
+                                            <p:strVal val="1+#ppt_h/2"/>
+                                          </p:val>
+                                        </p:tav>
+                                        <p:tav tm="100000">
+                                          <p:val>
+                                            <p:strVal val="#ppt_y"/>
+                                          </p:val>
+                                        </p:tav>
+                                      </p:tavLst>
+                                    </p:anim>
+                                  </p:childTnLst>
+                                </p:cTn>
+                              </p:par>
+                            </p:childTnLst>
+                          </p:cTn>
+                        </p:par>
+                      </p:childTnLst>
+                    </p:cTn>
+                  </p:par>
+                </p:childTnLst>
+              </p:cTn>
+              <p:prevCondLst>
+                <p:cond evt="onPrev" delay="0">
+                  <p:tgtEl>
+                    <p:sldTgt/>
+                  </p:tgtEl>
+                </p:cond>
+              </p:prevCondLst>
+              <p:nextCondLst>
+                <p:cond evt="onNext" delay="0">
+                  <p:tgtEl>
+                    <p:sldTgt/>
+                  </p:tgtEl>
+                </p:cond>
+              </p:nextCondLst>
+            </p:seq>
+          </p:childTnLst>
+        </p:cTn>
+      </p:par>
+    </p:tnLst>
+    <p:bldLst>
+      <p:bldP spid="130" grpId="0" animBg="1"/>
+      <p:bldP spid="131" grpId="0" build="p" animBg="1"/>
+    </p:bldLst>
+  </p:timing>
 </p:sld>
 </file>
 
 <file path=ppt/slides/slide10.xml><?xml version="1.0" encoding="utf-8"?>
+<p:sld xmlns:a="http://schemas.openxmlformats.org/drawingml/2006/main" xmlns:r="http://schemas.openxmlformats.org/officeDocument/2006/relationships" xmlns:p="http://schemas.openxmlformats.org/presentationml/2006/main">
+  <p:cSld>
+    <p:spTree>
+      <p:nvGrpSpPr>
+        <p:cNvPr id="1" name=""/>
+        <p:cNvGrpSpPr/>
+        <p:nvPr/>
+      </p:nvGrpSpPr>
+      <p:grpSpPr>
+        <a:xfrm>
+          <a:off x="0" y="0"/>
+          <a:ext cx="0" cy="0"/>
+          <a:chOff x="0" y="0"/>
+          <a:chExt cx="0" cy="0"/>
+        </a:xfrm>
+      </p:grpSpPr>
+      <p:sp>
+        <p:nvSpPr>
+          <p:cNvPr id="151" name="支持条件"/>
+          <p:cNvSpPr txBox="1">
+            <a:spLocks noGrp="1"/>
+          </p:cNvSpPr>
+          <p:nvPr>
+            <p:ph type="title"/>
+          </p:nvPr>
+        </p:nvSpPr>
+        <p:spPr>
+          <a:xfrm>
+            <a:off x="-300385" y="2121048"/>
+            <a:ext cx="9744770" cy="2615904"/>
+          </a:xfrm>
+          <a:prstGeom prst="rect">
+            <a:avLst/>
+          </a:prstGeom>
+        </p:spPr>
+        <p:txBody>
+          <a:bodyPr/>
+          <a:lstStyle>
+            <a:lvl1pPr>
+              <a:defRPr sz="6000"/>
+            </a:lvl1pPr>
+          </a:lstStyle>
+          <a:p>
+            <a:r>
+              <a:rPr lang="zh-CN" altLang="en-US" dirty="0" smtClean="0"/>
+              <a:t>可行性分析</a:t>
+            </a:r>
+            <a:endParaRPr dirty="0"/>
+          </a:p>
+        </p:txBody>
+      </p:sp>
+    </p:spTree>
+  </p:cSld>
+  <p:clrMapOvr>
+    <a:masterClrMapping/>
+  </p:clrMapOvr>
+  <p:transition spd="med"/>
+  <p:timing>
+    <p:tnLst>
+      <p:par>
+        <p:cTn id="1" dur="indefinite" restart="never" nodeType="tmRoot">
+          <p:childTnLst>
+            <p:seq concurrent="1" nextAc="seek">
+              <p:cTn id="2" dur="indefinite" nodeType="mainSeq">
+                <p:childTnLst>
+                  <p:par>
+                    <p:cTn id="3" fill="hold">
+                      <p:stCondLst>
+                        <p:cond delay="indefinite"/>
+                      </p:stCondLst>
+                      <p:childTnLst>
+                        <p:par>
+                          <p:cTn id="4" fill="hold">
+                            <p:stCondLst>
+                              <p:cond delay="0"/>
+                            </p:stCondLst>
+                            <p:childTnLst>
+                              <p:par>
+                                <p:cTn id="5" presetID="14" presetClass="entr" presetSubtype="10" fill="hold" grpId="0" nodeType="clickEffect">
+                                  <p:stCondLst>
+                                    <p:cond delay="0"/>
+                                  </p:stCondLst>
+                                  <p:childTnLst>
+                                    <p:set>
+                                      <p:cBhvr>
+                                        <p:cTn id="6" dur="1" fill="hold">
+                                          <p:stCondLst>
+                                            <p:cond delay="0"/>
+                                          </p:stCondLst>
+                                        </p:cTn>
+                                        <p:tgtEl>
+                                          <p:spTgt spid="151"/>
+                                        </p:tgtEl>
+                                        <p:attrNameLst>
+                                          <p:attrName>style.visibility</p:attrName>
+                                        </p:attrNameLst>
+                                      </p:cBhvr>
+                                      <p:to>
+                                        <p:strVal val="visible"/>
+                                      </p:to>
+                                    </p:set>
+                                    <p:animEffect transition="in" filter="randombar(horizontal)">
+                                      <p:cBhvr>
+                                        <p:cTn id="7" dur="500"/>
+                                        <p:tgtEl>
+                                          <p:spTgt spid="151"/>
+                                        </p:tgtEl>
+                                      </p:cBhvr>
+                                    </p:animEffect>
+                                  </p:childTnLst>
+                                </p:cTn>
+                              </p:par>
+                            </p:childTnLst>
+                          </p:cTn>
+                        </p:par>
+                      </p:childTnLst>
+                    </p:cTn>
+                  </p:par>
+                </p:childTnLst>
+              </p:cTn>
+              <p:prevCondLst>
+                <p:cond evt="onPrev" delay="0">
+                  <p:tgtEl>
+                    <p:sldTgt/>
+                  </p:tgtEl>
+                </p:cond>
+              </p:prevCondLst>
+              <p:nextCondLst>
+                <p:cond evt="onNext" delay="0">
+                  <p:tgtEl>
+                    <p:sldTgt/>
+                  </p:tgtEl>
+                </p:cond>
+              </p:nextCondLst>
+            </p:seq>
+          </p:childTnLst>
+        </p:cTn>
+      </p:par>
+    </p:tnLst>
+    <p:bldLst>
+      <p:bldP spid="151" grpId="0" animBg="1"/>
+    </p:bldLst>
+  </p:timing>
+</p:sld>
+</file>
+
+<file path=ppt/slides/slide11.xml><?xml version="1.0" encoding="utf-8"?>
+<p:sld xmlns:a="http://schemas.openxmlformats.org/drawingml/2006/main" xmlns:r="http://schemas.openxmlformats.org/officeDocument/2006/relationships" xmlns:p="http://schemas.openxmlformats.org/presentationml/2006/main">
+  <p:cSld>
+    <p:spTree>
+      <p:nvGrpSpPr>
+        <p:cNvPr id="1" name=""/>
+        <p:cNvGrpSpPr/>
+        <p:nvPr/>
+      </p:nvGrpSpPr>
+      <p:grpSpPr>
+        <a:xfrm>
+          <a:off x="0" y="0"/>
+          <a:ext cx="0" cy="0"/>
+          <a:chOff x="0" y="0"/>
+          <a:chExt cx="0" cy="0"/>
+        </a:xfrm>
+      </p:grpSpPr>
+      <p:sp>
+        <p:nvSpPr>
+          <p:cNvPr id="2" name="标题 1"/>
+          <p:cNvSpPr>
+            <a:spLocks noGrp="1"/>
+          </p:cNvSpPr>
+          <p:nvPr>
+            <p:ph type="title"/>
+          </p:nvPr>
+        </p:nvSpPr>
+        <p:spPr/>
+        <p:txBody>
+          <a:bodyPr>
+            <a:normAutofit/>
+          </a:bodyPr>
+          <a:lstStyle/>
+          <a:p>
+            <a:r>
+              <a:rPr lang="zh-CN" altLang="en-US" b="0" dirty="0"/>
+              <a:t>技术可行性</a:t>
+            </a:r>
+            <a:endParaRPr lang="zh-CN" altLang="en-US" b="0" dirty="0"/>
+          </a:p>
+        </p:txBody>
+      </p:sp>
+      <p:sp>
+        <p:nvSpPr>
+          <p:cNvPr id="3" name="文本占位符 2"/>
+          <p:cNvSpPr>
+            <a:spLocks noGrp="1"/>
+          </p:cNvSpPr>
+          <p:nvPr>
+            <p:ph type="body" idx="1"/>
+          </p:nvPr>
+        </p:nvSpPr>
+        <p:spPr/>
+        <p:txBody>
+          <a:bodyPr>
+            <a:normAutofit fontScale="62500" lnSpcReduction="20000"/>
+          </a:bodyPr>
+          <a:lstStyle/>
+          <a:p>
+            <a:endParaRPr lang="en-US" altLang="zh-CN" sz="3600" b="1" dirty="0">
+              <a:ln w="6350">
+                <a:noFill/>
+              </a:ln>
+              <a:solidFill>
+                <a:schemeClr val="bg1">
+                  <a:lumMod val="50000"/>
+                </a:schemeClr>
+              </a:solidFill>
+              <a:latin typeface="微软雅黑" pitchFamily="34" charset="-122"/>
+              <a:ea typeface="微软雅黑" pitchFamily="34" charset="-122"/>
+            </a:endParaRPr>
+          </a:p>
+          <a:p>
+            <a:pPr lvl="0"/>
+            <a:r>
+              <a:rPr lang="zh-CN" altLang="en-US" sz="3500" dirty="0"/>
+              <a:t>开发者的技术实力</a:t>
+            </a:r>
+          </a:p>
+          <a:p>
+            <a:r>
+              <a:rPr lang="zh-CN" altLang="en-US" sz="3500" dirty="0"/>
+              <a:t>目前小组成员实力有限，预计开发过程会碰到许多瓶颈</a:t>
+            </a:r>
+            <a:r>
+              <a:rPr lang="zh-CN" altLang="en-US" sz="3500" dirty="0" smtClean="0"/>
+              <a:t>。</a:t>
+            </a:r>
+            <a:endParaRPr lang="en-US" altLang="zh-CN" sz="3500" dirty="0" smtClean="0"/>
+          </a:p>
+          <a:p>
+            <a:r>
+              <a:rPr lang="zh-CN" altLang="en-US" sz="3500" dirty="0" smtClean="0"/>
+              <a:t>我们</a:t>
+            </a:r>
+            <a:r>
+              <a:rPr lang="zh-CN" altLang="en-US" sz="3500" dirty="0"/>
+              <a:t>小组都</a:t>
+            </a:r>
+            <a:r>
+              <a:rPr lang="zh-CN" altLang="en-US" sz="3500" dirty="0" smtClean="0"/>
+              <a:t>有</a:t>
+            </a:r>
+            <a:r>
+              <a:rPr lang="en-US" altLang="zh-CN" sz="3500" dirty="0" smtClean="0"/>
+              <a:t>Java</a:t>
+            </a:r>
+            <a:r>
+              <a:rPr lang="zh-CN" altLang="en-US" sz="3500" dirty="0"/>
+              <a:t>基础</a:t>
+            </a:r>
+            <a:r>
+              <a:rPr lang="zh-CN" altLang="en-US" sz="3500" dirty="0"/>
+              <a:t>，</a:t>
+            </a:r>
+            <a:r>
+              <a:rPr lang="en-US" altLang="zh-CN" sz="3500" dirty="0"/>
+              <a:t>C</a:t>
+            </a:r>
+            <a:r>
+              <a:rPr lang="en-US" altLang="zh-CN" sz="3500" dirty="0"/>
+              <a:t>#</a:t>
+            </a:r>
+            <a:r>
+              <a:rPr lang="zh-CN" altLang="en-US" sz="3500" dirty="0"/>
+              <a:t>、</a:t>
+            </a:r>
+            <a:r>
+              <a:rPr lang="en-US" altLang="zh-CN" sz="3500" dirty="0">
+                <a:sym typeface="宋体"/>
+              </a:rPr>
+              <a:t>Objective-C</a:t>
+            </a:r>
+            <a:r>
+              <a:rPr lang="zh-CN" altLang="en-US" sz="3500" dirty="0" smtClean="0"/>
+              <a:t>在学</a:t>
+            </a:r>
+            <a:r>
+              <a:rPr lang="zh-CN" altLang="en-US" sz="3500" dirty="0"/>
+              <a:t>，</a:t>
+            </a:r>
+            <a:r>
+              <a:rPr lang="zh-CN" altLang="en-US" sz="3500" dirty="0" smtClean="0"/>
+              <a:t>所以在尝试该游戏的</a:t>
+            </a:r>
+            <a:r>
+              <a:rPr lang="zh-CN" altLang="en-US" sz="3500" dirty="0"/>
+              <a:t>开发。</a:t>
+            </a:r>
+          </a:p>
+          <a:p>
+            <a:pPr lvl="0"/>
+            <a:endParaRPr lang="zh-CN" altLang="en-US" sz="3500" dirty="0"/>
+          </a:p>
+          <a:p>
+            <a:pPr lvl="0"/>
+            <a:r>
+              <a:rPr lang="zh-CN" altLang="en-US" sz="3500" dirty="0"/>
+              <a:t>问题的复杂性</a:t>
+            </a:r>
+          </a:p>
+          <a:p>
+            <a:pPr lvl="0"/>
+            <a:r>
+              <a:rPr lang="zh-CN" altLang="en-US" sz="3500" dirty="0"/>
+              <a:t>需实现的功能涉及到多方面的技术，目前这些技术大多数还未学习。</a:t>
+            </a:r>
+            <a:endParaRPr lang="en-US" altLang="zh-CN" sz="3500" dirty="0"/>
+          </a:p>
+          <a:p>
+            <a:pPr lvl="0"/>
+            <a:endParaRPr lang="en-US" altLang="zh-CN" sz="3500" dirty="0"/>
+          </a:p>
+          <a:p>
+            <a:pPr lvl="0"/>
+            <a:r>
+              <a:rPr lang="zh-CN" altLang="en-US" sz="3500" dirty="0"/>
+              <a:t>关键技术</a:t>
+            </a:r>
+          </a:p>
+          <a:p>
+            <a:r>
+              <a:rPr lang="zh-TW" altLang="zh-CN" sz="3500" dirty="0"/>
+              <a:t>用户数据仓库：</a:t>
+            </a:r>
+            <a:r>
+              <a:rPr lang="zh-TW" altLang="zh-CN" sz="3500" dirty="0" smtClean="0"/>
+              <a:t>使用线</a:t>
+            </a:r>
+            <a:r>
+              <a:rPr lang="zh-TW" altLang="zh-CN" sz="3500" dirty="0"/>
+              <a:t>下</a:t>
+            </a:r>
+            <a:r>
+              <a:rPr lang="zh-TW" altLang="zh-CN" sz="3500" dirty="0" smtClean="0"/>
+              <a:t>备份，</a:t>
+            </a:r>
+            <a:r>
+              <a:rPr lang="zh-TW" altLang="zh-CN" sz="3500" dirty="0"/>
+              <a:t>即</a:t>
+            </a:r>
+            <a:r>
+              <a:rPr lang="zh-CN" altLang="zh-CN" sz="3500" dirty="0"/>
+              <a:t>app</a:t>
+            </a:r>
+            <a:r>
+              <a:rPr lang="zh-TW" altLang="zh-CN" sz="3500" dirty="0"/>
+              <a:t>程序把用户的数据储存在用户设备的硬盘上</a:t>
+            </a:r>
+            <a:endParaRPr lang="zh-CN" altLang="zh-CN" sz="3500" dirty="0"/>
+          </a:p>
+          <a:p>
+            <a:pPr lvl="0"/>
+            <a:endParaRPr lang="zh-CN" altLang="en-US" sz="3500" dirty="0"/>
+          </a:p>
+          <a:p>
+            <a:endParaRPr lang="zh-CN" altLang="en-US" dirty="0"/>
+          </a:p>
+        </p:txBody>
+      </p:sp>
+    </p:spTree>
+    <p:extLst>
+      <p:ext uri="{BB962C8B-B14F-4D97-AF65-F5344CB8AC3E}">
+        <p14:creationId xmlns:p14="http://schemas.microsoft.com/office/powerpoint/2010/main" val="1133330975"/>
+      </p:ext>
+    </p:extLst>
+  </p:cSld>
+  <p:clrMapOvr>
+    <a:masterClrMapping/>
+  </p:clrMapOvr>
+  <p:transition spd="med"/>
+  <p:timing>
+    <p:tnLst>
+      <p:par>
+        <p:cTn id="1" dur="indefinite" restart="never" nodeType="tmRoot">
+          <p:childTnLst>
+            <p:seq concurrent="1" nextAc="seek">
+              <p:cTn id="2" dur="indefinite" nodeType="mainSeq">
+                <p:childTnLst>
+                  <p:par>
+                    <p:cTn id="3" fill="hold">
+                      <p:stCondLst>
+                        <p:cond delay="indefinite"/>
+                      </p:stCondLst>
+                      <p:childTnLst>
+                        <p:par>
+                          <p:cTn id="4" fill="hold">
+                            <p:stCondLst>
+                              <p:cond delay="0"/>
+                            </p:stCondLst>
+                            <p:childTnLst>
+                              <p:par>
+                                <p:cTn id="5" presetID="10" presetClass="entr" presetSubtype="0" fill="hold" grpId="0" nodeType="clickEffect">
+                                  <p:stCondLst>
+                                    <p:cond delay="0"/>
+                                  </p:stCondLst>
+                                  <p:childTnLst>
+                                    <p:set>
+                                      <p:cBhvr>
+                                        <p:cTn id="6" dur="1" fill="hold">
+                                          <p:stCondLst>
+                                            <p:cond delay="0"/>
+                                          </p:stCondLst>
+                                        </p:cTn>
+                                        <p:tgtEl>
+                                          <p:spTgt spid="2"/>
+                                        </p:tgtEl>
+                                        <p:attrNameLst>
+                                          <p:attrName>style.visibility</p:attrName>
+                                        </p:attrNameLst>
+                                      </p:cBhvr>
+                                      <p:to>
+                                        <p:strVal val="visible"/>
+                                      </p:to>
+                                    </p:set>
+                                    <p:animEffect transition="in" filter="fade">
+                                      <p:cBhvr>
+                                        <p:cTn id="7" dur="500"/>
+                                        <p:tgtEl>
+                                          <p:spTgt spid="2"/>
+                                        </p:tgtEl>
+                                      </p:cBhvr>
+                                    </p:animEffect>
+                                  </p:childTnLst>
+                                </p:cTn>
+                              </p:par>
+                            </p:childTnLst>
+                          </p:cTn>
+                        </p:par>
+                      </p:childTnLst>
+                    </p:cTn>
+                  </p:par>
+                  <p:par>
+                    <p:cTn id="8" fill="hold">
+                      <p:stCondLst>
+                        <p:cond delay="indefinite"/>
+                      </p:stCondLst>
+                      <p:childTnLst>
+                        <p:par>
+                          <p:cTn id="9" fill="hold">
+                            <p:stCondLst>
+                              <p:cond delay="0"/>
+                            </p:stCondLst>
+                            <p:childTnLst>
+                              <p:par>
+                                <p:cTn id="10" presetID="2" presetClass="entr" presetSubtype="4" fill="hold" nodeType="clickEffect">
+                                  <p:stCondLst>
+                                    <p:cond delay="0"/>
+                                  </p:stCondLst>
+                                  <p:childTnLst>
+                                    <p:set>
+                                      <p:cBhvr>
+                                        <p:cTn id="11" dur="1" fill="hold">
+                                          <p:stCondLst>
+                                            <p:cond delay="0"/>
+                                          </p:stCondLst>
+                                        </p:cTn>
+                                        <p:tgtEl>
+                                          <p:spTgt spid="3">
+                                            <p:txEl>
+                                              <p:pRg st="1" end="1"/>
+                                            </p:txEl>
+                                          </p:spTgt>
+                                        </p:tgtEl>
+                                        <p:attrNameLst>
+                                          <p:attrName>style.visibility</p:attrName>
+                                        </p:attrNameLst>
+                                      </p:cBhvr>
+                                      <p:to>
+                                        <p:strVal val="visible"/>
+                                      </p:to>
+                                    </p:set>
+                                    <p:anim calcmode="lin" valueType="num">
+                                      <p:cBhvr additive="base">
+                                        <p:cTn id="12" dur="500" fill="hold"/>
+                                        <p:tgtEl>
+                                          <p:spTgt spid="3">
+                                            <p:txEl>
+                                              <p:pRg st="1" end="1"/>
+                                            </p:txEl>
+                                          </p:spTgt>
+                                        </p:tgtEl>
+                                        <p:attrNameLst>
+                                          <p:attrName>ppt_x</p:attrName>
+                                        </p:attrNameLst>
+                                      </p:cBhvr>
+                                      <p:tavLst>
+                                        <p:tav tm="0">
+                                          <p:val>
+                                            <p:strVal val="#ppt_x"/>
+                                          </p:val>
+                                        </p:tav>
+                                        <p:tav tm="100000">
+                                          <p:val>
+                                            <p:strVal val="#ppt_x"/>
+                                          </p:val>
+                                        </p:tav>
+                                      </p:tavLst>
+                                    </p:anim>
+                                    <p:anim calcmode="lin" valueType="num">
+                                      <p:cBhvr additive="base">
+                                        <p:cTn id="13" dur="500" fill="hold"/>
+                                        <p:tgtEl>
+                                          <p:spTgt spid="3">
+                                            <p:txEl>
+                                              <p:pRg st="1" end="1"/>
+                                            </p:txEl>
+                                          </p:spTgt>
+                                        </p:tgtEl>
+                                        <p:attrNameLst>
+                                          <p:attrName>ppt_y</p:attrName>
+                                        </p:attrNameLst>
+                                      </p:cBhvr>
+                                      <p:tavLst>
+                                        <p:tav tm="0">
+                                          <p:val>
+                                            <p:strVal val="1+#ppt_h/2"/>
+                                          </p:val>
+                                        </p:tav>
+                                        <p:tav tm="100000">
+                                          <p:val>
+                                            <p:strVal val="#ppt_y"/>
+                                          </p:val>
+                                        </p:tav>
+                                      </p:tavLst>
+                                    </p:anim>
+                                  </p:childTnLst>
+                                </p:cTn>
+                              </p:par>
+                              <p:par>
+                                <p:cTn id="14" presetID="2" presetClass="entr" presetSubtype="4" fill="hold" nodeType="withEffect">
+                                  <p:stCondLst>
+                                    <p:cond delay="0"/>
+                                  </p:stCondLst>
+                                  <p:childTnLst>
+                                    <p:set>
+                                      <p:cBhvr>
+                                        <p:cTn id="15" dur="1" fill="hold">
+                                          <p:stCondLst>
+                                            <p:cond delay="0"/>
+                                          </p:stCondLst>
+                                        </p:cTn>
+                                        <p:tgtEl>
+                                          <p:spTgt spid="3">
+                                            <p:txEl>
+                                              <p:pRg st="2" end="2"/>
+                                            </p:txEl>
+                                          </p:spTgt>
+                                        </p:tgtEl>
+                                        <p:attrNameLst>
+                                          <p:attrName>style.visibility</p:attrName>
+                                        </p:attrNameLst>
+                                      </p:cBhvr>
+                                      <p:to>
+                                        <p:strVal val="visible"/>
+                                      </p:to>
+                                    </p:set>
+                                    <p:anim calcmode="lin" valueType="num">
+                                      <p:cBhvr additive="base">
+                                        <p:cTn id="16" dur="500" fill="hold"/>
+                                        <p:tgtEl>
+                                          <p:spTgt spid="3">
+                                            <p:txEl>
+                                              <p:pRg st="2" end="2"/>
+                                            </p:txEl>
+                                          </p:spTgt>
+                                        </p:tgtEl>
+                                        <p:attrNameLst>
+                                          <p:attrName>ppt_x</p:attrName>
+                                        </p:attrNameLst>
+                                      </p:cBhvr>
+                                      <p:tavLst>
+                                        <p:tav tm="0">
+                                          <p:val>
+                                            <p:strVal val="#ppt_x"/>
+                                          </p:val>
+                                        </p:tav>
+                                        <p:tav tm="100000">
+                                          <p:val>
+                                            <p:strVal val="#ppt_x"/>
+                                          </p:val>
+                                        </p:tav>
+                                      </p:tavLst>
+                                    </p:anim>
+                                    <p:anim calcmode="lin" valueType="num">
+                                      <p:cBhvr additive="base">
+                                        <p:cTn id="17" dur="500" fill="hold"/>
+                                        <p:tgtEl>
+                                          <p:spTgt spid="3">
+                                            <p:txEl>
+                                              <p:pRg st="2" end="2"/>
+                                            </p:txEl>
+                                          </p:spTgt>
+                                        </p:tgtEl>
+                                        <p:attrNameLst>
+                                          <p:attrName>ppt_y</p:attrName>
+                                        </p:attrNameLst>
+                                      </p:cBhvr>
+                                      <p:tavLst>
+                                        <p:tav tm="0">
+                                          <p:val>
+                                            <p:strVal val="1+#ppt_h/2"/>
+                                          </p:val>
+                                        </p:tav>
+                                        <p:tav tm="100000">
+                                          <p:val>
+                                            <p:strVal val="#ppt_y"/>
+                                          </p:val>
+                                        </p:tav>
+                                      </p:tavLst>
+                                    </p:anim>
+                                  </p:childTnLst>
+                                </p:cTn>
+                              </p:par>
+                              <p:par>
+                                <p:cTn id="18" presetID="2" presetClass="entr" presetSubtype="4" fill="hold" nodeType="withEffect">
+                                  <p:stCondLst>
+                                    <p:cond delay="0"/>
+                                  </p:stCondLst>
+                                  <p:childTnLst>
+                                    <p:set>
+                                      <p:cBhvr>
+                                        <p:cTn id="19" dur="1" fill="hold">
+                                          <p:stCondLst>
+                                            <p:cond delay="0"/>
+                                          </p:stCondLst>
+                                        </p:cTn>
+                                        <p:tgtEl>
+                                          <p:spTgt spid="3">
+                                            <p:txEl>
+                                              <p:pRg st="3" end="3"/>
+                                            </p:txEl>
+                                          </p:spTgt>
+                                        </p:tgtEl>
+                                        <p:attrNameLst>
+                                          <p:attrName>style.visibility</p:attrName>
+                                        </p:attrNameLst>
+                                      </p:cBhvr>
+                                      <p:to>
+                                        <p:strVal val="visible"/>
+                                      </p:to>
+                                    </p:set>
+                                    <p:anim calcmode="lin" valueType="num">
+                                      <p:cBhvr additive="base">
+                                        <p:cTn id="20" dur="500" fill="hold"/>
+                                        <p:tgtEl>
+                                          <p:spTgt spid="3">
+                                            <p:txEl>
+                                              <p:pRg st="3" end="3"/>
+                                            </p:txEl>
+                                          </p:spTgt>
+                                        </p:tgtEl>
+                                        <p:attrNameLst>
+                                          <p:attrName>ppt_x</p:attrName>
+                                        </p:attrNameLst>
+                                      </p:cBhvr>
+                                      <p:tavLst>
+                                        <p:tav tm="0">
+                                          <p:val>
+                                            <p:strVal val="#ppt_x"/>
+                                          </p:val>
+                                        </p:tav>
+                                        <p:tav tm="100000">
+                                          <p:val>
+                                            <p:strVal val="#ppt_x"/>
+                                          </p:val>
+                                        </p:tav>
+                                      </p:tavLst>
+                                    </p:anim>
+                                    <p:anim calcmode="lin" valueType="num">
+                                      <p:cBhvr additive="base">
+                                        <p:cTn id="21" dur="500" fill="hold"/>
+                                        <p:tgtEl>
+                                          <p:spTgt spid="3">
+                                            <p:txEl>
+                                              <p:pRg st="3" end="3"/>
+                                            </p:txEl>
+                                          </p:spTgt>
+                                        </p:tgtEl>
+                                        <p:attrNameLst>
+                                          <p:attrName>ppt_y</p:attrName>
+                                        </p:attrNameLst>
+                                      </p:cBhvr>
+                                      <p:tavLst>
+                                        <p:tav tm="0">
+                                          <p:val>
+                                            <p:strVal val="1+#ppt_h/2"/>
+                                          </p:val>
+                                        </p:tav>
+                                        <p:tav tm="100000">
+                                          <p:val>
+                                            <p:strVal val="#ppt_y"/>
+                                          </p:val>
+                                        </p:tav>
+                                      </p:tavLst>
+                                    </p:anim>
+                                  </p:childTnLst>
+                                </p:cTn>
+                              </p:par>
+                              <p:par>
+                                <p:cTn id="22" presetID="2" presetClass="entr" presetSubtype="4" fill="hold" nodeType="withEffect">
+                                  <p:stCondLst>
+                                    <p:cond delay="0"/>
+                                  </p:stCondLst>
+                                  <p:childTnLst>
+                                    <p:set>
+                                      <p:cBhvr>
+                                        <p:cTn id="23" dur="1" fill="hold">
+                                          <p:stCondLst>
+                                            <p:cond delay="0"/>
+                                          </p:stCondLst>
+                                        </p:cTn>
+                                        <p:tgtEl>
+                                          <p:spTgt spid="3">
+                                            <p:txEl>
+                                              <p:pRg st="5" end="5"/>
+                                            </p:txEl>
+                                          </p:spTgt>
+                                        </p:tgtEl>
+                                        <p:attrNameLst>
+                                          <p:attrName>style.visibility</p:attrName>
+                                        </p:attrNameLst>
+                                      </p:cBhvr>
+                                      <p:to>
+                                        <p:strVal val="visible"/>
+                                      </p:to>
+                                    </p:set>
+                                    <p:anim calcmode="lin" valueType="num">
+                                      <p:cBhvr additive="base">
+                                        <p:cTn id="24" dur="500" fill="hold"/>
+                                        <p:tgtEl>
+                                          <p:spTgt spid="3">
+                                            <p:txEl>
+                                              <p:pRg st="5" end="5"/>
+                                            </p:txEl>
+                                          </p:spTgt>
+                                        </p:tgtEl>
+                                        <p:attrNameLst>
+                                          <p:attrName>ppt_x</p:attrName>
+                                        </p:attrNameLst>
+                                      </p:cBhvr>
+                                      <p:tavLst>
+                                        <p:tav tm="0">
+                                          <p:val>
+                                            <p:strVal val="#ppt_x"/>
+                                          </p:val>
+                                        </p:tav>
+                                        <p:tav tm="100000">
+                                          <p:val>
+                                            <p:strVal val="#ppt_x"/>
+                                          </p:val>
+                                        </p:tav>
+                                      </p:tavLst>
+                                    </p:anim>
+                                    <p:anim calcmode="lin" valueType="num">
+                                      <p:cBhvr additive="base">
+                                        <p:cTn id="25" dur="500" fill="hold"/>
+                                        <p:tgtEl>
+                                          <p:spTgt spid="3">
+                                            <p:txEl>
+                                              <p:pRg st="5" end="5"/>
+                                            </p:txEl>
+                                          </p:spTgt>
+                                        </p:tgtEl>
+                                        <p:attrNameLst>
+                                          <p:attrName>ppt_y</p:attrName>
+                                        </p:attrNameLst>
+                                      </p:cBhvr>
+                                      <p:tavLst>
+                                        <p:tav tm="0">
+                                          <p:val>
+                                            <p:strVal val="1+#ppt_h/2"/>
+                                          </p:val>
+                                        </p:tav>
+                                        <p:tav tm="100000">
+                                          <p:val>
+                                            <p:strVal val="#ppt_y"/>
+                                          </p:val>
+                                        </p:tav>
+                                      </p:tavLst>
+                                    </p:anim>
+                                  </p:childTnLst>
+                                </p:cTn>
+                              </p:par>
+                              <p:par>
+                                <p:cTn id="26" presetID="2" presetClass="entr" presetSubtype="4" fill="hold" nodeType="withEffect">
+                                  <p:stCondLst>
+                                    <p:cond delay="0"/>
+                                  </p:stCondLst>
+                                  <p:childTnLst>
+                                    <p:set>
+                                      <p:cBhvr>
+                                        <p:cTn id="27" dur="1" fill="hold">
+                                          <p:stCondLst>
+                                            <p:cond delay="0"/>
+                                          </p:stCondLst>
+                                        </p:cTn>
+                                        <p:tgtEl>
+                                          <p:spTgt spid="3">
+                                            <p:txEl>
+                                              <p:pRg st="6" end="6"/>
+                                            </p:txEl>
+                                          </p:spTgt>
+                                        </p:tgtEl>
+                                        <p:attrNameLst>
+                                          <p:attrName>style.visibility</p:attrName>
+                                        </p:attrNameLst>
+                                      </p:cBhvr>
+                                      <p:to>
+                                        <p:strVal val="visible"/>
+                                      </p:to>
+                                    </p:set>
+                                    <p:anim calcmode="lin" valueType="num">
+                                      <p:cBhvr additive="base">
+                                        <p:cTn id="28" dur="500" fill="hold"/>
+                                        <p:tgtEl>
+                                          <p:spTgt spid="3">
+                                            <p:txEl>
+                                              <p:pRg st="6" end="6"/>
+                                            </p:txEl>
+                                          </p:spTgt>
+                                        </p:tgtEl>
+                                        <p:attrNameLst>
+                                          <p:attrName>ppt_x</p:attrName>
+                                        </p:attrNameLst>
+                                      </p:cBhvr>
+                                      <p:tavLst>
+                                        <p:tav tm="0">
+                                          <p:val>
+                                            <p:strVal val="#ppt_x"/>
+                                          </p:val>
+                                        </p:tav>
+                                        <p:tav tm="100000">
+                                          <p:val>
+                                            <p:strVal val="#ppt_x"/>
+                                          </p:val>
+                                        </p:tav>
+                                      </p:tavLst>
+                                    </p:anim>
+                                    <p:anim calcmode="lin" valueType="num">
+                                      <p:cBhvr additive="base">
+                                        <p:cTn id="29" dur="500" fill="hold"/>
+                                        <p:tgtEl>
+                                          <p:spTgt spid="3">
+                                            <p:txEl>
+                                              <p:pRg st="6" end="6"/>
+                                            </p:txEl>
+                                          </p:spTgt>
+                                        </p:tgtEl>
+                                        <p:attrNameLst>
+                                          <p:attrName>ppt_y</p:attrName>
+                                        </p:attrNameLst>
+                                      </p:cBhvr>
+                                      <p:tavLst>
+                                        <p:tav tm="0">
+                                          <p:val>
+                                            <p:strVal val="1+#ppt_h/2"/>
+                                          </p:val>
+                                        </p:tav>
+                                        <p:tav tm="100000">
+                                          <p:val>
+                                            <p:strVal val="#ppt_y"/>
+                                          </p:val>
+                                        </p:tav>
+                                      </p:tavLst>
+                                    </p:anim>
+                                  </p:childTnLst>
+                                </p:cTn>
+                              </p:par>
+                              <p:par>
+                                <p:cTn id="30" presetID="2" presetClass="entr" presetSubtype="4" fill="hold" nodeType="withEffect">
+                                  <p:stCondLst>
+                                    <p:cond delay="0"/>
+                                  </p:stCondLst>
+                                  <p:childTnLst>
+                                    <p:set>
+                                      <p:cBhvr>
+                                        <p:cTn id="31" dur="1" fill="hold">
+                                          <p:stCondLst>
+                                            <p:cond delay="0"/>
+                                          </p:stCondLst>
+                                        </p:cTn>
+                                        <p:tgtEl>
+                                          <p:spTgt spid="3">
+                                            <p:txEl>
+                                              <p:pRg st="8" end="8"/>
+                                            </p:txEl>
+                                          </p:spTgt>
+                                        </p:tgtEl>
+                                        <p:attrNameLst>
+                                          <p:attrName>style.visibility</p:attrName>
+                                        </p:attrNameLst>
+                                      </p:cBhvr>
+                                      <p:to>
+                                        <p:strVal val="visible"/>
+                                      </p:to>
+                                    </p:set>
+                                    <p:anim calcmode="lin" valueType="num">
+                                      <p:cBhvr additive="base">
+                                        <p:cTn id="32" dur="500" fill="hold"/>
+                                        <p:tgtEl>
+                                          <p:spTgt spid="3">
+                                            <p:txEl>
+                                              <p:pRg st="8" end="8"/>
+                                            </p:txEl>
+                                          </p:spTgt>
+                                        </p:tgtEl>
+                                        <p:attrNameLst>
+                                          <p:attrName>ppt_x</p:attrName>
+                                        </p:attrNameLst>
+                                      </p:cBhvr>
+                                      <p:tavLst>
+                                        <p:tav tm="0">
+                                          <p:val>
+                                            <p:strVal val="#ppt_x"/>
+                                          </p:val>
+                                        </p:tav>
+                                        <p:tav tm="100000">
+                                          <p:val>
+                                            <p:strVal val="#ppt_x"/>
+                                          </p:val>
+                                        </p:tav>
+                                      </p:tavLst>
+                                    </p:anim>
+                                    <p:anim calcmode="lin" valueType="num">
+                                      <p:cBhvr additive="base">
+                                        <p:cTn id="33" dur="500" fill="hold"/>
+                                        <p:tgtEl>
+                                          <p:spTgt spid="3">
+                                            <p:txEl>
+                                              <p:pRg st="8" end="8"/>
+                                            </p:txEl>
+                                          </p:spTgt>
+                                        </p:tgtEl>
+                                        <p:attrNameLst>
+                                          <p:attrName>ppt_y</p:attrName>
+                                        </p:attrNameLst>
+                                      </p:cBhvr>
+                                      <p:tavLst>
+                                        <p:tav tm="0">
+                                          <p:val>
+                                            <p:strVal val="1+#ppt_h/2"/>
+                                          </p:val>
+                                        </p:tav>
+                                        <p:tav tm="100000">
+                                          <p:val>
+                                            <p:strVal val="#ppt_y"/>
+                                          </p:val>
+                                        </p:tav>
+                                      </p:tavLst>
+                                    </p:anim>
+                                  </p:childTnLst>
+                                </p:cTn>
+                              </p:par>
+                              <p:par>
+                                <p:cTn id="34" presetID="2" presetClass="entr" presetSubtype="4" fill="hold" nodeType="withEffect">
+                                  <p:stCondLst>
+                                    <p:cond delay="0"/>
+                                  </p:stCondLst>
+                                  <p:childTnLst>
+                                    <p:set>
+                                      <p:cBhvr>
+                                        <p:cTn id="35" dur="1" fill="hold">
+                                          <p:stCondLst>
+                                            <p:cond delay="0"/>
+                                          </p:stCondLst>
+                                        </p:cTn>
+                                        <p:tgtEl>
+                                          <p:spTgt spid="3">
+                                            <p:txEl>
+                                              <p:pRg st="9" end="9"/>
+                                            </p:txEl>
+                                          </p:spTgt>
+                                        </p:tgtEl>
+                                        <p:attrNameLst>
+                                          <p:attrName>style.visibility</p:attrName>
+                                        </p:attrNameLst>
+                                      </p:cBhvr>
+                                      <p:to>
+                                        <p:strVal val="visible"/>
+                                      </p:to>
+                                    </p:set>
+                                    <p:anim calcmode="lin" valueType="num">
+                                      <p:cBhvr additive="base">
+                                        <p:cTn id="36" dur="500" fill="hold"/>
+                                        <p:tgtEl>
+                                          <p:spTgt spid="3">
+                                            <p:txEl>
+                                              <p:pRg st="9" end="9"/>
+                                            </p:txEl>
+                                          </p:spTgt>
+                                        </p:tgtEl>
+                                        <p:attrNameLst>
+                                          <p:attrName>ppt_x</p:attrName>
+                                        </p:attrNameLst>
+                                      </p:cBhvr>
+                                      <p:tavLst>
+                                        <p:tav tm="0">
+                                          <p:val>
+                                            <p:strVal val="#ppt_x"/>
+                                          </p:val>
+                                        </p:tav>
+                                        <p:tav tm="100000">
+                                          <p:val>
+                                            <p:strVal val="#ppt_x"/>
+                                          </p:val>
+                                        </p:tav>
+                                      </p:tavLst>
+                                    </p:anim>
+                                    <p:anim calcmode="lin" valueType="num">
+                                      <p:cBhvr additive="base">
+                                        <p:cTn id="37" dur="500" fill="hold"/>
+                                        <p:tgtEl>
+                                          <p:spTgt spid="3">
+                                            <p:txEl>
+                                              <p:pRg st="9" end="9"/>
+                                            </p:txEl>
+                                          </p:spTgt>
+                                        </p:tgtEl>
+                                        <p:attrNameLst>
+                                          <p:attrName>ppt_y</p:attrName>
+                                        </p:attrNameLst>
+                                      </p:cBhvr>
+                                      <p:tavLst>
+                                        <p:tav tm="0">
+                                          <p:val>
+                                            <p:strVal val="1+#ppt_h/2"/>
+                                          </p:val>
+                                        </p:tav>
+                                        <p:tav tm="100000">
+                                          <p:val>
+                                            <p:strVal val="#ppt_y"/>
+                                          </p:val>
+                                        </p:tav>
+                                      </p:tavLst>
+                                    </p:anim>
+                                  </p:childTnLst>
+                                </p:cTn>
+                              </p:par>
+                            </p:childTnLst>
+                          </p:cTn>
+                        </p:par>
+                      </p:childTnLst>
+                    </p:cTn>
+                  </p:par>
+                </p:childTnLst>
+              </p:cTn>
+              <p:prevCondLst>
+                <p:cond evt="onPrev" delay="0">
+                  <p:tgtEl>
+                    <p:sldTgt/>
+                  </p:tgtEl>
+                </p:cond>
+              </p:prevCondLst>
+              <p:nextCondLst>
+                <p:cond evt="onNext" delay="0">
+                  <p:tgtEl>
+                    <p:sldTgt/>
+                  </p:tgtEl>
+                </p:cond>
+              </p:nextCondLst>
+            </p:seq>
+          </p:childTnLst>
+        </p:cTn>
+      </p:par>
+    </p:tnLst>
+    <p:bldLst>
+      <p:bldP spid="2" grpId="0" animBg="1"/>
+    </p:bldLst>
+  </p:timing>
+</p:sld>
+</file>
+
+<file path=ppt/slides/slide12.xml><?xml version="1.0" encoding="utf-8"?>
 <p:sld xmlns:a="http://schemas.openxmlformats.org/drawingml/2006/main" xmlns:r="http://schemas.openxmlformats.org/officeDocument/2006/relationships" xmlns:p="http://schemas.openxmlformats.org/presentationml/2006/main">
   <p:cSld>
     <p:spTree>
@@ -4491,9 +5991,10 @@
               <a:defRPr b="1"/>
             </a:pPr>
             <a:r>
-              <a:rPr b="0"/>
+              <a:rPr b="0" dirty="0" err="1"/>
               <a:t>工具使用</a:t>
             </a:r>
+            <a:endParaRPr b="0" dirty="0"/>
           </a:p>
         </p:txBody>
       </p:sp>
@@ -4530,7 +6031,12 @@
               <a:defRPr sz="2200"/>
             </a:pPr>
             <a:r>
-              <a:t>VScode：VScode是一个基本完整的开发工具集，它包括了整个软件生命周期中所需要的大部分工具。</a:t>
+              <a:rPr dirty="0" err="1"/>
+              <a:t>VScode：VScode是一个基本完整的开发工具集，它包括了整个软件生命周期中所需要的大部分工具</a:t>
+            </a:r>
+            <a:r>
+              <a:rPr dirty="0"/>
+              <a:t>。</a:t>
             </a:r>
           </a:p>
           <a:p>
@@ -4544,7 +6050,24 @@
               <a:defRPr sz="2200"/>
             </a:pPr>
             <a:r>
-              <a:t>Power Designer：Power Designer能方便地对管理信息系统进行分析设计，他几乎包括了数据库模型设计的全过程。</a:t>
+              <a:rPr dirty="0"/>
+              <a:t>Power </a:t>
+            </a:r>
+            <a:r>
+              <a:rPr dirty="0" err="1"/>
+              <a:t>Designer：Power</a:t>
+            </a:r>
+            <a:r>
+              <a:rPr dirty="0"/>
+              <a:t> </a:t>
+            </a:r>
+            <a:r>
+              <a:rPr dirty="0" err="1"/>
+              <a:t>Designer能方便地对管理信息系统进行分析设计，他几乎包括了数据库模型设计的全过程</a:t>
+            </a:r>
+            <a:r>
+              <a:rPr dirty="0"/>
+              <a:t>。</a:t>
             </a:r>
           </a:p>
           <a:p>
@@ -4558,7 +6081,12 @@
               <a:defRPr sz="2200"/>
             </a:pPr>
             <a:r>
-              <a:t>Git：是一个开源的分布式版本控制系统，可以有效、高速的处理从很小到非常大的项目版本管理。</a:t>
+              <a:rPr dirty="0" err="1"/>
+              <a:t>Git：是一个开源的分布式版本控制系统，可以有效、高速的处理从很小到非常大的项目版本管理</a:t>
+            </a:r>
+            <a:r>
+              <a:rPr dirty="0"/>
+              <a:t>。</a:t>
             </a:r>
           </a:p>
           <a:p>
@@ -4572,7 +6100,12 @@
               <a:defRPr sz="2200"/>
             </a:pPr>
             <a:r>
-              <a:t>Project：通用的项目管理工具软件。</a:t>
+              <a:rPr dirty="0" err="1"/>
+              <a:t>Project：通用的项目管理工具软件</a:t>
+            </a:r>
+            <a:r>
+              <a:rPr dirty="0"/>
+              <a:t>。</a:t>
             </a:r>
           </a:p>
           <a:p>
@@ -4586,7 +6119,12 @@
               <a:defRPr sz="2200"/>
             </a:pPr>
             <a:r>
-              <a:t>Axure：较为普及的软件交互式页面设计软件。</a:t>
+              <a:rPr dirty="0" err="1"/>
+              <a:t>Axure：较为普及的软件交互式页面设计软件</a:t>
+            </a:r>
+            <a:r>
+              <a:rPr dirty="0"/>
+              <a:t>。</a:t>
             </a:r>
           </a:p>
           <a:p>
@@ -4600,6 +6138,7 @@
               <a:defRPr sz="2200"/>
             </a:pPr>
             <a:r>
+              <a:rPr dirty="0"/>
               <a:t>Unity3D：一个3D游戏设计引擎，能实现的众多功能，可导出不同平台的APP</a:t>
             </a:r>
           </a:p>
@@ -4611,10 +6150,894 @@
     <a:masterClrMapping/>
   </p:clrMapOvr>
   <p:transition spd="med"/>
+  <p:timing>
+    <p:tnLst>
+      <p:par>
+        <p:cTn id="1" dur="indefinite" restart="never" nodeType="tmRoot">
+          <p:childTnLst>
+            <p:seq concurrent="1" nextAc="seek">
+              <p:cTn id="2" dur="indefinite" nodeType="mainSeq">
+                <p:childTnLst>
+                  <p:par>
+                    <p:cTn id="3" fill="hold">
+                      <p:stCondLst>
+                        <p:cond delay="indefinite"/>
+                      </p:stCondLst>
+                      <p:childTnLst>
+                        <p:par>
+                          <p:cTn id="4" fill="hold">
+                            <p:stCondLst>
+                              <p:cond delay="0"/>
+                            </p:stCondLst>
+                            <p:childTnLst>
+                              <p:par>
+                                <p:cTn id="5" presetID="21" presetClass="entr" presetSubtype="1" fill="hold" grpId="0" nodeType="clickEffect">
+                                  <p:stCondLst>
+                                    <p:cond delay="0"/>
+                                  </p:stCondLst>
+                                  <p:childTnLst>
+                                    <p:set>
+                                      <p:cBhvr>
+                                        <p:cTn id="6" dur="1" fill="hold">
+                                          <p:stCondLst>
+                                            <p:cond delay="0"/>
+                                          </p:stCondLst>
+                                        </p:cTn>
+                                        <p:tgtEl>
+                                          <p:spTgt spid="153"/>
+                                        </p:tgtEl>
+                                        <p:attrNameLst>
+                                          <p:attrName>style.visibility</p:attrName>
+                                        </p:attrNameLst>
+                                      </p:cBhvr>
+                                      <p:to>
+                                        <p:strVal val="visible"/>
+                                      </p:to>
+                                    </p:set>
+                                    <p:animEffect transition="in" filter="wheel(1)">
+                                      <p:cBhvr>
+                                        <p:cTn id="7" dur="2000"/>
+                                        <p:tgtEl>
+                                          <p:spTgt spid="153"/>
+                                        </p:tgtEl>
+                                      </p:cBhvr>
+                                    </p:animEffect>
+                                  </p:childTnLst>
+                                </p:cTn>
+                              </p:par>
+                            </p:childTnLst>
+                          </p:cTn>
+                        </p:par>
+                      </p:childTnLst>
+                    </p:cTn>
+                  </p:par>
+                  <p:par>
+                    <p:cTn id="8" fill="hold">
+                      <p:stCondLst>
+                        <p:cond delay="indefinite"/>
+                      </p:stCondLst>
+                      <p:childTnLst>
+                        <p:par>
+                          <p:cTn id="9" fill="hold">
+                            <p:stCondLst>
+                              <p:cond delay="0"/>
+                            </p:stCondLst>
+                            <p:childTnLst>
+                              <p:par>
+                                <p:cTn id="10" presetID="42" presetClass="entr" presetSubtype="0" fill="hold" grpId="0" nodeType="clickEffect">
+                                  <p:stCondLst>
+                                    <p:cond delay="0"/>
+                                  </p:stCondLst>
+                                  <p:childTnLst>
+                                    <p:set>
+                                      <p:cBhvr>
+                                        <p:cTn id="11" dur="1" fill="hold">
+                                          <p:stCondLst>
+                                            <p:cond delay="0"/>
+                                          </p:stCondLst>
+                                        </p:cTn>
+                                        <p:tgtEl>
+                                          <p:spTgt spid="154">
+                                            <p:bg/>
+                                          </p:spTgt>
+                                        </p:tgtEl>
+                                        <p:attrNameLst>
+                                          <p:attrName>style.visibility</p:attrName>
+                                        </p:attrNameLst>
+                                      </p:cBhvr>
+                                      <p:to>
+                                        <p:strVal val="visible"/>
+                                      </p:to>
+                                    </p:set>
+                                    <p:animEffect transition="in" filter="fade">
+                                      <p:cBhvr>
+                                        <p:cTn id="12" dur="1000"/>
+                                        <p:tgtEl>
+                                          <p:spTgt spid="154">
+                                            <p:bg/>
+                                          </p:spTgt>
+                                        </p:tgtEl>
+                                      </p:cBhvr>
+                                    </p:animEffect>
+                                    <p:anim calcmode="lin" valueType="num">
+                                      <p:cBhvr>
+                                        <p:cTn id="13" dur="1000" fill="hold"/>
+                                        <p:tgtEl>
+                                          <p:spTgt spid="154">
+                                            <p:bg/>
+                                          </p:spTgt>
+                                        </p:tgtEl>
+                                        <p:attrNameLst>
+                                          <p:attrName>ppt_x</p:attrName>
+                                        </p:attrNameLst>
+                                      </p:cBhvr>
+                                      <p:tavLst>
+                                        <p:tav tm="0">
+                                          <p:val>
+                                            <p:strVal val="#ppt_x"/>
+                                          </p:val>
+                                        </p:tav>
+                                        <p:tav tm="100000">
+                                          <p:val>
+                                            <p:strVal val="#ppt_x"/>
+                                          </p:val>
+                                        </p:tav>
+                                      </p:tavLst>
+                                    </p:anim>
+                                    <p:anim calcmode="lin" valueType="num">
+                                      <p:cBhvr>
+                                        <p:cTn id="14" dur="1000" fill="hold"/>
+                                        <p:tgtEl>
+                                          <p:spTgt spid="154">
+                                            <p:bg/>
+                                          </p:spTgt>
+                                        </p:tgtEl>
+                                        <p:attrNameLst>
+                                          <p:attrName>ppt_y</p:attrName>
+                                        </p:attrNameLst>
+                                      </p:cBhvr>
+                                      <p:tavLst>
+                                        <p:tav tm="0">
+                                          <p:val>
+                                            <p:strVal val="#ppt_y+.1"/>
+                                          </p:val>
+                                        </p:tav>
+                                        <p:tav tm="100000">
+                                          <p:val>
+                                            <p:strVal val="#ppt_y"/>
+                                          </p:val>
+                                        </p:tav>
+                                      </p:tavLst>
+                                    </p:anim>
+                                  </p:childTnLst>
+                                </p:cTn>
+                              </p:par>
+                            </p:childTnLst>
+                          </p:cTn>
+                        </p:par>
+                      </p:childTnLst>
+                    </p:cTn>
+                  </p:par>
+                  <p:par>
+                    <p:cTn id="15" fill="hold">
+                      <p:stCondLst>
+                        <p:cond delay="indefinite"/>
+                      </p:stCondLst>
+                      <p:childTnLst>
+                        <p:par>
+                          <p:cTn id="16" fill="hold">
+                            <p:stCondLst>
+                              <p:cond delay="0"/>
+                            </p:stCondLst>
+                            <p:childTnLst>
+                              <p:par>
+                                <p:cTn id="17" presetID="42" presetClass="entr" presetSubtype="0" fill="hold" grpId="0" nodeType="clickEffect">
+                                  <p:stCondLst>
+                                    <p:cond delay="0"/>
+                                  </p:stCondLst>
+                                  <p:childTnLst>
+                                    <p:set>
+                                      <p:cBhvr>
+                                        <p:cTn id="18" dur="1" fill="hold">
+                                          <p:stCondLst>
+                                            <p:cond delay="0"/>
+                                          </p:stCondLst>
+                                        </p:cTn>
+                                        <p:tgtEl>
+                                          <p:spTgt spid="154">
+                                            <p:txEl>
+                                              <p:pRg st="0" end="0"/>
+                                            </p:txEl>
+                                          </p:spTgt>
+                                        </p:tgtEl>
+                                        <p:attrNameLst>
+                                          <p:attrName>style.visibility</p:attrName>
+                                        </p:attrNameLst>
+                                      </p:cBhvr>
+                                      <p:to>
+                                        <p:strVal val="visible"/>
+                                      </p:to>
+                                    </p:set>
+                                    <p:animEffect transition="in" filter="fade">
+                                      <p:cBhvr>
+                                        <p:cTn id="19" dur="1000"/>
+                                        <p:tgtEl>
+                                          <p:spTgt spid="154">
+                                            <p:txEl>
+                                              <p:pRg st="0" end="0"/>
+                                            </p:txEl>
+                                          </p:spTgt>
+                                        </p:tgtEl>
+                                      </p:cBhvr>
+                                    </p:animEffect>
+                                    <p:anim calcmode="lin" valueType="num">
+                                      <p:cBhvr>
+                                        <p:cTn id="20" dur="1000" fill="hold"/>
+                                        <p:tgtEl>
+                                          <p:spTgt spid="154">
+                                            <p:txEl>
+                                              <p:pRg st="0" end="0"/>
+                                            </p:txEl>
+                                          </p:spTgt>
+                                        </p:tgtEl>
+                                        <p:attrNameLst>
+                                          <p:attrName>ppt_x</p:attrName>
+                                        </p:attrNameLst>
+                                      </p:cBhvr>
+                                      <p:tavLst>
+                                        <p:tav tm="0">
+                                          <p:val>
+                                            <p:strVal val="#ppt_x"/>
+                                          </p:val>
+                                        </p:tav>
+                                        <p:tav tm="100000">
+                                          <p:val>
+                                            <p:strVal val="#ppt_x"/>
+                                          </p:val>
+                                        </p:tav>
+                                      </p:tavLst>
+                                    </p:anim>
+                                    <p:anim calcmode="lin" valueType="num">
+                                      <p:cBhvr>
+                                        <p:cTn id="21" dur="1000" fill="hold"/>
+                                        <p:tgtEl>
+                                          <p:spTgt spid="154">
+                                            <p:txEl>
+                                              <p:pRg st="0" end="0"/>
+                                            </p:txEl>
+                                          </p:spTgt>
+                                        </p:tgtEl>
+                                        <p:attrNameLst>
+                                          <p:attrName>ppt_y</p:attrName>
+                                        </p:attrNameLst>
+                                      </p:cBhvr>
+                                      <p:tavLst>
+                                        <p:tav tm="0">
+                                          <p:val>
+                                            <p:strVal val="#ppt_y+.1"/>
+                                          </p:val>
+                                        </p:tav>
+                                        <p:tav tm="100000">
+                                          <p:val>
+                                            <p:strVal val="#ppt_y"/>
+                                          </p:val>
+                                        </p:tav>
+                                      </p:tavLst>
+                                    </p:anim>
+                                  </p:childTnLst>
+                                </p:cTn>
+                              </p:par>
+                            </p:childTnLst>
+                          </p:cTn>
+                        </p:par>
+                      </p:childTnLst>
+                    </p:cTn>
+                  </p:par>
+                  <p:par>
+                    <p:cTn id="22" fill="hold">
+                      <p:stCondLst>
+                        <p:cond delay="indefinite"/>
+                      </p:stCondLst>
+                      <p:childTnLst>
+                        <p:par>
+                          <p:cTn id="23" fill="hold">
+                            <p:stCondLst>
+                              <p:cond delay="0"/>
+                            </p:stCondLst>
+                            <p:childTnLst>
+                              <p:par>
+                                <p:cTn id="24" presetID="42" presetClass="entr" presetSubtype="0" fill="hold" grpId="0" nodeType="clickEffect">
+                                  <p:stCondLst>
+                                    <p:cond delay="0"/>
+                                  </p:stCondLst>
+                                  <p:childTnLst>
+                                    <p:set>
+                                      <p:cBhvr>
+                                        <p:cTn id="25" dur="1" fill="hold">
+                                          <p:stCondLst>
+                                            <p:cond delay="0"/>
+                                          </p:stCondLst>
+                                        </p:cTn>
+                                        <p:tgtEl>
+                                          <p:spTgt spid="154">
+                                            <p:txEl>
+                                              <p:pRg st="1" end="1"/>
+                                            </p:txEl>
+                                          </p:spTgt>
+                                        </p:tgtEl>
+                                        <p:attrNameLst>
+                                          <p:attrName>style.visibility</p:attrName>
+                                        </p:attrNameLst>
+                                      </p:cBhvr>
+                                      <p:to>
+                                        <p:strVal val="visible"/>
+                                      </p:to>
+                                    </p:set>
+                                    <p:animEffect transition="in" filter="fade">
+                                      <p:cBhvr>
+                                        <p:cTn id="26" dur="1000"/>
+                                        <p:tgtEl>
+                                          <p:spTgt spid="154">
+                                            <p:txEl>
+                                              <p:pRg st="1" end="1"/>
+                                            </p:txEl>
+                                          </p:spTgt>
+                                        </p:tgtEl>
+                                      </p:cBhvr>
+                                    </p:animEffect>
+                                    <p:anim calcmode="lin" valueType="num">
+                                      <p:cBhvr>
+                                        <p:cTn id="27" dur="1000" fill="hold"/>
+                                        <p:tgtEl>
+                                          <p:spTgt spid="154">
+                                            <p:txEl>
+                                              <p:pRg st="1" end="1"/>
+                                            </p:txEl>
+                                          </p:spTgt>
+                                        </p:tgtEl>
+                                        <p:attrNameLst>
+                                          <p:attrName>ppt_x</p:attrName>
+                                        </p:attrNameLst>
+                                      </p:cBhvr>
+                                      <p:tavLst>
+                                        <p:tav tm="0">
+                                          <p:val>
+                                            <p:strVal val="#ppt_x"/>
+                                          </p:val>
+                                        </p:tav>
+                                        <p:tav tm="100000">
+                                          <p:val>
+                                            <p:strVal val="#ppt_x"/>
+                                          </p:val>
+                                        </p:tav>
+                                      </p:tavLst>
+                                    </p:anim>
+                                    <p:anim calcmode="lin" valueType="num">
+                                      <p:cBhvr>
+                                        <p:cTn id="28" dur="1000" fill="hold"/>
+                                        <p:tgtEl>
+                                          <p:spTgt spid="154">
+                                            <p:txEl>
+                                              <p:pRg st="1" end="1"/>
+                                            </p:txEl>
+                                          </p:spTgt>
+                                        </p:tgtEl>
+                                        <p:attrNameLst>
+                                          <p:attrName>ppt_y</p:attrName>
+                                        </p:attrNameLst>
+                                      </p:cBhvr>
+                                      <p:tavLst>
+                                        <p:tav tm="0">
+                                          <p:val>
+                                            <p:strVal val="#ppt_y+.1"/>
+                                          </p:val>
+                                        </p:tav>
+                                        <p:tav tm="100000">
+                                          <p:val>
+                                            <p:strVal val="#ppt_y"/>
+                                          </p:val>
+                                        </p:tav>
+                                      </p:tavLst>
+                                    </p:anim>
+                                  </p:childTnLst>
+                                </p:cTn>
+                              </p:par>
+                            </p:childTnLst>
+                          </p:cTn>
+                        </p:par>
+                      </p:childTnLst>
+                    </p:cTn>
+                  </p:par>
+                  <p:par>
+                    <p:cTn id="29" fill="hold">
+                      <p:stCondLst>
+                        <p:cond delay="indefinite"/>
+                      </p:stCondLst>
+                      <p:childTnLst>
+                        <p:par>
+                          <p:cTn id="30" fill="hold">
+                            <p:stCondLst>
+                              <p:cond delay="0"/>
+                            </p:stCondLst>
+                            <p:childTnLst>
+                              <p:par>
+                                <p:cTn id="31" presetID="42" presetClass="entr" presetSubtype="0" fill="hold" grpId="0" nodeType="clickEffect">
+                                  <p:stCondLst>
+                                    <p:cond delay="0"/>
+                                  </p:stCondLst>
+                                  <p:childTnLst>
+                                    <p:set>
+                                      <p:cBhvr>
+                                        <p:cTn id="32" dur="1" fill="hold">
+                                          <p:stCondLst>
+                                            <p:cond delay="0"/>
+                                          </p:stCondLst>
+                                        </p:cTn>
+                                        <p:tgtEl>
+                                          <p:spTgt spid="154">
+                                            <p:txEl>
+                                              <p:pRg st="2" end="2"/>
+                                            </p:txEl>
+                                          </p:spTgt>
+                                        </p:tgtEl>
+                                        <p:attrNameLst>
+                                          <p:attrName>style.visibility</p:attrName>
+                                        </p:attrNameLst>
+                                      </p:cBhvr>
+                                      <p:to>
+                                        <p:strVal val="visible"/>
+                                      </p:to>
+                                    </p:set>
+                                    <p:animEffect transition="in" filter="fade">
+                                      <p:cBhvr>
+                                        <p:cTn id="33" dur="1000"/>
+                                        <p:tgtEl>
+                                          <p:spTgt spid="154">
+                                            <p:txEl>
+                                              <p:pRg st="2" end="2"/>
+                                            </p:txEl>
+                                          </p:spTgt>
+                                        </p:tgtEl>
+                                      </p:cBhvr>
+                                    </p:animEffect>
+                                    <p:anim calcmode="lin" valueType="num">
+                                      <p:cBhvr>
+                                        <p:cTn id="34" dur="1000" fill="hold"/>
+                                        <p:tgtEl>
+                                          <p:spTgt spid="154">
+                                            <p:txEl>
+                                              <p:pRg st="2" end="2"/>
+                                            </p:txEl>
+                                          </p:spTgt>
+                                        </p:tgtEl>
+                                        <p:attrNameLst>
+                                          <p:attrName>ppt_x</p:attrName>
+                                        </p:attrNameLst>
+                                      </p:cBhvr>
+                                      <p:tavLst>
+                                        <p:tav tm="0">
+                                          <p:val>
+                                            <p:strVal val="#ppt_x"/>
+                                          </p:val>
+                                        </p:tav>
+                                        <p:tav tm="100000">
+                                          <p:val>
+                                            <p:strVal val="#ppt_x"/>
+                                          </p:val>
+                                        </p:tav>
+                                      </p:tavLst>
+                                    </p:anim>
+                                    <p:anim calcmode="lin" valueType="num">
+                                      <p:cBhvr>
+                                        <p:cTn id="35" dur="1000" fill="hold"/>
+                                        <p:tgtEl>
+                                          <p:spTgt spid="154">
+                                            <p:txEl>
+                                              <p:pRg st="2" end="2"/>
+                                            </p:txEl>
+                                          </p:spTgt>
+                                        </p:tgtEl>
+                                        <p:attrNameLst>
+                                          <p:attrName>ppt_y</p:attrName>
+                                        </p:attrNameLst>
+                                      </p:cBhvr>
+                                      <p:tavLst>
+                                        <p:tav tm="0">
+                                          <p:val>
+                                            <p:strVal val="#ppt_y+.1"/>
+                                          </p:val>
+                                        </p:tav>
+                                        <p:tav tm="100000">
+                                          <p:val>
+                                            <p:strVal val="#ppt_y"/>
+                                          </p:val>
+                                        </p:tav>
+                                      </p:tavLst>
+                                    </p:anim>
+                                  </p:childTnLst>
+                                </p:cTn>
+                              </p:par>
+                            </p:childTnLst>
+                          </p:cTn>
+                        </p:par>
+                      </p:childTnLst>
+                    </p:cTn>
+                  </p:par>
+                  <p:par>
+                    <p:cTn id="36" fill="hold">
+                      <p:stCondLst>
+                        <p:cond delay="indefinite"/>
+                      </p:stCondLst>
+                      <p:childTnLst>
+                        <p:par>
+                          <p:cTn id="37" fill="hold">
+                            <p:stCondLst>
+                              <p:cond delay="0"/>
+                            </p:stCondLst>
+                            <p:childTnLst>
+                              <p:par>
+                                <p:cTn id="38" presetID="42" presetClass="entr" presetSubtype="0" fill="hold" grpId="0" nodeType="clickEffect">
+                                  <p:stCondLst>
+                                    <p:cond delay="0"/>
+                                  </p:stCondLst>
+                                  <p:childTnLst>
+                                    <p:set>
+                                      <p:cBhvr>
+                                        <p:cTn id="39" dur="1" fill="hold">
+                                          <p:stCondLst>
+                                            <p:cond delay="0"/>
+                                          </p:stCondLst>
+                                        </p:cTn>
+                                        <p:tgtEl>
+                                          <p:spTgt spid="154">
+                                            <p:txEl>
+                                              <p:pRg st="3" end="3"/>
+                                            </p:txEl>
+                                          </p:spTgt>
+                                        </p:tgtEl>
+                                        <p:attrNameLst>
+                                          <p:attrName>style.visibility</p:attrName>
+                                        </p:attrNameLst>
+                                      </p:cBhvr>
+                                      <p:to>
+                                        <p:strVal val="visible"/>
+                                      </p:to>
+                                    </p:set>
+                                    <p:animEffect transition="in" filter="fade">
+                                      <p:cBhvr>
+                                        <p:cTn id="40" dur="1000"/>
+                                        <p:tgtEl>
+                                          <p:spTgt spid="154">
+                                            <p:txEl>
+                                              <p:pRg st="3" end="3"/>
+                                            </p:txEl>
+                                          </p:spTgt>
+                                        </p:tgtEl>
+                                      </p:cBhvr>
+                                    </p:animEffect>
+                                    <p:anim calcmode="lin" valueType="num">
+                                      <p:cBhvr>
+                                        <p:cTn id="41" dur="1000" fill="hold"/>
+                                        <p:tgtEl>
+                                          <p:spTgt spid="154">
+                                            <p:txEl>
+                                              <p:pRg st="3" end="3"/>
+                                            </p:txEl>
+                                          </p:spTgt>
+                                        </p:tgtEl>
+                                        <p:attrNameLst>
+                                          <p:attrName>ppt_x</p:attrName>
+                                        </p:attrNameLst>
+                                      </p:cBhvr>
+                                      <p:tavLst>
+                                        <p:tav tm="0">
+                                          <p:val>
+                                            <p:strVal val="#ppt_x"/>
+                                          </p:val>
+                                        </p:tav>
+                                        <p:tav tm="100000">
+                                          <p:val>
+                                            <p:strVal val="#ppt_x"/>
+                                          </p:val>
+                                        </p:tav>
+                                      </p:tavLst>
+                                    </p:anim>
+                                    <p:anim calcmode="lin" valueType="num">
+                                      <p:cBhvr>
+                                        <p:cTn id="42" dur="1000" fill="hold"/>
+                                        <p:tgtEl>
+                                          <p:spTgt spid="154">
+                                            <p:txEl>
+                                              <p:pRg st="3" end="3"/>
+                                            </p:txEl>
+                                          </p:spTgt>
+                                        </p:tgtEl>
+                                        <p:attrNameLst>
+                                          <p:attrName>ppt_y</p:attrName>
+                                        </p:attrNameLst>
+                                      </p:cBhvr>
+                                      <p:tavLst>
+                                        <p:tav tm="0">
+                                          <p:val>
+                                            <p:strVal val="#ppt_y+.1"/>
+                                          </p:val>
+                                        </p:tav>
+                                        <p:tav tm="100000">
+                                          <p:val>
+                                            <p:strVal val="#ppt_y"/>
+                                          </p:val>
+                                        </p:tav>
+                                      </p:tavLst>
+                                    </p:anim>
+                                  </p:childTnLst>
+                                </p:cTn>
+                              </p:par>
+                            </p:childTnLst>
+                          </p:cTn>
+                        </p:par>
+                      </p:childTnLst>
+                    </p:cTn>
+                  </p:par>
+                  <p:par>
+                    <p:cTn id="43" fill="hold">
+                      <p:stCondLst>
+                        <p:cond delay="indefinite"/>
+                      </p:stCondLst>
+                      <p:childTnLst>
+                        <p:par>
+                          <p:cTn id="44" fill="hold">
+                            <p:stCondLst>
+                              <p:cond delay="0"/>
+                            </p:stCondLst>
+                            <p:childTnLst>
+                              <p:par>
+                                <p:cTn id="45" presetID="42" presetClass="entr" presetSubtype="0" fill="hold" grpId="0" nodeType="clickEffect">
+                                  <p:stCondLst>
+                                    <p:cond delay="0"/>
+                                  </p:stCondLst>
+                                  <p:childTnLst>
+                                    <p:set>
+                                      <p:cBhvr>
+                                        <p:cTn id="46" dur="1" fill="hold">
+                                          <p:stCondLst>
+                                            <p:cond delay="0"/>
+                                          </p:stCondLst>
+                                        </p:cTn>
+                                        <p:tgtEl>
+                                          <p:spTgt spid="154">
+                                            <p:txEl>
+                                              <p:pRg st="4" end="4"/>
+                                            </p:txEl>
+                                          </p:spTgt>
+                                        </p:tgtEl>
+                                        <p:attrNameLst>
+                                          <p:attrName>style.visibility</p:attrName>
+                                        </p:attrNameLst>
+                                      </p:cBhvr>
+                                      <p:to>
+                                        <p:strVal val="visible"/>
+                                      </p:to>
+                                    </p:set>
+                                    <p:animEffect transition="in" filter="fade">
+                                      <p:cBhvr>
+                                        <p:cTn id="47" dur="1000"/>
+                                        <p:tgtEl>
+                                          <p:spTgt spid="154">
+                                            <p:txEl>
+                                              <p:pRg st="4" end="4"/>
+                                            </p:txEl>
+                                          </p:spTgt>
+                                        </p:tgtEl>
+                                      </p:cBhvr>
+                                    </p:animEffect>
+                                    <p:anim calcmode="lin" valueType="num">
+                                      <p:cBhvr>
+                                        <p:cTn id="48" dur="1000" fill="hold"/>
+                                        <p:tgtEl>
+                                          <p:spTgt spid="154">
+                                            <p:txEl>
+                                              <p:pRg st="4" end="4"/>
+                                            </p:txEl>
+                                          </p:spTgt>
+                                        </p:tgtEl>
+                                        <p:attrNameLst>
+                                          <p:attrName>ppt_x</p:attrName>
+                                        </p:attrNameLst>
+                                      </p:cBhvr>
+                                      <p:tavLst>
+                                        <p:tav tm="0">
+                                          <p:val>
+                                            <p:strVal val="#ppt_x"/>
+                                          </p:val>
+                                        </p:tav>
+                                        <p:tav tm="100000">
+                                          <p:val>
+                                            <p:strVal val="#ppt_x"/>
+                                          </p:val>
+                                        </p:tav>
+                                      </p:tavLst>
+                                    </p:anim>
+                                    <p:anim calcmode="lin" valueType="num">
+                                      <p:cBhvr>
+                                        <p:cTn id="49" dur="1000" fill="hold"/>
+                                        <p:tgtEl>
+                                          <p:spTgt spid="154">
+                                            <p:txEl>
+                                              <p:pRg st="4" end="4"/>
+                                            </p:txEl>
+                                          </p:spTgt>
+                                        </p:tgtEl>
+                                        <p:attrNameLst>
+                                          <p:attrName>ppt_y</p:attrName>
+                                        </p:attrNameLst>
+                                      </p:cBhvr>
+                                      <p:tavLst>
+                                        <p:tav tm="0">
+                                          <p:val>
+                                            <p:strVal val="#ppt_y+.1"/>
+                                          </p:val>
+                                        </p:tav>
+                                        <p:tav tm="100000">
+                                          <p:val>
+                                            <p:strVal val="#ppt_y"/>
+                                          </p:val>
+                                        </p:tav>
+                                      </p:tavLst>
+                                    </p:anim>
+                                  </p:childTnLst>
+                                </p:cTn>
+                              </p:par>
+                            </p:childTnLst>
+                          </p:cTn>
+                        </p:par>
+                      </p:childTnLst>
+                    </p:cTn>
+                  </p:par>
+                  <p:par>
+                    <p:cTn id="50" fill="hold">
+                      <p:stCondLst>
+                        <p:cond delay="indefinite"/>
+                      </p:stCondLst>
+                      <p:childTnLst>
+                        <p:par>
+                          <p:cTn id="51" fill="hold">
+                            <p:stCondLst>
+                              <p:cond delay="0"/>
+                            </p:stCondLst>
+                            <p:childTnLst>
+                              <p:par>
+                                <p:cTn id="52" presetID="42" presetClass="entr" presetSubtype="0" fill="hold" grpId="0" nodeType="clickEffect">
+                                  <p:stCondLst>
+                                    <p:cond delay="0"/>
+                                  </p:stCondLst>
+                                  <p:childTnLst>
+                                    <p:set>
+                                      <p:cBhvr>
+                                        <p:cTn id="53" dur="1" fill="hold">
+                                          <p:stCondLst>
+                                            <p:cond delay="0"/>
+                                          </p:stCondLst>
+                                        </p:cTn>
+                                        <p:tgtEl>
+                                          <p:spTgt spid="154">
+                                            <p:txEl>
+                                              <p:pRg st="5" end="5"/>
+                                            </p:txEl>
+                                          </p:spTgt>
+                                        </p:tgtEl>
+                                        <p:attrNameLst>
+                                          <p:attrName>style.visibility</p:attrName>
+                                        </p:attrNameLst>
+                                      </p:cBhvr>
+                                      <p:to>
+                                        <p:strVal val="visible"/>
+                                      </p:to>
+                                    </p:set>
+                                    <p:animEffect transition="in" filter="fade">
+                                      <p:cBhvr>
+                                        <p:cTn id="54" dur="1000"/>
+                                        <p:tgtEl>
+                                          <p:spTgt spid="154">
+                                            <p:txEl>
+                                              <p:pRg st="5" end="5"/>
+                                            </p:txEl>
+                                          </p:spTgt>
+                                        </p:tgtEl>
+                                      </p:cBhvr>
+                                    </p:animEffect>
+                                    <p:anim calcmode="lin" valueType="num">
+                                      <p:cBhvr>
+                                        <p:cTn id="55" dur="1000" fill="hold"/>
+                                        <p:tgtEl>
+                                          <p:spTgt spid="154">
+                                            <p:txEl>
+                                              <p:pRg st="5" end="5"/>
+                                            </p:txEl>
+                                          </p:spTgt>
+                                        </p:tgtEl>
+                                        <p:attrNameLst>
+                                          <p:attrName>ppt_x</p:attrName>
+                                        </p:attrNameLst>
+                                      </p:cBhvr>
+                                      <p:tavLst>
+                                        <p:tav tm="0">
+                                          <p:val>
+                                            <p:strVal val="#ppt_x"/>
+                                          </p:val>
+                                        </p:tav>
+                                        <p:tav tm="100000">
+                                          <p:val>
+                                            <p:strVal val="#ppt_x"/>
+                                          </p:val>
+                                        </p:tav>
+                                      </p:tavLst>
+                                    </p:anim>
+                                    <p:anim calcmode="lin" valueType="num">
+                                      <p:cBhvr>
+                                        <p:cTn id="56" dur="1000" fill="hold"/>
+                                        <p:tgtEl>
+                                          <p:spTgt spid="154">
+                                            <p:txEl>
+                                              <p:pRg st="5" end="5"/>
+                                            </p:txEl>
+                                          </p:spTgt>
+                                        </p:tgtEl>
+                                        <p:attrNameLst>
+                                          <p:attrName>ppt_y</p:attrName>
+                                        </p:attrNameLst>
+                                      </p:cBhvr>
+                                      <p:tavLst>
+                                        <p:tav tm="0">
+                                          <p:val>
+                                            <p:strVal val="#ppt_y+.1"/>
+                                          </p:val>
+                                        </p:tav>
+                                        <p:tav tm="100000">
+                                          <p:val>
+                                            <p:strVal val="#ppt_y"/>
+                                          </p:val>
+                                        </p:tav>
+                                      </p:tavLst>
+                                    </p:anim>
+                                  </p:childTnLst>
+                                </p:cTn>
+                              </p:par>
+                            </p:childTnLst>
+                          </p:cTn>
+                        </p:par>
+                      </p:childTnLst>
+                    </p:cTn>
+                  </p:par>
+                </p:childTnLst>
+              </p:cTn>
+              <p:prevCondLst>
+                <p:cond evt="onPrev" delay="0">
+                  <p:tgtEl>
+                    <p:sldTgt/>
+                  </p:tgtEl>
+                </p:cond>
+              </p:prevCondLst>
+              <p:nextCondLst>
+                <p:cond evt="onNext" delay="0">
+                  <p:tgtEl>
+                    <p:sldTgt/>
+                  </p:tgtEl>
+                </p:cond>
+              </p:nextCondLst>
+            </p:seq>
+          </p:childTnLst>
+        </p:cTn>
+      </p:par>
+    </p:tnLst>
+    <p:bldLst>
+      <p:bldP spid="153" grpId="0" animBg="1"/>
+      <p:bldP spid="154" grpId="0" build="p" animBg="1"/>
+    </p:bldLst>
+  </p:timing>
 </p:sld>
 </file>
 
-<file path=ppt/slides/slide11.xml><?xml version="1.0" encoding="utf-8"?>
+<file path=ppt/slides/slide13.xml><?xml version="1.0" encoding="utf-8"?>
 <p:sld xmlns:a="http://schemas.openxmlformats.org/drawingml/2006/main" xmlns:r="http://schemas.openxmlformats.org/officeDocument/2006/relationships" xmlns:p="http://schemas.openxmlformats.org/presentationml/2006/main">
   <p:cSld>
     <p:spTree>
@@ -4658,9 +7081,10 @@
               <a:defRPr b="1"/>
             </a:pPr>
             <a:r>
-              <a:rPr b="0"/>
+              <a:rPr b="0" dirty="0" err="1"/>
               <a:t>开发环境</a:t>
             </a:r>
+            <a:endParaRPr b="0" dirty="0"/>
           </a:p>
         </p:txBody>
       </p:sp>
@@ -4693,8 +7117,10 @@
               </a:lnSpc>
             </a:pPr>
             <a:r>
+              <a:rPr dirty="0" err="1"/>
               <a:t>硬件环境：PC</a:t>
             </a:r>
+            <a:endParaRPr dirty="0"/>
           </a:p>
           <a:p>
             <a:pPr>
@@ -4703,6 +7129,7 @@
               </a:lnSpc>
             </a:pPr>
             <a:r>
+              <a:rPr dirty="0"/>
               <a:t>操作系统：windows10 &amp; Mac OS</a:t>
             </a:r>
           </a:p>
@@ -4713,13 +7140,15 @@
               </a:lnSpc>
             </a:pPr>
             <a:r>
-              <a:t>开发语言：Java、C#、</a:t>
-            </a:r>
-            <a:r>
-              <a:rPr>
-                <a:latin typeface="宋体"/>
-                <a:ea typeface="宋体"/>
-                <a:cs typeface="宋体"/>
+              <a:rPr dirty="0" err="1"/>
+              <a:t>开发语言：Java、C</a:t>
+            </a:r>
+            <a:r>
+              <a:rPr dirty="0"/>
+              <a:t>#、</a:t>
+            </a:r>
+            <a:r>
+              <a:rPr dirty="0">
                 <a:sym typeface="宋体"/>
               </a:rPr>
               <a:t>Objective-C</a:t>
@@ -4732,10 +7161,11 @@
               </a:lnSpc>
             </a:pPr>
             <a:r>
+              <a:rPr dirty="0"/>
               <a:t>支持软件：VS</a:t>
             </a:r>
             <a:r>
-              <a:rPr>
+              <a:rPr dirty="0">
                 <a:latin typeface="宋体"/>
                 <a:ea typeface="宋体"/>
                 <a:cs typeface="宋体"/>
@@ -4744,10 +7174,11 @@
               <a:t>、</a:t>
             </a:r>
             <a:r>
+              <a:rPr dirty="0"/>
               <a:t>AxureRP</a:t>
             </a:r>
             <a:r>
-              <a:rPr>
+              <a:rPr dirty="0">
                 <a:latin typeface="宋体"/>
                 <a:ea typeface="宋体"/>
                 <a:cs typeface="宋体"/>
@@ -4756,10 +7187,11 @@
               <a:t>、</a:t>
             </a:r>
             <a:r>
+              <a:rPr dirty="0"/>
               <a:t>Git</a:t>
             </a:r>
             <a:r>
-              <a:rPr>
+              <a:rPr dirty="0">
                 <a:latin typeface="宋体"/>
                 <a:ea typeface="宋体"/>
                 <a:cs typeface="宋体"/>
@@ -4768,10 +7200,11 @@
               <a:t>、</a:t>
             </a:r>
             <a:r>
+              <a:rPr dirty="0"/>
               <a:t>office</a:t>
             </a:r>
             <a:r>
-              <a:rPr>
+              <a:rPr dirty="0">
                 <a:latin typeface="宋体"/>
                 <a:ea typeface="宋体"/>
                 <a:cs typeface="宋体"/>
@@ -4780,10 +7213,11 @@
               <a:t>、</a:t>
             </a:r>
             <a:r>
+              <a:rPr dirty="0"/>
               <a:t>powerdesigner</a:t>
             </a:r>
             <a:r>
-              <a:rPr>
+              <a:rPr dirty="0">
                 <a:latin typeface="宋体"/>
                 <a:ea typeface="宋体"/>
                 <a:cs typeface="宋体"/>
@@ -4792,10 +7226,11 @@
               <a:t>、</a:t>
             </a:r>
             <a:r>
+              <a:rPr dirty="0"/>
               <a:t>Project</a:t>
             </a:r>
             <a:r>
-              <a:rPr>
+              <a:rPr dirty="0">
                 <a:latin typeface="宋体"/>
                 <a:ea typeface="宋体"/>
                 <a:cs typeface="宋体"/>
@@ -4804,6 +7239,7 @@
               <a:t>、</a:t>
             </a:r>
             <a:r>
+              <a:rPr dirty="0"/>
               <a:t>unity3D</a:t>
             </a:r>
           </a:p>
@@ -4844,10 +7280,344 @@
     <a:masterClrMapping/>
   </p:clrMapOvr>
   <p:transition spd="med"/>
+  <p:timing>
+    <p:tnLst>
+      <p:par>
+        <p:cTn id="1" dur="indefinite" restart="never" nodeType="tmRoot">
+          <p:childTnLst>
+            <p:seq concurrent="1" nextAc="seek">
+              <p:cTn id="2" dur="indefinite" nodeType="mainSeq">
+                <p:childTnLst>
+                  <p:par>
+                    <p:cTn id="3" fill="hold">
+                      <p:stCondLst>
+                        <p:cond delay="indefinite"/>
+                      </p:stCondLst>
+                      <p:childTnLst>
+                        <p:par>
+                          <p:cTn id="4" fill="hold">
+                            <p:stCondLst>
+                              <p:cond delay="0"/>
+                            </p:stCondLst>
+                            <p:childTnLst>
+                              <p:par>
+                                <p:cTn id="5" presetID="10" presetClass="entr" presetSubtype="0" fill="hold" grpId="0" nodeType="clickEffect">
+                                  <p:stCondLst>
+                                    <p:cond delay="0"/>
+                                  </p:stCondLst>
+                                  <p:childTnLst>
+                                    <p:set>
+                                      <p:cBhvr>
+                                        <p:cTn id="6" dur="1" fill="hold">
+                                          <p:stCondLst>
+                                            <p:cond delay="0"/>
+                                          </p:stCondLst>
+                                        </p:cTn>
+                                        <p:tgtEl>
+                                          <p:spTgt spid="157">
+                                            <p:bg/>
+                                          </p:spTgt>
+                                        </p:tgtEl>
+                                        <p:attrNameLst>
+                                          <p:attrName>style.visibility</p:attrName>
+                                        </p:attrNameLst>
+                                      </p:cBhvr>
+                                      <p:to>
+                                        <p:strVal val="visible"/>
+                                      </p:to>
+                                    </p:set>
+                                    <p:animEffect transition="in" filter="fade">
+                                      <p:cBhvr>
+                                        <p:cTn id="7" dur="500"/>
+                                        <p:tgtEl>
+                                          <p:spTgt spid="157">
+                                            <p:bg/>
+                                          </p:spTgt>
+                                        </p:tgtEl>
+                                      </p:cBhvr>
+                                    </p:animEffect>
+                                  </p:childTnLst>
+                                </p:cTn>
+                              </p:par>
+                            </p:childTnLst>
+                          </p:cTn>
+                        </p:par>
+                      </p:childTnLst>
+                    </p:cTn>
+                  </p:par>
+                  <p:par>
+                    <p:cTn id="8" fill="hold">
+                      <p:stCondLst>
+                        <p:cond delay="indefinite"/>
+                      </p:stCondLst>
+                      <p:childTnLst>
+                        <p:par>
+                          <p:cTn id="9" fill="hold">
+                            <p:stCondLst>
+                              <p:cond delay="0"/>
+                            </p:stCondLst>
+                            <p:childTnLst>
+                              <p:par>
+                                <p:cTn id="10" presetID="10" presetClass="entr" presetSubtype="0" fill="hold" grpId="0" nodeType="clickEffect">
+                                  <p:stCondLst>
+                                    <p:cond delay="0"/>
+                                  </p:stCondLst>
+                                  <p:childTnLst>
+                                    <p:set>
+                                      <p:cBhvr>
+                                        <p:cTn id="11" dur="1" fill="hold">
+                                          <p:stCondLst>
+                                            <p:cond delay="0"/>
+                                          </p:stCondLst>
+                                        </p:cTn>
+                                        <p:tgtEl>
+                                          <p:spTgt spid="157">
+                                            <p:txEl>
+                                              <p:pRg st="0" end="0"/>
+                                            </p:txEl>
+                                          </p:spTgt>
+                                        </p:tgtEl>
+                                        <p:attrNameLst>
+                                          <p:attrName>style.visibility</p:attrName>
+                                        </p:attrNameLst>
+                                      </p:cBhvr>
+                                      <p:to>
+                                        <p:strVal val="visible"/>
+                                      </p:to>
+                                    </p:set>
+                                    <p:animEffect transition="in" filter="fade">
+                                      <p:cBhvr>
+                                        <p:cTn id="12" dur="500"/>
+                                        <p:tgtEl>
+                                          <p:spTgt spid="157">
+                                            <p:txEl>
+                                              <p:pRg st="0" end="0"/>
+                                            </p:txEl>
+                                          </p:spTgt>
+                                        </p:tgtEl>
+                                      </p:cBhvr>
+                                    </p:animEffect>
+                                  </p:childTnLst>
+                                </p:cTn>
+                              </p:par>
+                            </p:childTnLst>
+                          </p:cTn>
+                        </p:par>
+                      </p:childTnLst>
+                    </p:cTn>
+                  </p:par>
+                  <p:par>
+                    <p:cTn id="13" fill="hold">
+                      <p:stCondLst>
+                        <p:cond delay="indefinite"/>
+                      </p:stCondLst>
+                      <p:childTnLst>
+                        <p:par>
+                          <p:cTn id="14" fill="hold">
+                            <p:stCondLst>
+                              <p:cond delay="0"/>
+                            </p:stCondLst>
+                            <p:childTnLst>
+                              <p:par>
+                                <p:cTn id="15" presetID="10" presetClass="entr" presetSubtype="0" fill="hold" grpId="0" nodeType="clickEffect">
+                                  <p:stCondLst>
+                                    <p:cond delay="0"/>
+                                  </p:stCondLst>
+                                  <p:childTnLst>
+                                    <p:set>
+                                      <p:cBhvr>
+                                        <p:cTn id="16" dur="1" fill="hold">
+                                          <p:stCondLst>
+                                            <p:cond delay="0"/>
+                                          </p:stCondLst>
+                                        </p:cTn>
+                                        <p:tgtEl>
+                                          <p:spTgt spid="157">
+                                            <p:txEl>
+                                              <p:pRg st="1" end="1"/>
+                                            </p:txEl>
+                                          </p:spTgt>
+                                        </p:tgtEl>
+                                        <p:attrNameLst>
+                                          <p:attrName>style.visibility</p:attrName>
+                                        </p:attrNameLst>
+                                      </p:cBhvr>
+                                      <p:to>
+                                        <p:strVal val="visible"/>
+                                      </p:to>
+                                    </p:set>
+                                    <p:animEffect transition="in" filter="fade">
+                                      <p:cBhvr>
+                                        <p:cTn id="17" dur="500"/>
+                                        <p:tgtEl>
+                                          <p:spTgt spid="157">
+                                            <p:txEl>
+                                              <p:pRg st="1" end="1"/>
+                                            </p:txEl>
+                                          </p:spTgt>
+                                        </p:tgtEl>
+                                      </p:cBhvr>
+                                    </p:animEffect>
+                                  </p:childTnLst>
+                                </p:cTn>
+                              </p:par>
+                            </p:childTnLst>
+                          </p:cTn>
+                        </p:par>
+                      </p:childTnLst>
+                    </p:cTn>
+                  </p:par>
+                  <p:par>
+                    <p:cTn id="18" fill="hold">
+                      <p:stCondLst>
+                        <p:cond delay="indefinite"/>
+                      </p:stCondLst>
+                      <p:childTnLst>
+                        <p:par>
+                          <p:cTn id="19" fill="hold">
+                            <p:stCondLst>
+                              <p:cond delay="0"/>
+                            </p:stCondLst>
+                            <p:childTnLst>
+                              <p:par>
+                                <p:cTn id="20" presetID="10" presetClass="entr" presetSubtype="0" fill="hold" grpId="0" nodeType="clickEffect">
+                                  <p:stCondLst>
+                                    <p:cond delay="0"/>
+                                  </p:stCondLst>
+                                  <p:childTnLst>
+                                    <p:set>
+                                      <p:cBhvr>
+                                        <p:cTn id="21" dur="1" fill="hold">
+                                          <p:stCondLst>
+                                            <p:cond delay="0"/>
+                                          </p:stCondLst>
+                                        </p:cTn>
+                                        <p:tgtEl>
+                                          <p:spTgt spid="157">
+                                            <p:txEl>
+                                              <p:pRg st="2" end="2"/>
+                                            </p:txEl>
+                                          </p:spTgt>
+                                        </p:tgtEl>
+                                        <p:attrNameLst>
+                                          <p:attrName>style.visibility</p:attrName>
+                                        </p:attrNameLst>
+                                      </p:cBhvr>
+                                      <p:to>
+                                        <p:strVal val="visible"/>
+                                      </p:to>
+                                    </p:set>
+                                    <p:animEffect transition="in" filter="fade">
+                                      <p:cBhvr>
+                                        <p:cTn id="22" dur="500"/>
+                                        <p:tgtEl>
+                                          <p:spTgt spid="157">
+                                            <p:txEl>
+                                              <p:pRg st="2" end="2"/>
+                                            </p:txEl>
+                                          </p:spTgt>
+                                        </p:tgtEl>
+                                      </p:cBhvr>
+                                    </p:animEffect>
+                                  </p:childTnLst>
+                                </p:cTn>
+                              </p:par>
+                            </p:childTnLst>
+                          </p:cTn>
+                        </p:par>
+                      </p:childTnLst>
+                    </p:cTn>
+                  </p:par>
+                  <p:par>
+                    <p:cTn id="23" fill="hold">
+                      <p:stCondLst>
+                        <p:cond delay="indefinite"/>
+                      </p:stCondLst>
+                      <p:childTnLst>
+                        <p:par>
+                          <p:cTn id="24" fill="hold">
+                            <p:stCondLst>
+                              <p:cond delay="0"/>
+                            </p:stCondLst>
+                            <p:childTnLst>
+                              <p:par>
+                                <p:cTn id="25" presetID="10" presetClass="entr" presetSubtype="0" fill="hold" grpId="0" nodeType="clickEffect">
+                                  <p:stCondLst>
+                                    <p:cond delay="0"/>
+                                  </p:stCondLst>
+                                  <p:childTnLst>
+                                    <p:set>
+                                      <p:cBhvr>
+                                        <p:cTn id="26" dur="1" fill="hold">
+                                          <p:stCondLst>
+                                            <p:cond delay="0"/>
+                                          </p:stCondLst>
+                                        </p:cTn>
+                                        <p:tgtEl>
+                                          <p:spTgt spid="157">
+                                            <p:txEl>
+                                              <p:pRg st="3" end="3"/>
+                                            </p:txEl>
+                                          </p:spTgt>
+                                        </p:tgtEl>
+                                        <p:attrNameLst>
+                                          <p:attrName>style.visibility</p:attrName>
+                                        </p:attrNameLst>
+                                      </p:cBhvr>
+                                      <p:to>
+                                        <p:strVal val="visible"/>
+                                      </p:to>
+                                    </p:set>
+                                    <p:animEffect transition="in" filter="fade">
+                                      <p:cBhvr>
+                                        <p:cTn id="27" dur="500"/>
+                                        <p:tgtEl>
+                                          <p:spTgt spid="157">
+                                            <p:txEl>
+                                              <p:pRg st="3" end="3"/>
+                                            </p:txEl>
+                                          </p:spTgt>
+                                        </p:tgtEl>
+                                      </p:cBhvr>
+                                    </p:animEffect>
+                                  </p:childTnLst>
+                                </p:cTn>
+                              </p:par>
+                            </p:childTnLst>
+                          </p:cTn>
+                        </p:par>
+                      </p:childTnLst>
+                    </p:cTn>
+                  </p:par>
+                </p:childTnLst>
+              </p:cTn>
+              <p:prevCondLst>
+                <p:cond evt="onPrev" delay="0">
+                  <p:tgtEl>
+                    <p:sldTgt/>
+                  </p:tgtEl>
+                </p:cond>
+              </p:prevCondLst>
+              <p:nextCondLst>
+                <p:cond evt="onNext" delay="0">
+                  <p:tgtEl>
+                    <p:sldTgt/>
+                  </p:tgtEl>
+                </p:cond>
+              </p:nextCondLst>
+            </p:seq>
+          </p:childTnLst>
+        </p:cTn>
+      </p:par>
+    </p:tnLst>
+    <p:bldLst>
+      <p:bldP spid="157" grpId="0" build="p" animBg="1"/>
+    </p:bldLst>
+  </p:timing>
 </p:sld>
 </file>
 
-<file path=ppt/slides/slide12.xml><?xml version="1.0" encoding="utf-8"?>
+<file path=ppt/slides/slide14.xml><?xml version="1.0" encoding="utf-8"?>
 <p:sld xmlns:a="http://schemas.openxmlformats.org/drawingml/2006/main" xmlns:r="http://schemas.openxmlformats.org/officeDocument/2006/relationships" xmlns:p="http://schemas.openxmlformats.org/presentationml/2006/main">
   <p:cSld>
     <p:spTree>
@@ -4892,8 +7662,10 @@
           </a:lstStyle>
           <a:p>
             <a:r>
+              <a:rPr dirty="0" err="1"/>
               <a:t>成本预算</a:t>
             </a:r>
+            <a:endParaRPr dirty="0"/>
           </a:p>
         </p:txBody>
       </p:sp>
@@ -4903,10 +7675,96 @@
     <a:masterClrMapping/>
   </p:clrMapOvr>
   <p:transition spd="med"/>
+  <p:timing>
+    <p:tnLst>
+      <p:par>
+        <p:cTn id="1" dur="indefinite" restart="never" nodeType="tmRoot">
+          <p:childTnLst>
+            <p:seq concurrent="1" nextAc="seek">
+              <p:cTn id="2" dur="indefinite" nodeType="mainSeq">
+                <p:childTnLst>
+                  <p:par>
+                    <p:cTn id="3" fill="hold">
+                      <p:stCondLst>
+                        <p:cond delay="indefinite"/>
+                      </p:stCondLst>
+                      <p:childTnLst>
+                        <p:par>
+                          <p:cTn id="4" fill="hold">
+                            <p:stCondLst>
+                              <p:cond delay="0"/>
+                            </p:stCondLst>
+                            <p:childTnLst>
+                              <p:par>
+                                <p:cTn id="5" presetID="16" presetClass="entr" presetSubtype="21" fill="hold" grpId="0" nodeType="clickEffect">
+                                  <p:stCondLst>
+                                    <p:cond delay="0"/>
+                                  </p:stCondLst>
+                                  <p:childTnLst>
+                                    <p:set>
+                                      <p:cBhvr>
+                                        <p:cTn id="6" dur="1" fill="hold">
+                                          <p:stCondLst>
+                                            <p:cond delay="0"/>
+                                          </p:stCondLst>
+                                        </p:cTn>
+                                        <p:tgtEl>
+                                          <p:spTgt spid="160"/>
+                                        </p:tgtEl>
+                                        <p:attrNameLst>
+                                          <p:attrName>style.visibility</p:attrName>
+                                        </p:attrNameLst>
+                                      </p:cBhvr>
+                                      <p:to>
+                                        <p:strVal val="visible"/>
+                                      </p:to>
+                                    </p:set>
+                                    <p:animEffect transition="in" filter="barn(inVertical)">
+                                      <p:cBhvr>
+                                        <p:cTn id="7" dur="500"/>
+                                        <p:tgtEl>
+                                          <p:spTgt spid="160"/>
+                                        </p:tgtEl>
+                                      </p:cBhvr>
+                                    </p:animEffect>
+                                  </p:childTnLst>
+                                </p:cTn>
+                              </p:par>
+                            </p:childTnLst>
+                          </p:cTn>
+                        </p:par>
+                      </p:childTnLst>
+                    </p:cTn>
+                  </p:par>
+                </p:childTnLst>
+              </p:cTn>
+              <p:prevCondLst>
+                <p:cond evt="onPrev" delay="0">
+                  <p:tgtEl>
+                    <p:sldTgt/>
+                  </p:tgtEl>
+                </p:cond>
+              </p:prevCondLst>
+              <p:nextCondLst>
+                <p:cond evt="onNext" delay="0">
+                  <p:tgtEl>
+                    <p:sldTgt/>
+                  </p:tgtEl>
+                </p:cond>
+              </p:nextCondLst>
+            </p:seq>
+          </p:childTnLst>
+        </p:cTn>
+      </p:par>
+    </p:tnLst>
+    <p:bldLst>
+      <p:bldP spid="160" grpId="0" animBg="1"/>
+    </p:bldLst>
+  </p:timing>
 </p:sld>
 </file>
 
-<file path=ppt/slides/slide13.xml><?xml version="1.0" encoding="utf-8"?>
+<file path=ppt/slides/slide15.xml><?xml version="1.0" encoding="utf-8"?>
 <p:sld xmlns:a="http://schemas.openxmlformats.org/drawingml/2006/main" xmlns:r="http://schemas.openxmlformats.org/officeDocument/2006/relationships" xmlns:p="http://schemas.openxmlformats.org/presentationml/2006/main">
   <p:cSld>
     <p:spTree>
@@ -4950,9 +7808,10 @@
               <a:defRPr b="1"/>
             </a:pPr>
             <a:r>
-              <a:rPr b="0"/>
+              <a:rPr b="0" dirty="0" err="1"/>
               <a:t>设备成本</a:t>
             </a:r>
+            <a:endParaRPr b="0" dirty="0"/>
           </a:p>
         </p:txBody>
       </p:sp>
@@ -4989,6 +7848,7 @@
               <a:defRPr sz="2208"/>
             </a:pPr>
             <a:r>
+              <a:rPr dirty="0"/>
               <a:t>支持软件：VS、AxureRP、Git、office、powerdesigner、Project、Unity3D</a:t>
             </a:r>
           </a:p>
@@ -5003,8 +7863,14 @@
               <a:defRPr sz="2208"/>
             </a:pPr>
             <a:r>
-              <a:t>	开发地点：宿舍、图书馆</a:t>
-            </a:r>
+              <a:rPr dirty="0"/>
+              <a:t>	</a:t>
+            </a:r>
+            <a:r>
+              <a:rPr dirty="0" err="1"/>
+              <a:t>开发地点：宿舍、图书馆</a:t>
+            </a:r>
+            <a:endParaRPr dirty="0"/>
           </a:p>
           <a:p>
             <a:pPr marL="236600" indent="-236600" defTabSz="630936">
@@ -5017,7 +7883,24 @@
               <a:defRPr sz="2208"/>
             </a:pPr>
             <a:r>
-              <a:t>	实验设备：个人PC 机、个人笔记本、个人移动端。</a:t>
+              <a:rPr dirty="0"/>
+              <a:t>	</a:t>
+            </a:r>
+            <a:r>
+              <a:rPr dirty="0" err="1"/>
+              <a:t>实验设备：个人PC</a:t>
+            </a:r>
+            <a:r>
+              <a:rPr dirty="0"/>
+              <a:t> </a:t>
+            </a:r>
+            <a:r>
+              <a:rPr dirty="0" err="1"/>
+              <a:t>机、个人笔记本、个人移动端</a:t>
+            </a:r>
+            <a:r>
+              <a:rPr dirty="0"/>
+              <a:t>。</a:t>
             </a:r>
           </a:p>
           <a:p>
@@ -5031,6 +7914,7 @@
               <a:defRPr sz="2208"/>
             </a:pPr>
             <a:r>
+              <a:rPr dirty="0"/>
               <a:t>	项目资源维护需求的数目和类型：3台个人笔记本、3部个人移动终端。</a:t>
             </a:r>
           </a:p>
@@ -5045,6 +7929,7 @@
               <a:defRPr sz="2208"/>
             </a:pPr>
             <a:r>
+              <a:rPr dirty="0"/>
               <a:t>	计算机内存要求：内存≥4G</a:t>
             </a:r>
           </a:p>
@@ -5059,6 +7944,7 @@
               <a:defRPr sz="2208"/>
             </a:pPr>
             <a:r>
+              <a:rPr dirty="0"/>
               <a:t>	显卡要求：独显2G及以上</a:t>
             </a:r>
           </a:p>
@@ -5073,8 +7959,22 @@
               <a:defRPr sz="2208"/>
             </a:pPr>
             <a:r>
-              <a:t>	操作系统：Windows操作系统 &amp; Mac OS操作系统</a:t>
-            </a:r>
+              <a:rPr dirty="0"/>
+              <a:t>	</a:t>
+            </a:r>
+            <a:r>
+              <a:rPr dirty="0" err="1"/>
+              <a:t>操作系统：Windows操作系统</a:t>
+            </a:r>
+            <a:r>
+              <a:rPr dirty="0"/>
+              <a:t> &amp; Mac </a:t>
+            </a:r>
+            <a:r>
+              <a:rPr dirty="0" err="1"/>
+              <a:t>OS操作系统</a:t>
+            </a:r>
+            <a:endParaRPr dirty="0"/>
           </a:p>
           <a:p>
             <a:pPr marL="236600" indent="-236600" defTabSz="630936">
@@ -5087,7 +7987,16 @@
               <a:defRPr sz="2208"/>
             </a:pPr>
             <a:r>
-              <a:t>	数据存储能力：磁盘类型SSD 16TB容量 </a:t>
+              <a:rPr dirty="0"/>
+              <a:t>	</a:t>
+            </a:r>
+            <a:r>
+              <a:rPr dirty="0" err="1"/>
+              <a:t>数据存储能力：磁盘类型SSD</a:t>
+            </a:r>
+            <a:r>
+              <a:rPr dirty="0"/>
+              <a:t> 16TB容量 </a:t>
             </a:r>
           </a:p>
           <a:p>
@@ -5101,6 +8010,7 @@
               <a:defRPr sz="2208"/>
             </a:pPr>
             <a:r>
+              <a:rPr dirty="0"/>
               <a:t>	网络服务吞吐能力：150Mbps  时延2ms</a:t>
             </a:r>
           </a:p>
@@ -5112,10 +8022,703 @@
     <a:masterClrMapping/>
   </p:clrMapOvr>
   <p:transition spd="med"/>
+  <p:timing>
+    <p:tnLst>
+      <p:par>
+        <p:cTn id="1" dur="indefinite" restart="never" nodeType="tmRoot">
+          <p:childTnLst>
+            <p:seq concurrent="1" nextAc="seek">
+              <p:cTn id="2" dur="indefinite" nodeType="mainSeq">
+                <p:childTnLst>
+                  <p:par>
+                    <p:cTn id="3" fill="hold">
+                      <p:stCondLst>
+                        <p:cond delay="indefinite"/>
+                      </p:stCondLst>
+                      <p:childTnLst>
+                        <p:par>
+                          <p:cTn id="4" fill="hold">
+                            <p:stCondLst>
+                              <p:cond delay="0"/>
+                            </p:stCondLst>
+                            <p:childTnLst>
+                              <p:par>
+                                <p:cTn id="5" presetID="22" presetClass="entr" presetSubtype="4" fill="hold" grpId="0" nodeType="clickEffect">
+                                  <p:stCondLst>
+                                    <p:cond delay="0"/>
+                                  </p:stCondLst>
+                                  <p:childTnLst>
+                                    <p:set>
+                                      <p:cBhvr>
+                                        <p:cTn id="6" dur="1" fill="hold">
+                                          <p:stCondLst>
+                                            <p:cond delay="0"/>
+                                          </p:stCondLst>
+                                        </p:cTn>
+                                        <p:tgtEl>
+                                          <p:spTgt spid="162"/>
+                                        </p:tgtEl>
+                                        <p:attrNameLst>
+                                          <p:attrName>style.visibility</p:attrName>
+                                        </p:attrNameLst>
+                                      </p:cBhvr>
+                                      <p:to>
+                                        <p:strVal val="visible"/>
+                                      </p:to>
+                                    </p:set>
+                                    <p:animEffect transition="in" filter="wipe(down)">
+                                      <p:cBhvr>
+                                        <p:cTn id="7" dur="500"/>
+                                        <p:tgtEl>
+                                          <p:spTgt spid="162"/>
+                                        </p:tgtEl>
+                                      </p:cBhvr>
+                                    </p:animEffect>
+                                  </p:childTnLst>
+                                </p:cTn>
+                              </p:par>
+                            </p:childTnLst>
+                          </p:cTn>
+                        </p:par>
+                      </p:childTnLst>
+                    </p:cTn>
+                  </p:par>
+                  <p:par>
+                    <p:cTn id="8" fill="hold">
+                      <p:stCondLst>
+                        <p:cond delay="indefinite"/>
+                      </p:stCondLst>
+                      <p:childTnLst>
+                        <p:par>
+                          <p:cTn id="9" fill="hold">
+                            <p:stCondLst>
+                              <p:cond delay="0"/>
+                            </p:stCondLst>
+                            <p:childTnLst>
+                              <p:par>
+                                <p:cTn id="10" presetID="6" presetClass="entr" presetSubtype="16" fill="hold" grpId="0" nodeType="clickEffect">
+                                  <p:stCondLst>
+                                    <p:cond delay="0"/>
+                                  </p:stCondLst>
+                                  <p:childTnLst>
+                                    <p:set>
+                                      <p:cBhvr>
+                                        <p:cTn id="11" dur="1" fill="hold">
+                                          <p:stCondLst>
+                                            <p:cond delay="0"/>
+                                          </p:stCondLst>
+                                        </p:cTn>
+                                        <p:tgtEl>
+                                          <p:spTgt spid="163">
+                                            <p:bg/>
+                                          </p:spTgt>
+                                        </p:tgtEl>
+                                        <p:attrNameLst>
+                                          <p:attrName>style.visibility</p:attrName>
+                                        </p:attrNameLst>
+                                      </p:cBhvr>
+                                      <p:to>
+                                        <p:strVal val="visible"/>
+                                      </p:to>
+                                    </p:set>
+                                    <p:animEffect transition="in" filter="circle(in)">
+                                      <p:cBhvr>
+                                        <p:cTn id="12" dur="2000"/>
+                                        <p:tgtEl>
+                                          <p:spTgt spid="163">
+                                            <p:bg/>
+                                          </p:spTgt>
+                                        </p:tgtEl>
+                                      </p:cBhvr>
+                                    </p:animEffect>
+                                  </p:childTnLst>
+                                </p:cTn>
+                              </p:par>
+                            </p:childTnLst>
+                          </p:cTn>
+                        </p:par>
+                      </p:childTnLst>
+                    </p:cTn>
+                  </p:par>
+                  <p:par>
+                    <p:cTn id="13" fill="hold">
+                      <p:stCondLst>
+                        <p:cond delay="indefinite"/>
+                      </p:stCondLst>
+                      <p:childTnLst>
+                        <p:par>
+                          <p:cTn id="14" fill="hold">
+                            <p:stCondLst>
+                              <p:cond delay="0"/>
+                            </p:stCondLst>
+                            <p:childTnLst>
+                              <p:par>
+                                <p:cTn id="15" presetID="6" presetClass="entr" presetSubtype="16" fill="hold" grpId="0" nodeType="clickEffect">
+                                  <p:stCondLst>
+                                    <p:cond delay="0"/>
+                                  </p:stCondLst>
+                                  <p:childTnLst>
+                                    <p:set>
+                                      <p:cBhvr>
+                                        <p:cTn id="16" dur="1" fill="hold">
+                                          <p:stCondLst>
+                                            <p:cond delay="0"/>
+                                          </p:stCondLst>
+                                        </p:cTn>
+                                        <p:tgtEl>
+                                          <p:spTgt spid="163">
+                                            <p:txEl>
+                                              <p:pRg st="0" end="0"/>
+                                            </p:txEl>
+                                          </p:spTgt>
+                                        </p:tgtEl>
+                                        <p:attrNameLst>
+                                          <p:attrName>style.visibility</p:attrName>
+                                        </p:attrNameLst>
+                                      </p:cBhvr>
+                                      <p:to>
+                                        <p:strVal val="visible"/>
+                                      </p:to>
+                                    </p:set>
+                                    <p:animEffect transition="in" filter="circle(in)">
+                                      <p:cBhvr>
+                                        <p:cTn id="17" dur="2000"/>
+                                        <p:tgtEl>
+                                          <p:spTgt spid="163">
+                                            <p:txEl>
+                                              <p:pRg st="0" end="0"/>
+                                            </p:txEl>
+                                          </p:spTgt>
+                                        </p:tgtEl>
+                                      </p:cBhvr>
+                                    </p:animEffect>
+                                  </p:childTnLst>
+                                </p:cTn>
+                              </p:par>
+                            </p:childTnLst>
+                          </p:cTn>
+                        </p:par>
+                      </p:childTnLst>
+                    </p:cTn>
+                  </p:par>
+                  <p:par>
+                    <p:cTn id="18" fill="hold">
+                      <p:stCondLst>
+                        <p:cond delay="indefinite"/>
+                      </p:stCondLst>
+                      <p:childTnLst>
+                        <p:par>
+                          <p:cTn id="19" fill="hold">
+                            <p:stCondLst>
+                              <p:cond delay="0"/>
+                            </p:stCondLst>
+                            <p:childTnLst>
+                              <p:par>
+                                <p:cTn id="20" presetID="6" presetClass="entr" presetSubtype="16" fill="hold" grpId="0" nodeType="clickEffect">
+                                  <p:stCondLst>
+                                    <p:cond delay="0"/>
+                                  </p:stCondLst>
+                                  <p:childTnLst>
+                                    <p:set>
+                                      <p:cBhvr>
+                                        <p:cTn id="21" dur="1" fill="hold">
+                                          <p:stCondLst>
+                                            <p:cond delay="0"/>
+                                          </p:stCondLst>
+                                        </p:cTn>
+                                        <p:tgtEl>
+                                          <p:spTgt spid="163">
+                                            <p:txEl>
+                                              <p:pRg st="1" end="1"/>
+                                            </p:txEl>
+                                          </p:spTgt>
+                                        </p:tgtEl>
+                                        <p:attrNameLst>
+                                          <p:attrName>style.visibility</p:attrName>
+                                        </p:attrNameLst>
+                                      </p:cBhvr>
+                                      <p:to>
+                                        <p:strVal val="visible"/>
+                                      </p:to>
+                                    </p:set>
+                                    <p:animEffect transition="in" filter="circle(in)">
+                                      <p:cBhvr>
+                                        <p:cTn id="22" dur="2000"/>
+                                        <p:tgtEl>
+                                          <p:spTgt spid="163">
+                                            <p:txEl>
+                                              <p:pRg st="1" end="1"/>
+                                            </p:txEl>
+                                          </p:spTgt>
+                                        </p:tgtEl>
+                                      </p:cBhvr>
+                                    </p:animEffect>
+                                  </p:childTnLst>
+                                </p:cTn>
+                              </p:par>
+                            </p:childTnLst>
+                          </p:cTn>
+                        </p:par>
+                      </p:childTnLst>
+                    </p:cTn>
+                  </p:par>
+                  <p:par>
+                    <p:cTn id="23" fill="hold">
+                      <p:stCondLst>
+                        <p:cond delay="indefinite"/>
+                      </p:stCondLst>
+                      <p:childTnLst>
+                        <p:par>
+                          <p:cTn id="24" fill="hold">
+                            <p:stCondLst>
+                              <p:cond delay="0"/>
+                            </p:stCondLst>
+                            <p:childTnLst>
+                              <p:par>
+                                <p:cTn id="25" presetID="6" presetClass="entr" presetSubtype="16" fill="hold" grpId="0" nodeType="clickEffect">
+                                  <p:stCondLst>
+                                    <p:cond delay="0"/>
+                                  </p:stCondLst>
+                                  <p:childTnLst>
+                                    <p:set>
+                                      <p:cBhvr>
+                                        <p:cTn id="26" dur="1" fill="hold">
+                                          <p:stCondLst>
+                                            <p:cond delay="0"/>
+                                          </p:stCondLst>
+                                        </p:cTn>
+                                        <p:tgtEl>
+                                          <p:spTgt spid="163">
+                                            <p:txEl>
+                                              <p:pRg st="2" end="2"/>
+                                            </p:txEl>
+                                          </p:spTgt>
+                                        </p:tgtEl>
+                                        <p:attrNameLst>
+                                          <p:attrName>style.visibility</p:attrName>
+                                        </p:attrNameLst>
+                                      </p:cBhvr>
+                                      <p:to>
+                                        <p:strVal val="visible"/>
+                                      </p:to>
+                                    </p:set>
+                                    <p:animEffect transition="in" filter="circle(in)">
+                                      <p:cBhvr>
+                                        <p:cTn id="27" dur="2000"/>
+                                        <p:tgtEl>
+                                          <p:spTgt spid="163">
+                                            <p:txEl>
+                                              <p:pRg st="2" end="2"/>
+                                            </p:txEl>
+                                          </p:spTgt>
+                                        </p:tgtEl>
+                                      </p:cBhvr>
+                                    </p:animEffect>
+                                  </p:childTnLst>
+                                </p:cTn>
+                              </p:par>
+                            </p:childTnLst>
+                          </p:cTn>
+                        </p:par>
+                      </p:childTnLst>
+                    </p:cTn>
+                  </p:par>
+                  <p:par>
+                    <p:cTn id="28" fill="hold">
+                      <p:stCondLst>
+                        <p:cond delay="indefinite"/>
+                      </p:stCondLst>
+                      <p:childTnLst>
+                        <p:par>
+                          <p:cTn id="29" fill="hold">
+                            <p:stCondLst>
+                              <p:cond delay="0"/>
+                            </p:stCondLst>
+                            <p:childTnLst>
+                              <p:par>
+                                <p:cTn id="30" presetID="6" presetClass="entr" presetSubtype="16" fill="hold" grpId="0" nodeType="clickEffect">
+                                  <p:stCondLst>
+                                    <p:cond delay="0"/>
+                                  </p:stCondLst>
+                                  <p:childTnLst>
+                                    <p:set>
+                                      <p:cBhvr>
+                                        <p:cTn id="31" dur="1" fill="hold">
+                                          <p:stCondLst>
+                                            <p:cond delay="0"/>
+                                          </p:stCondLst>
+                                        </p:cTn>
+                                        <p:tgtEl>
+                                          <p:spTgt spid="163">
+                                            <p:txEl>
+                                              <p:pRg st="3" end="3"/>
+                                            </p:txEl>
+                                          </p:spTgt>
+                                        </p:tgtEl>
+                                        <p:attrNameLst>
+                                          <p:attrName>style.visibility</p:attrName>
+                                        </p:attrNameLst>
+                                      </p:cBhvr>
+                                      <p:to>
+                                        <p:strVal val="visible"/>
+                                      </p:to>
+                                    </p:set>
+                                    <p:animEffect transition="in" filter="circle(in)">
+                                      <p:cBhvr>
+                                        <p:cTn id="32" dur="2000"/>
+                                        <p:tgtEl>
+                                          <p:spTgt spid="163">
+                                            <p:txEl>
+                                              <p:pRg st="3" end="3"/>
+                                            </p:txEl>
+                                          </p:spTgt>
+                                        </p:tgtEl>
+                                      </p:cBhvr>
+                                    </p:animEffect>
+                                  </p:childTnLst>
+                                </p:cTn>
+                              </p:par>
+                            </p:childTnLst>
+                          </p:cTn>
+                        </p:par>
+                      </p:childTnLst>
+                    </p:cTn>
+                  </p:par>
+                  <p:par>
+                    <p:cTn id="33" fill="hold">
+                      <p:stCondLst>
+                        <p:cond delay="indefinite"/>
+                      </p:stCondLst>
+                      <p:childTnLst>
+                        <p:par>
+                          <p:cTn id="34" fill="hold">
+                            <p:stCondLst>
+                              <p:cond delay="0"/>
+                            </p:stCondLst>
+                            <p:childTnLst>
+                              <p:par>
+                                <p:cTn id="35" presetID="6" presetClass="entr" presetSubtype="16" fill="hold" grpId="0" nodeType="clickEffect">
+                                  <p:stCondLst>
+                                    <p:cond delay="0"/>
+                                  </p:stCondLst>
+                                  <p:childTnLst>
+                                    <p:set>
+                                      <p:cBhvr>
+                                        <p:cTn id="36" dur="1" fill="hold">
+                                          <p:stCondLst>
+                                            <p:cond delay="0"/>
+                                          </p:stCondLst>
+                                        </p:cTn>
+                                        <p:tgtEl>
+                                          <p:spTgt spid="163">
+                                            <p:txEl>
+                                              <p:pRg st="4" end="4"/>
+                                            </p:txEl>
+                                          </p:spTgt>
+                                        </p:tgtEl>
+                                        <p:attrNameLst>
+                                          <p:attrName>style.visibility</p:attrName>
+                                        </p:attrNameLst>
+                                      </p:cBhvr>
+                                      <p:to>
+                                        <p:strVal val="visible"/>
+                                      </p:to>
+                                    </p:set>
+                                    <p:animEffect transition="in" filter="circle(in)">
+                                      <p:cBhvr>
+                                        <p:cTn id="37" dur="2000"/>
+                                        <p:tgtEl>
+                                          <p:spTgt spid="163">
+                                            <p:txEl>
+                                              <p:pRg st="4" end="4"/>
+                                            </p:txEl>
+                                          </p:spTgt>
+                                        </p:tgtEl>
+                                      </p:cBhvr>
+                                    </p:animEffect>
+                                  </p:childTnLst>
+                                </p:cTn>
+                              </p:par>
+                            </p:childTnLst>
+                          </p:cTn>
+                        </p:par>
+                      </p:childTnLst>
+                    </p:cTn>
+                  </p:par>
+                  <p:par>
+                    <p:cTn id="38" fill="hold">
+                      <p:stCondLst>
+                        <p:cond delay="indefinite"/>
+                      </p:stCondLst>
+                      <p:childTnLst>
+                        <p:par>
+                          <p:cTn id="39" fill="hold">
+                            <p:stCondLst>
+                              <p:cond delay="0"/>
+                            </p:stCondLst>
+                            <p:childTnLst>
+                              <p:par>
+                                <p:cTn id="40" presetID="6" presetClass="entr" presetSubtype="16" fill="hold" grpId="0" nodeType="clickEffect">
+                                  <p:stCondLst>
+                                    <p:cond delay="0"/>
+                                  </p:stCondLst>
+                                  <p:childTnLst>
+                                    <p:set>
+                                      <p:cBhvr>
+                                        <p:cTn id="41" dur="1" fill="hold">
+                                          <p:stCondLst>
+                                            <p:cond delay="0"/>
+                                          </p:stCondLst>
+                                        </p:cTn>
+                                        <p:tgtEl>
+                                          <p:spTgt spid="163">
+                                            <p:txEl>
+                                              <p:pRg st="5" end="5"/>
+                                            </p:txEl>
+                                          </p:spTgt>
+                                        </p:tgtEl>
+                                        <p:attrNameLst>
+                                          <p:attrName>style.visibility</p:attrName>
+                                        </p:attrNameLst>
+                                      </p:cBhvr>
+                                      <p:to>
+                                        <p:strVal val="visible"/>
+                                      </p:to>
+                                    </p:set>
+                                    <p:animEffect transition="in" filter="circle(in)">
+                                      <p:cBhvr>
+                                        <p:cTn id="42" dur="2000"/>
+                                        <p:tgtEl>
+                                          <p:spTgt spid="163">
+                                            <p:txEl>
+                                              <p:pRg st="5" end="5"/>
+                                            </p:txEl>
+                                          </p:spTgt>
+                                        </p:tgtEl>
+                                      </p:cBhvr>
+                                    </p:animEffect>
+                                  </p:childTnLst>
+                                </p:cTn>
+                              </p:par>
+                            </p:childTnLst>
+                          </p:cTn>
+                        </p:par>
+                      </p:childTnLst>
+                    </p:cTn>
+                  </p:par>
+                  <p:par>
+                    <p:cTn id="43" fill="hold">
+                      <p:stCondLst>
+                        <p:cond delay="indefinite"/>
+                      </p:stCondLst>
+                      <p:childTnLst>
+                        <p:par>
+                          <p:cTn id="44" fill="hold">
+                            <p:stCondLst>
+                              <p:cond delay="0"/>
+                            </p:stCondLst>
+                            <p:childTnLst>
+                              <p:par>
+                                <p:cTn id="45" presetID="6" presetClass="entr" presetSubtype="16" fill="hold" grpId="0" nodeType="clickEffect">
+                                  <p:stCondLst>
+                                    <p:cond delay="0"/>
+                                  </p:stCondLst>
+                                  <p:childTnLst>
+                                    <p:set>
+                                      <p:cBhvr>
+                                        <p:cTn id="46" dur="1" fill="hold">
+                                          <p:stCondLst>
+                                            <p:cond delay="0"/>
+                                          </p:stCondLst>
+                                        </p:cTn>
+                                        <p:tgtEl>
+                                          <p:spTgt spid="163">
+                                            <p:txEl>
+                                              <p:pRg st="6" end="6"/>
+                                            </p:txEl>
+                                          </p:spTgt>
+                                        </p:tgtEl>
+                                        <p:attrNameLst>
+                                          <p:attrName>style.visibility</p:attrName>
+                                        </p:attrNameLst>
+                                      </p:cBhvr>
+                                      <p:to>
+                                        <p:strVal val="visible"/>
+                                      </p:to>
+                                    </p:set>
+                                    <p:animEffect transition="in" filter="circle(in)">
+                                      <p:cBhvr>
+                                        <p:cTn id="47" dur="2000"/>
+                                        <p:tgtEl>
+                                          <p:spTgt spid="163">
+                                            <p:txEl>
+                                              <p:pRg st="6" end="6"/>
+                                            </p:txEl>
+                                          </p:spTgt>
+                                        </p:tgtEl>
+                                      </p:cBhvr>
+                                    </p:animEffect>
+                                  </p:childTnLst>
+                                </p:cTn>
+                              </p:par>
+                            </p:childTnLst>
+                          </p:cTn>
+                        </p:par>
+                      </p:childTnLst>
+                    </p:cTn>
+                  </p:par>
+                  <p:par>
+                    <p:cTn id="48" fill="hold">
+                      <p:stCondLst>
+                        <p:cond delay="indefinite"/>
+                      </p:stCondLst>
+                      <p:childTnLst>
+                        <p:par>
+                          <p:cTn id="49" fill="hold">
+                            <p:stCondLst>
+                              <p:cond delay="0"/>
+                            </p:stCondLst>
+                            <p:childTnLst>
+                              <p:par>
+                                <p:cTn id="50" presetID="6" presetClass="entr" presetSubtype="16" fill="hold" grpId="0" nodeType="clickEffect">
+                                  <p:stCondLst>
+                                    <p:cond delay="0"/>
+                                  </p:stCondLst>
+                                  <p:childTnLst>
+                                    <p:set>
+                                      <p:cBhvr>
+                                        <p:cTn id="51" dur="1" fill="hold">
+                                          <p:stCondLst>
+                                            <p:cond delay="0"/>
+                                          </p:stCondLst>
+                                        </p:cTn>
+                                        <p:tgtEl>
+                                          <p:spTgt spid="163">
+                                            <p:txEl>
+                                              <p:pRg st="7" end="7"/>
+                                            </p:txEl>
+                                          </p:spTgt>
+                                        </p:tgtEl>
+                                        <p:attrNameLst>
+                                          <p:attrName>style.visibility</p:attrName>
+                                        </p:attrNameLst>
+                                      </p:cBhvr>
+                                      <p:to>
+                                        <p:strVal val="visible"/>
+                                      </p:to>
+                                    </p:set>
+                                    <p:animEffect transition="in" filter="circle(in)">
+                                      <p:cBhvr>
+                                        <p:cTn id="52" dur="2000"/>
+                                        <p:tgtEl>
+                                          <p:spTgt spid="163">
+                                            <p:txEl>
+                                              <p:pRg st="7" end="7"/>
+                                            </p:txEl>
+                                          </p:spTgt>
+                                        </p:tgtEl>
+                                      </p:cBhvr>
+                                    </p:animEffect>
+                                  </p:childTnLst>
+                                </p:cTn>
+                              </p:par>
+                            </p:childTnLst>
+                          </p:cTn>
+                        </p:par>
+                      </p:childTnLst>
+                    </p:cTn>
+                  </p:par>
+                  <p:par>
+                    <p:cTn id="53" fill="hold">
+                      <p:stCondLst>
+                        <p:cond delay="indefinite"/>
+                      </p:stCondLst>
+                      <p:childTnLst>
+                        <p:par>
+                          <p:cTn id="54" fill="hold">
+                            <p:stCondLst>
+                              <p:cond delay="0"/>
+                            </p:stCondLst>
+                            <p:childTnLst>
+                              <p:par>
+                                <p:cTn id="55" presetID="6" presetClass="entr" presetSubtype="16" fill="hold" grpId="0" nodeType="clickEffect">
+                                  <p:stCondLst>
+                                    <p:cond delay="0"/>
+                                  </p:stCondLst>
+                                  <p:childTnLst>
+                                    <p:set>
+                                      <p:cBhvr>
+                                        <p:cTn id="56" dur="1" fill="hold">
+                                          <p:stCondLst>
+                                            <p:cond delay="0"/>
+                                          </p:stCondLst>
+                                        </p:cTn>
+                                        <p:tgtEl>
+                                          <p:spTgt spid="163">
+                                            <p:txEl>
+                                              <p:pRg st="8" end="8"/>
+                                            </p:txEl>
+                                          </p:spTgt>
+                                        </p:tgtEl>
+                                        <p:attrNameLst>
+                                          <p:attrName>style.visibility</p:attrName>
+                                        </p:attrNameLst>
+                                      </p:cBhvr>
+                                      <p:to>
+                                        <p:strVal val="visible"/>
+                                      </p:to>
+                                    </p:set>
+                                    <p:animEffect transition="in" filter="circle(in)">
+                                      <p:cBhvr>
+                                        <p:cTn id="57" dur="2000"/>
+                                        <p:tgtEl>
+                                          <p:spTgt spid="163">
+                                            <p:txEl>
+                                              <p:pRg st="8" end="8"/>
+                                            </p:txEl>
+                                          </p:spTgt>
+                                        </p:tgtEl>
+                                      </p:cBhvr>
+                                    </p:animEffect>
+                                  </p:childTnLst>
+                                </p:cTn>
+                              </p:par>
+                            </p:childTnLst>
+                          </p:cTn>
+                        </p:par>
+                      </p:childTnLst>
+                    </p:cTn>
+                  </p:par>
+                </p:childTnLst>
+              </p:cTn>
+              <p:prevCondLst>
+                <p:cond evt="onPrev" delay="0">
+                  <p:tgtEl>
+                    <p:sldTgt/>
+                  </p:tgtEl>
+                </p:cond>
+              </p:prevCondLst>
+              <p:nextCondLst>
+                <p:cond evt="onNext" delay="0">
+                  <p:tgtEl>
+                    <p:sldTgt/>
+                  </p:tgtEl>
+                </p:cond>
+              </p:nextCondLst>
+            </p:seq>
+          </p:childTnLst>
+        </p:cTn>
+      </p:par>
+    </p:tnLst>
+    <p:bldLst>
+      <p:bldP spid="162" grpId="0" animBg="1"/>
+      <p:bldP spid="163" grpId="0" build="p" animBg="1"/>
+    </p:bldLst>
+  </p:timing>
 </p:sld>
 </file>
 
-<file path=ppt/slides/slide14.xml><?xml version="1.0" encoding="utf-8"?>
+<file path=ppt/slides/slide16.xml><?xml version="1.0" encoding="utf-8"?>
 <p:sld xmlns:a="http://schemas.openxmlformats.org/drawingml/2006/main" xmlns:r="http://schemas.openxmlformats.org/officeDocument/2006/relationships" xmlns:p="http://schemas.openxmlformats.org/presentationml/2006/main">
   <p:cSld>
     <p:spTree>
@@ -5159,9 +8762,10 @@
               <a:defRPr b="1"/>
             </a:pPr>
             <a:r>
-              <a:rPr b="0"/>
+              <a:rPr b="0" dirty="0" err="1"/>
               <a:t>人力成本</a:t>
             </a:r>
+            <a:endParaRPr b="0" dirty="0"/>
           </a:p>
         </p:txBody>
       </p:sp>
@@ -5200,10 +8804,195 @@
     <a:masterClrMapping/>
   </p:clrMapOvr>
   <p:transition spd="med"/>
+  <p:timing>
+    <p:tnLst>
+      <p:par>
+        <p:cTn id="1" dur="indefinite" restart="never" nodeType="tmRoot">
+          <p:childTnLst>
+            <p:seq concurrent="1" nextAc="seek">
+              <p:cTn id="2" dur="indefinite" nodeType="mainSeq">
+                <p:childTnLst>
+                  <p:par>
+                    <p:cTn id="3" fill="hold">
+                      <p:stCondLst>
+                        <p:cond delay="indefinite"/>
+                      </p:stCondLst>
+                      <p:childTnLst>
+                        <p:par>
+                          <p:cTn id="4" fill="hold">
+                            <p:stCondLst>
+                              <p:cond delay="0"/>
+                            </p:stCondLst>
+                            <p:childTnLst>
+                              <p:par>
+                                <p:cTn id="5" presetID="21" presetClass="entr" presetSubtype="1" fill="hold" grpId="0" nodeType="clickEffect">
+                                  <p:stCondLst>
+                                    <p:cond delay="0"/>
+                                  </p:stCondLst>
+                                  <p:childTnLst>
+                                    <p:set>
+                                      <p:cBhvr>
+                                        <p:cTn id="6" dur="1" fill="hold">
+                                          <p:stCondLst>
+                                            <p:cond delay="0"/>
+                                          </p:stCondLst>
+                                        </p:cTn>
+                                        <p:tgtEl>
+                                          <p:spTgt spid="165"/>
+                                        </p:tgtEl>
+                                        <p:attrNameLst>
+                                          <p:attrName>style.visibility</p:attrName>
+                                        </p:attrNameLst>
+                                      </p:cBhvr>
+                                      <p:to>
+                                        <p:strVal val="visible"/>
+                                      </p:to>
+                                    </p:set>
+                                    <p:animEffect transition="in" filter="wheel(1)">
+                                      <p:cBhvr>
+                                        <p:cTn id="7" dur="2000"/>
+                                        <p:tgtEl>
+                                          <p:spTgt spid="165"/>
+                                        </p:tgtEl>
+                                      </p:cBhvr>
+                                    </p:animEffect>
+                                  </p:childTnLst>
+                                </p:cTn>
+                              </p:par>
+                            </p:childTnLst>
+                          </p:cTn>
+                        </p:par>
+                      </p:childTnLst>
+                    </p:cTn>
+                  </p:par>
+                  <p:par>
+                    <p:cTn id="8" fill="hold">
+                      <p:stCondLst>
+                        <p:cond delay="indefinite"/>
+                      </p:stCondLst>
+                      <p:childTnLst>
+                        <p:par>
+                          <p:cTn id="9" fill="hold">
+                            <p:stCondLst>
+                              <p:cond delay="0"/>
+                            </p:stCondLst>
+                            <p:childTnLst>
+                              <p:par>
+                                <p:cTn id="10" presetID="45" presetClass="entr" presetSubtype="0" fill="hold" nodeType="clickEffect">
+                                  <p:stCondLst>
+                                    <p:cond delay="0"/>
+                                  </p:stCondLst>
+                                  <p:childTnLst>
+                                    <p:set>
+                                      <p:cBhvr>
+                                        <p:cTn id="11" dur="1" fill="hold">
+                                          <p:stCondLst>
+                                            <p:cond delay="0"/>
+                                          </p:stCondLst>
+                                        </p:cTn>
+                                        <p:tgtEl>
+                                          <p:spTgt spid="166"/>
+                                        </p:tgtEl>
+                                        <p:attrNameLst>
+                                          <p:attrName>style.visibility</p:attrName>
+                                        </p:attrNameLst>
+                                      </p:cBhvr>
+                                      <p:to>
+                                        <p:strVal val="visible"/>
+                                      </p:to>
+                                    </p:set>
+                                    <p:animEffect transition="in" filter="fade">
+                                      <p:cBhvr>
+                                        <p:cTn id="12" dur="2000"/>
+                                        <p:tgtEl>
+                                          <p:spTgt spid="166"/>
+                                        </p:tgtEl>
+                                      </p:cBhvr>
+                                    </p:animEffect>
+                                    <p:anim calcmode="lin" valueType="num">
+                                      <p:cBhvr>
+                                        <p:cTn id="13" dur="2000" fill="hold"/>
+                                        <p:tgtEl>
+                                          <p:spTgt spid="166"/>
+                                        </p:tgtEl>
+                                        <p:attrNameLst>
+                                          <p:attrName>ppt_w</p:attrName>
+                                        </p:attrNameLst>
+                                      </p:cBhvr>
+                                      <p:tavLst>
+                                        <p:tav tm="0" fmla="#ppt_w*sin(2.5*pi*$)">
+                                          <p:val>
+                                            <p:fltVal val="0"/>
+                                          </p:val>
+                                        </p:tav>
+                                        <p:tav tm="100000">
+                                          <p:val>
+                                            <p:fltVal val="1"/>
+                                          </p:val>
+                                        </p:tav>
+                                      </p:tavLst>
+                                    </p:anim>
+                                    <p:anim calcmode="lin" valueType="num">
+                                      <p:cBhvr>
+                                        <p:cTn id="14" dur="2000" fill="hold"/>
+                                        <p:tgtEl>
+                                          <p:spTgt spid="166"/>
+                                        </p:tgtEl>
+                                        <p:attrNameLst>
+                                          <p:attrName>ppt_h</p:attrName>
+                                        </p:attrNameLst>
+                                      </p:cBhvr>
+                                      <p:tavLst>
+                                        <p:tav tm="0">
+                                          <p:val>
+                                            <p:strVal val="#ppt_h"/>
+                                          </p:val>
+                                        </p:tav>
+                                        <p:tav tm="100000">
+                                          <p:val>
+                                            <p:strVal val="#ppt_h"/>
+                                          </p:val>
+                                        </p:tav>
+                                      </p:tavLst>
+                                    </p:anim>
+                                  </p:childTnLst>
+                                </p:cTn>
+                              </p:par>
+                            </p:childTnLst>
+                          </p:cTn>
+                        </p:par>
+                      </p:childTnLst>
+                    </p:cTn>
+                  </p:par>
+                </p:childTnLst>
+              </p:cTn>
+              <p:prevCondLst>
+                <p:cond evt="onPrev" delay="0">
+                  <p:tgtEl>
+                    <p:sldTgt/>
+                  </p:tgtEl>
+                </p:cond>
+              </p:prevCondLst>
+              <p:nextCondLst>
+                <p:cond evt="onNext" delay="0">
+                  <p:tgtEl>
+                    <p:sldTgt/>
+                  </p:tgtEl>
+                </p:cond>
+              </p:nextCondLst>
+            </p:seq>
+          </p:childTnLst>
+        </p:cTn>
+      </p:par>
+    </p:tnLst>
+    <p:bldLst>
+      <p:bldP spid="165" grpId="0" animBg="1"/>
+    </p:bldLst>
+  </p:timing>
 </p:sld>
 </file>
 
-<file path=ppt/slides/slide15.xml><?xml version="1.0" encoding="utf-8"?>
+<file path=ppt/slides/slide17.xml><?xml version="1.0" encoding="utf-8"?>
 <p:sld xmlns:a="http://schemas.openxmlformats.org/drawingml/2006/main" xmlns:r="http://schemas.openxmlformats.org/officeDocument/2006/relationships" xmlns:p="http://schemas.openxmlformats.org/presentationml/2006/main">
   <p:cSld>
     <p:spTree>
@@ -5247,9 +9036,10 @@
               <a:defRPr b="1"/>
             </a:pPr>
             <a:r>
-              <a:rPr b="0"/>
+              <a:rPr b="0" dirty="0" err="1"/>
               <a:t>此次人员分工</a:t>
             </a:r>
+            <a:endParaRPr b="0" dirty="0"/>
           </a:p>
         </p:txBody>
       </p:sp>
@@ -5262,7 +9052,7 @@
         <p:spPr>
           <a:xfrm>
             <a:off x="5993129" y="4481829"/>
-            <a:ext cx="2981123" cy="861265"/>
+            <a:ext cx="2822245" cy="769441"/>
           </a:xfrm>
           <a:prstGeom prst="rect">
             <a:avLst/>
@@ -5272,7 +9062,7 @@
           </a:ln>
           <a:extLst>
             <a:ext uri="{C572A759-6A51-4108-AA02-DFA0A04FC94B}">
-              <ma14:wrappingTextBoxFlag xmlns="" xmlns:m="http://schemas.openxmlformats.org/officeDocument/2006/math" xmlns:a14="http://schemas.microsoft.com/office/drawing/2010/main" xmlns:ma14="http://schemas.microsoft.com/office/mac/drawingml/2011/main" val="1"/>
+              <ma14:wrappingTextBoxFlag xmlns:ma14="http://schemas.microsoft.com/office/mac/drawingml/2011/main" xmlns:a14="http://schemas.microsoft.com/office/drawing/2010/main" xmlns:m="http://schemas.openxmlformats.org/officeDocument/2006/math" xmlns="" val="1"/>
             </a:ext>
           </a:extLst>
         </p:spPr>
@@ -5290,13 +9080,40 @@
           </a:lstStyle>
           <a:p>
             <a:r>
-              <a:t>郑鸿棣 ppt及word审核</a:t>
-            </a:r>
+              <a:rPr dirty="0" err="1"/>
+              <a:t>郑鸿棣</a:t>
+            </a:r>
+            <a:r>
+              <a:rPr dirty="0"/>
+              <a:t> </a:t>
+            </a:r>
+            <a:r>
+              <a:rPr dirty="0" err="1"/>
+              <a:t>ppt及word审核</a:t>
+            </a:r>
+            <a:endParaRPr dirty="0"/>
           </a:p>
           <a:p>
             <a:pPr lvl="1"/>
             <a:r>
-              <a:t>   （8/10）</a:t>
+              <a:rPr dirty="0"/>
+              <a:t>   </a:t>
+            </a:r>
+            <a:r>
+              <a:rPr dirty="0" smtClean="0"/>
+              <a:t>（</a:t>
+            </a:r>
+            <a:r>
+              <a:rPr lang="en-US" dirty="0" smtClean="0"/>
+              <a:t>8.6</a:t>
+            </a:r>
+            <a:r>
+              <a:rPr dirty="0" smtClean="0"/>
+              <a:t>/10</a:t>
+            </a:r>
+            <a:r>
+              <a:rPr dirty="0"/>
+              <a:t>）</a:t>
             </a:r>
           </a:p>
         </p:txBody>
@@ -5310,7 +9127,7 @@
         <p:spPr>
           <a:xfrm>
             <a:off x="1309360" y="2056129"/>
-            <a:ext cx="2683628" cy="861265"/>
+            <a:ext cx="2683628" cy="769441"/>
           </a:xfrm>
           <a:prstGeom prst="rect">
             <a:avLst/>
@@ -5320,7 +9137,7 @@
           </a:ln>
           <a:extLst>
             <a:ext uri="{C572A759-6A51-4108-AA02-DFA0A04FC94B}">
-              <ma14:wrappingTextBoxFlag xmlns="" xmlns:m="http://schemas.openxmlformats.org/officeDocument/2006/math" xmlns:a14="http://schemas.microsoft.com/office/drawing/2010/main" xmlns:ma14="http://schemas.microsoft.com/office/mac/drawingml/2011/main" val="1"/>
+              <ma14:wrappingTextBoxFlag xmlns:ma14="http://schemas.microsoft.com/office/mac/drawingml/2011/main" xmlns:a14="http://schemas.microsoft.com/office/drawing/2010/main" xmlns:m="http://schemas.openxmlformats.org/officeDocument/2006/math" xmlns="" val="1"/>
             </a:ext>
           </a:extLst>
         </p:spPr>
@@ -5338,13 +9155,40 @@
           </a:lstStyle>
           <a:p>
             <a:r>
-              <a:t>徐余浩 word制作</a:t>
-            </a:r>
+              <a:rPr dirty="0" err="1"/>
+              <a:t>徐余浩</a:t>
+            </a:r>
+            <a:r>
+              <a:rPr dirty="0"/>
+              <a:t> </a:t>
+            </a:r>
+            <a:r>
+              <a:rPr dirty="0" err="1"/>
+              <a:t>word制作</a:t>
+            </a:r>
+            <a:endParaRPr dirty="0"/>
           </a:p>
           <a:p>
             <a:pPr lvl="1"/>
             <a:r>
-              <a:t>（8/10）</a:t>
+              <a:rPr dirty="0"/>
+              <a:t>（</a:t>
+            </a:r>
+            <a:r>
+              <a:rPr dirty="0" smtClean="0"/>
+              <a:t>8</a:t>
+            </a:r>
+            <a:r>
+              <a:rPr lang="en-US" dirty="0" smtClean="0"/>
+              <a:t>.4</a:t>
+            </a:r>
+            <a:r>
+              <a:rPr dirty="0" smtClean="0"/>
+              <a:t>/10</a:t>
+            </a:r>
+            <a:r>
+              <a:rPr dirty="0"/>
+              <a:t>）</a:t>
             </a:r>
           </a:p>
         </p:txBody>
@@ -5358,7 +9202,7 @@
         <p:spPr>
           <a:xfrm>
             <a:off x="3745090" y="3224529"/>
-            <a:ext cx="2075867" cy="861265"/>
+            <a:ext cx="1961432" cy="769441"/>
           </a:xfrm>
           <a:prstGeom prst="rect">
             <a:avLst/>
@@ -5368,7 +9212,7 @@
           </a:ln>
           <a:extLst>
             <a:ext uri="{C572A759-6A51-4108-AA02-DFA0A04FC94B}">
-              <ma14:wrappingTextBoxFlag xmlns="" xmlns:m="http://schemas.openxmlformats.org/officeDocument/2006/math" xmlns:a14="http://schemas.microsoft.com/office/drawing/2010/main" xmlns:ma14="http://schemas.microsoft.com/office/mac/drawingml/2011/main" val="1"/>
+              <ma14:wrappingTextBoxFlag xmlns:ma14="http://schemas.microsoft.com/office/mac/drawingml/2011/main" xmlns:a14="http://schemas.microsoft.com/office/drawing/2010/main" xmlns:m="http://schemas.openxmlformats.org/officeDocument/2006/math" xmlns="" val="1"/>
             </a:ext>
           </a:extLst>
         </p:spPr>
@@ -5382,15 +9226,42 @@
               <a:defRPr sz="2200"/>
             </a:pPr>
             <a:r>
-              <a:t>陈瑜安 ppt制作</a:t>
-            </a:r>
+              <a:rPr dirty="0" err="1"/>
+              <a:t>陈瑜安</a:t>
+            </a:r>
+            <a:r>
+              <a:rPr dirty="0"/>
+              <a:t> </a:t>
+            </a:r>
+            <a:r>
+              <a:rPr dirty="0" err="1"/>
+              <a:t>ppt制作</a:t>
+            </a:r>
+            <a:endParaRPr dirty="0"/>
           </a:p>
           <a:p>
             <a:pPr>
               <a:defRPr sz="2200"/>
             </a:pPr>
             <a:r>
-              <a:t>     （8/10）</a:t>
+              <a:rPr dirty="0"/>
+              <a:t>     </a:t>
+            </a:r>
+            <a:r>
+              <a:rPr dirty="0" smtClean="0"/>
+              <a:t>（</a:t>
+            </a:r>
+            <a:r>
+              <a:rPr lang="en-US" dirty="0" smtClean="0"/>
+              <a:t>8.5</a:t>
+            </a:r>
+            <a:r>
+              <a:rPr dirty="0" smtClean="0"/>
+              <a:t>/10</a:t>
+            </a:r>
+            <a:r>
+              <a:rPr dirty="0"/>
+              <a:t>）</a:t>
             </a:r>
           </a:p>
         </p:txBody>
@@ -5401,10 +9272,291 @@
     <a:masterClrMapping/>
   </p:clrMapOvr>
   <p:transition spd="med"/>
+  <p:timing>
+    <p:tnLst>
+      <p:par>
+        <p:cTn id="1" dur="indefinite" restart="never" nodeType="tmRoot">
+          <p:childTnLst>
+            <p:seq concurrent="1" nextAc="seek">
+              <p:cTn id="2" dur="indefinite" nodeType="mainSeq">
+                <p:childTnLst>
+                  <p:par>
+                    <p:cTn id="3" fill="hold">
+                      <p:stCondLst>
+                        <p:cond delay="indefinite"/>
+                      </p:stCondLst>
+                      <p:childTnLst>
+                        <p:par>
+                          <p:cTn id="4" fill="hold">
+                            <p:stCondLst>
+                              <p:cond delay="0"/>
+                            </p:stCondLst>
+                            <p:childTnLst>
+                              <p:par>
+                                <p:cTn id="5" presetID="31" presetClass="entr" presetSubtype="0" fill="hold" grpId="0" nodeType="clickEffect">
+                                  <p:stCondLst>
+                                    <p:cond delay="0"/>
+                                  </p:stCondLst>
+                                  <p:childTnLst>
+                                    <p:set>
+                                      <p:cBhvr>
+                                        <p:cTn id="6" dur="1" fill="hold">
+                                          <p:stCondLst>
+                                            <p:cond delay="0"/>
+                                          </p:stCondLst>
+                                        </p:cTn>
+                                        <p:tgtEl>
+                                          <p:spTgt spid="168"/>
+                                        </p:tgtEl>
+                                        <p:attrNameLst>
+                                          <p:attrName>style.visibility</p:attrName>
+                                        </p:attrNameLst>
+                                      </p:cBhvr>
+                                      <p:to>
+                                        <p:strVal val="visible"/>
+                                      </p:to>
+                                    </p:set>
+                                    <p:anim calcmode="lin" valueType="num">
+                                      <p:cBhvr>
+                                        <p:cTn id="7" dur="1000" fill="hold"/>
+                                        <p:tgtEl>
+                                          <p:spTgt spid="168"/>
+                                        </p:tgtEl>
+                                        <p:attrNameLst>
+                                          <p:attrName>ppt_w</p:attrName>
+                                        </p:attrNameLst>
+                                      </p:cBhvr>
+                                      <p:tavLst>
+                                        <p:tav tm="0">
+                                          <p:val>
+                                            <p:fltVal val="0"/>
+                                          </p:val>
+                                        </p:tav>
+                                        <p:tav tm="100000">
+                                          <p:val>
+                                            <p:strVal val="#ppt_w"/>
+                                          </p:val>
+                                        </p:tav>
+                                      </p:tavLst>
+                                    </p:anim>
+                                    <p:anim calcmode="lin" valueType="num">
+                                      <p:cBhvr>
+                                        <p:cTn id="8" dur="1000" fill="hold"/>
+                                        <p:tgtEl>
+                                          <p:spTgt spid="168"/>
+                                        </p:tgtEl>
+                                        <p:attrNameLst>
+                                          <p:attrName>ppt_h</p:attrName>
+                                        </p:attrNameLst>
+                                      </p:cBhvr>
+                                      <p:tavLst>
+                                        <p:tav tm="0">
+                                          <p:val>
+                                            <p:fltVal val="0"/>
+                                          </p:val>
+                                        </p:tav>
+                                        <p:tav tm="100000">
+                                          <p:val>
+                                            <p:strVal val="#ppt_h"/>
+                                          </p:val>
+                                        </p:tav>
+                                      </p:tavLst>
+                                    </p:anim>
+                                    <p:anim calcmode="lin" valueType="num">
+                                      <p:cBhvr>
+                                        <p:cTn id="9" dur="1000" fill="hold"/>
+                                        <p:tgtEl>
+                                          <p:spTgt spid="168"/>
+                                        </p:tgtEl>
+                                        <p:attrNameLst>
+                                          <p:attrName>style.rotation</p:attrName>
+                                        </p:attrNameLst>
+                                      </p:cBhvr>
+                                      <p:tavLst>
+                                        <p:tav tm="0">
+                                          <p:val>
+                                            <p:fltVal val="90"/>
+                                          </p:val>
+                                        </p:tav>
+                                        <p:tav tm="100000">
+                                          <p:val>
+                                            <p:fltVal val="0"/>
+                                          </p:val>
+                                        </p:tav>
+                                      </p:tavLst>
+                                    </p:anim>
+                                    <p:animEffect transition="in" filter="fade">
+                                      <p:cBhvr>
+                                        <p:cTn id="10" dur="1000"/>
+                                        <p:tgtEl>
+                                          <p:spTgt spid="168"/>
+                                        </p:tgtEl>
+                                      </p:cBhvr>
+                                    </p:animEffect>
+                                  </p:childTnLst>
+                                </p:cTn>
+                              </p:par>
+                            </p:childTnLst>
+                          </p:cTn>
+                        </p:par>
+                      </p:childTnLst>
+                    </p:cTn>
+                  </p:par>
+                  <p:par>
+                    <p:cTn id="11" fill="hold">
+                      <p:stCondLst>
+                        <p:cond delay="indefinite"/>
+                      </p:stCondLst>
+                      <p:childTnLst>
+                        <p:par>
+                          <p:cTn id="12" fill="hold">
+                            <p:stCondLst>
+                              <p:cond delay="0"/>
+                            </p:stCondLst>
+                            <p:childTnLst>
+                              <p:par>
+                                <p:cTn id="13" presetID="6" presetClass="entr" presetSubtype="16" fill="hold" grpId="0" nodeType="clickEffect">
+                                  <p:stCondLst>
+                                    <p:cond delay="0"/>
+                                  </p:stCondLst>
+                                  <p:childTnLst>
+                                    <p:set>
+                                      <p:cBhvr>
+                                        <p:cTn id="14" dur="1" fill="hold">
+                                          <p:stCondLst>
+                                            <p:cond delay="0"/>
+                                          </p:stCondLst>
+                                        </p:cTn>
+                                        <p:tgtEl>
+                                          <p:spTgt spid="169"/>
+                                        </p:tgtEl>
+                                        <p:attrNameLst>
+                                          <p:attrName>style.visibility</p:attrName>
+                                        </p:attrNameLst>
+                                      </p:cBhvr>
+                                      <p:to>
+                                        <p:strVal val="visible"/>
+                                      </p:to>
+                                    </p:set>
+                                    <p:animEffect transition="in" filter="circle(in)">
+                                      <p:cBhvr>
+                                        <p:cTn id="15" dur="2000"/>
+                                        <p:tgtEl>
+                                          <p:spTgt spid="169"/>
+                                        </p:tgtEl>
+                                      </p:cBhvr>
+                                    </p:animEffect>
+                                  </p:childTnLst>
+                                </p:cTn>
+                              </p:par>
+                              <p:par>
+                                <p:cTn id="16" presetID="6" presetClass="entr" presetSubtype="16" fill="hold" grpId="0" nodeType="withEffect">
+                                  <p:stCondLst>
+                                    <p:cond delay="0"/>
+                                  </p:stCondLst>
+                                  <p:childTnLst>
+                                    <p:set>
+                                      <p:cBhvr>
+                                        <p:cTn id="17" dur="1" fill="hold">
+                                          <p:stCondLst>
+                                            <p:cond delay="0"/>
+                                          </p:stCondLst>
+                                        </p:cTn>
+                                        <p:tgtEl>
+                                          <p:spTgt spid="170"/>
+                                        </p:tgtEl>
+                                        <p:attrNameLst>
+                                          <p:attrName>style.visibility</p:attrName>
+                                        </p:attrNameLst>
+                                      </p:cBhvr>
+                                      <p:to>
+                                        <p:strVal val="visible"/>
+                                      </p:to>
+                                    </p:set>
+                                    <p:animEffect transition="in" filter="circle(in)">
+                                      <p:cBhvr>
+                                        <p:cTn id="18" dur="2000"/>
+                                        <p:tgtEl>
+                                          <p:spTgt spid="170"/>
+                                        </p:tgtEl>
+                                      </p:cBhvr>
+                                    </p:animEffect>
+                                  </p:childTnLst>
+                                </p:cTn>
+                              </p:par>
+                              <p:par>
+                                <p:cTn id="19" presetID="6" presetClass="entr" presetSubtype="16" fill="hold" grpId="0" nodeType="withEffect">
+                                  <p:stCondLst>
+                                    <p:cond delay="0"/>
+                                  </p:stCondLst>
+                                  <p:childTnLst>
+                                    <p:set>
+                                      <p:cBhvr>
+                                        <p:cTn id="20" dur="1" fill="hold">
+                                          <p:stCondLst>
+                                            <p:cond delay="0"/>
+                                          </p:stCondLst>
+                                        </p:cTn>
+                                        <p:tgtEl>
+                                          <p:spTgt spid="171"/>
+                                        </p:tgtEl>
+                                        <p:attrNameLst>
+                                          <p:attrName>style.visibility</p:attrName>
+                                        </p:attrNameLst>
+                                      </p:cBhvr>
+                                      <p:to>
+                                        <p:strVal val="visible"/>
+                                      </p:to>
+                                    </p:set>
+                                    <p:animEffect transition="in" filter="circle(in)">
+                                      <p:cBhvr>
+                                        <p:cTn id="21" dur="2000"/>
+                                        <p:tgtEl>
+                                          <p:spTgt spid="171"/>
+                                        </p:tgtEl>
+                                      </p:cBhvr>
+                                    </p:animEffect>
+                                  </p:childTnLst>
+                                </p:cTn>
+                              </p:par>
+                            </p:childTnLst>
+                          </p:cTn>
+                        </p:par>
+                      </p:childTnLst>
+                    </p:cTn>
+                  </p:par>
+                </p:childTnLst>
+              </p:cTn>
+              <p:prevCondLst>
+                <p:cond evt="onPrev" delay="0">
+                  <p:tgtEl>
+                    <p:sldTgt/>
+                  </p:tgtEl>
+                </p:cond>
+              </p:prevCondLst>
+              <p:nextCondLst>
+                <p:cond evt="onNext" delay="0">
+                  <p:tgtEl>
+                    <p:sldTgt/>
+                  </p:tgtEl>
+                </p:cond>
+              </p:nextCondLst>
+            </p:seq>
+          </p:childTnLst>
+        </p:cTn>
+      </p:par>
+    </p:tnLst>
+    <p:bldLst>
+      <p:bldP spid="168" grpId="0" animBg="1"/>
+      <p:bldP spid="169" grpId="0" animBg="1"/>
+      <p:bldP spid="170" grpId="0" animBg="1"/>
+      <p:bldP spid="171" grpId="0" animBg="1"/>
+    </p:bldLst>
+  </p:timing>
 </p:sld>
 </file>
 
-<file path=ppt/slides/slide16.xml><?xml version="1.0" encoding="utf-8"?>
+<file path=ppt/slides/slide18.xml><?xml version="1.0" encoding="utf-8"?>
 <p:sld xmlns:a="http://schemas.openxmlformats.org/drawingml/2006/main" xmlns:r="http://schemas.openxmlformats.org/officeDocument/2006/relationships" xmlns:p="http://schemas.openxmlformats.org/presentationml/2006/main">
   <p:cSld>
     <p:spTree>
@@ -5423,7 +9575,7 @@
       </p:grpSpPr>
       <p:sp>
         <p:nvSpPr>
-          <p:cNvPr id="173" name="标题 1"/>
+          <p:cNvPr id="5" name="成本预算"/>
           <p:cNvSpPr txBox="1">
             <a:spLocks noGrp="1"/>
           </p:cNvSpPr>
@@ -5433,8 +9585,8 @@
         </p:nvSpPr>
         <p:spPr>
           <a:xfrm>
-            <a:off x="683567" y="2708919"/>
-            <a:ext cx="8064898" cy="2088233"/>
+            <a:off x="457200" y="2857500"/>
+            <a:ext cx="8229600" cy="1143000"/>
           </a:xfrm>
           <a:prstGeom prst="rect">
             <a:avLst/>
@@ -5442,28 +9594,394 @@
         </p:spPr>
         <p:txBody>
           <a:bodyPr/>
-          <a:lstStyle/>
-          <a:p>
-            <a:pPr>
-              <a:defRPr sz="6600"/>
-            </a:pPr>
-            <a:r>
-              <a:t>感谢观看</a:t>
-            </a:r>
-            <a:br/>
-            <a:r>
-              <a:rPr sz="5400"/>
-              <a:t>q&amp;a</a:t>
-            </a:r>
+          <a:lstStyle>
+            <a:lvl1pPr defTabSz="905255">
+              <a:defRPr sz="5940"/>
+            </a:lvl1pPr>
+          </a:lstStyle>
+          <a:p>
+            <a:r>
+              <a:rPr lang="zh-CN" altLang="en-US" dirty="0" smtClean="0"/>
+              <a:t>参考资料</a:t>
+            </a:r>
+            <a:endParaRPr dirty="0"/>
           </a:p>
         </p:txBody>
       </p:sp>
     </p:spTree>
+    <p:extLst>
+      <p:ext uri="{BB962C8B-B14F-4D97-AF65-F5344CB8AC3E}">
+        <p14:creationId xmlns:p14="http://schemas.microsoft.com/office/powerpoint/2010/main" val="3427789931"/>
+      </p:ext>
+    </p:extLst>
   </p:cSld>
   <p:clrMapOvr>
     <a:masterClrMapping/>
   </p:clrMapOvr>
   <p:transition spd="med"/>
+  <p:timing>
+    <p:tnLst>
+      <p:par>
+        <p:cTn id="1" dur="indefinite" restart="never" nodeType="tmRoot">
+          <p:childTnLst>
+            <p:seq concurrent="1" nextAc="seek">
+              <p:cTn id="2" dur="indefinite" nodeType="mainSeq">
+                <p:childTnLst>
+                  <p:par>
+                    <p:cTn id="3" fill="hold">
+                      <p:stCondLst>
+                        <p:cond delay="indefinite"/>
+                      </p:stCondLst>
+                      <p:childTnLst>
+                        <p:par>
+                          <p:cTn id="4" fill="hold">
+                            <p:stCondLst>
+                              <p:cond delay="0"/>
+                            </p:stCondLst>
+                            <p:childTnLst>
+                              <p:par>
+                                <p:cTn id="5" presetID="16" presetClass="entr" presetSubtype="21" fill="hold" grpId="0" nodeType="clickEffect">
+                                  <p:stCondLst>
+                                    <p:cond delay="0"/>
+                                  </p:stCondLst>
+                                  <p:childTnLst>
+                                    <p:set>
+                                      <p:cBhvr>
+                                        <p:cTn id="6" dur="1" fill="hold">
+                                          <p:stCondLst>
+                                            <p:cond delay="0"/>
+                                          </p:stCondLst>
+                                        </p:cTn>
+                                        <p:tgtEl>
+                                          <p:spTgt spid="5"/>
+                                        </p:tgtEl>
+                                        <p:attrNameLst>
+                                          <p:attrName>style.visibility</p:attrName>
+                                        </p:attrNameLst>
+                                      </p:cBhvr>
+                                      <p:to>
+                                        <p:strVal val="visible"/>
+                                      </p:to>
+                                    </p:set>
+                                    <p:animEffect transition="in" filter="barn(inVertical)">
+                                      <p:cBhvr>
+                                        <p:cTn id="7" dur="500"/>
+                                        <p:tgtEl>
+                                          <p:spTgt spid="5"/>
+                                        </p:tgtEl>
+                                      </p:cBhvr>
+                                    </p:animEffect>
+                                  </p:childTnLst>
+                                </p:cTn>
+                              </p:par>
+                            </p:childTnLst>
+                          </p:cTn>
+                        </p:par>
+                      </p:childTnLst>
+                    </p:cTn>
+                  </p:par>
+                </p:childTnLst>
+              </p:cTn>
+              <p:prevCondLst>
+                <p:cond evt="onPrev" delay="0">
+                  <p:tgtEl>
+                    <p:sldTgt/>
+                  </p:tgtEl>
+                </p:cond>
+              </p:prevCondLst>
+              <p:nextCondLst>
+                <p:cond evt="onNext" delay="0">
+                  <p:tgtEl>
+                    <p:sldTgt/>
+                  </p:tgtEl>
+                </p:cond>
+              </p:nextCondLst>
+            </p:seq>
+          </p:childTnLst>
+        </p:cTn>
+      </p:par>
+    </p:tnLst>
+    <p:bldLst>
+      <p:bldP spid="5" grpId="0" animBg="1"/>
+    </p:bldLst>
+  </p:timing>
+</p:sld>
+</file>
+
+<file path=ppt/slides/slide19.xml><?xml version="1.0" encoding="utf-8"?>
+<p:sld xmlns:a="http://schemas.openxmlformats.org/drawingml/2006/main" xmlns:r="http://schemas.openxmlformats.org/officeDocument/2006/relationships" xmlns:p="http://schemas.openxmlformats.org/presentationml/2006/main">
+  <p:cSld>
+    <p:spTree>
+      <p:nvGrpSpPr>
+        <p:cNvPr id="1" name=""/>
+        <p:cNvGrpSpPr/>
+        <p:nvPr/>
+      </p:nvGrpSpPr>
+      <p:grpSpPr>
+        <a:xfrm>
+          <a:off x="0" y="0"/>
+          <a:ext cx="0" cy="0"/>
+          <a:chOff x="0" y="0"/>
+          <a:chExt cx="0" cy="0"/>
+        </a:xfrm>
+      </p:grpSpPr>
+      <p:sp>
+        <p:nvSpPr>
+          <p:cNvPr id="4" name="矩形 3"/>
+          <p:cNvSpPr/>
+          <p:nvPr/>
+        </p:nvSpPr>
+        <p:spPr>
+          <a:xfrm>
+            <a:off x="-180528" y="2636912"/>
+            <a:ext cx="9324528" cy="1569660"/>
+          </a:xfrm>
+          <a:prstGeom prst="rect">
+            <a:avLst/>
+          </a:prstGeom>
+        </p:spPr>
+        <p:txBody>
+          <a:bodyPr wrap="square">
+            <a:spAutoFit/>
+          </a:bodyPr>
+          <a:lstStyle/>
+          <a:p>
+            <a:r>
+              <a:rPr lang="en-US" altLang="zh-CN" sz="2400" dirty="0" smtClean="0"/>
+              <a:t>	</a:t>
+            </a:r>
+            <a:r>
+              <a:rPr lang="zh-CN" altLang="zh-CN" dirty="0" smtClean="0"/>
+              <a:t>1</a:t>
+            </a:r>
+            <a:r>
+              <a:rPr lang="zh-CN" altLang="zh-CN" dirty="0"/>
+              <a:t>	</a:t>
+            </a:r>
+            <a:r>
+              <a:rPr lang="zh-TW" altLang="zh-CN" dirty="0"/>
+              <a:t>刘国柱. Unity3D/2D 游戏开发从0到1. 北京：电子工艺出版社，2018</a:t>
+            </a:r>
+            <a:endParaRPr lang="zh-CN" altLang="zh-CN" dirty="0"/>
+          </a:p>
+          <a:p>
+            <a:r>
+              <a:rPr lang="en-US" altLang="zh-CN" dirty="0"/>
+              <a:t>	</a:t>
+            </a:r>
+            <a:r>
+              <a:rPr lang="zh-CN" altLang="zh-CN" dirty="0"/>
+              <a:t>2	陈洪，任科，李华杰</a:t>
+            </a:r>
+            <a:r>
+              <a:rPr lang="en-US" altLang="zh-CN" dirty="0"/>
+              <a:t>. </a:t>
+            </a:r>
+            <a:r>
+              <a:rPr lang="zh-CN" altLang="zh-CN" dirty="0"/>
+              <a:t>游戏专业概论</a:t>
+            </a:r>
+            <a:r>
+              <a:rPr lang="en-US" altLang="zh-CN" dirty="0"/>
+              <a:t>. </a:t>
+            </a:r>
+            <a:r>
+              <a:rPr lang="zh-CN" altLang="zh-CN" dirty="0"/>
+              <a:t>北京：中国清华大学出版社，</a:t>
+            </a:r>
+            <a:r>
+              <a:rPr lang="en-US" altLang="zh-CN" dirty="0"/>
+              <a:t>2010</a:t>
+            </a:r>
+            <a:endParaRPr lang="zh-CN" altLang="zh-CN" dirty="0"/>
+          </a:p>
+          <a:p>
+            <a:r>
+              <a:rPr lang="en-US" altLang="zh-CN" dirty="0"/>
+              <a:t>	</a:t>
+            </a:r>
+            <a:r>
+              <a:rPr lang="zh-CN" altLang="zh-CN" dirty="0"/>
+              <a:t>3	张海藩，牟永敏</a:t>
+            </a:r>
+            <a:r>
+              <a:rPr lang="en-US" altLang="zh-CN" dirty="0"/>
+              <a:t>. </a:t>
+            </a:r>
+            <a:r>
+              <a:rPr lang="zh-CN" altLang="zh-CN" dirty="0"/>
+              <a:t>软件工程导论</a:t>
+            </a:r>
+            <a:r>
+              <a:rPr lang="en-US" altLang="zh-CN" dirty="0"/>
+              <a:t>. </a:t>
+            </a:r>
+            <a:r>
+              <a:rPr lang="zh-CN" altLang="zh-CN" dirty="0"/>
+              <a:t>北京：清华大学出版社，</a:t>
+            </a:r>
+            <a:r>
+              <a:rPr lang="en-US" altLang="zh-CN" dirty="0"/>
+              <a:t>2013 </a:t>
+            </a:r>
+            <a:endParaRPr lang="zh-CN" altLang="zh-CN" dirty="0"/>
+          </a:p>
+          <a:p>
+            <a:r>
+              <a:rPr lang="en-US" altLang="zh-CN" dirty="0"/>
+              <a:t>	4	</a:t>
+            </a:r>
+            <a:r>
+              <a:rPr lang="zh-CN" altLang="zh-CN" dirty="0"/>
+              <a:t>金玺曾</a:t>
+            </a:r>
+            <a:r>
+              <a:rPr lang="en-US" altLang="zh-CN" dirty="0"/>
+              <a:t>. Unity 3D/2D </a:t>
+            </a:r>
+            <a:r>
+              <a:rPr lang="zh-CN" altLang="zh-CN" dirty="0"/>
+              <a:t>手机游戏开发</a:t>
+            </a:r>
+            <a:r>
+              <a:rPr lang="en-US" altLang="zh-CN" dirty="0"/>
+              <a:t>. </a:t>
+            </a:r>
+            <a:r>
+              <a:rPr lang="zh-CN" altLang="zh-CN" dirty="0"/>
+              <a:t>北京：清华大学出版社，2013</a:t>
+            </a:r>
+          </a:p>
+          <a:p>
+            <a:r>
+              <a:rPr lang="zh-TW" altLang="zh-CN" dirty="0"/>
+              <a:t>	</a:t>
+            </a:r>
+            <a:r>
+              <a:rPr lang="en-US" altLang="zh-CN" dirty="0"/>
+              <a:t>5	</a:t>
+            </a:r>
+            <a:r>
+              <a:rPr lang="zh-TW" altLang="zh-CN" dirty="0"/>
+              <a:t>Unity3D</a:t>
+            </a:r>
+            <a:r>
+              <a:rPr lang="zh-CN" altLang="zh-CN" dirty="0"/>
+              <a:t>模型共享网 </a:t>
+            </a:r>
+            <a:r>
+              <a:rPr lang="zh-TW" altLang="zh-CN" dirty="0"/>
+              <a:t>URL</a:t>
+            </a:r>
+            <a:r>
+              <a:rPr lang="zh-CN" altLang="zh-CN" dirty="0"/>
+              <a:t>：</a:t>
+            </a:r>
+            <a:r>
+              <a:rPr lang="zh-TW" altLang="zh-CN" dirty="0"/>
+              <a:t>http://www.aigei.com/unity3d/model/animal/</a:t>
+            </a:r>
+            <a:endParaRPr lang="zh-CN" altLang="zh-CN" dirty="0"/>
+          </a:p>
+        </p:txBody>
+      </p:sp>
+    </p:spTree>
+    <p:extLst>
+      <p:ext uri="{BB962C8B-B14F-4D97-AF65-F5344CB8AC3E}">
+        <p14:creationId xmlns:p14="http://schemas.microsoft.com/office/powerpoint/2010/main" val="3654395851"/>
+      </p:ext>
+    </p:extLst>
+  </p:cSld>
+  <p:clrMapOvr>
+    <a:masterClrMapping/>
+  </p:clrMapOvr>
+  <p:transition spd="med"/>
+  <p:timing>
+    <p:tnLst>
+      <p:par>
+        <p:cTn id="1" dur="indefinite" restart="never" nodeType="tmRoot">
+          <p:childTnLst>
+            <p:seq concurrent="1" nextAc="seek">
+              <p:cTn id="2" dur="indefinite" nodeType="mainSeq">
+                <p:childTnLst>
+                  <p:par>
+                    <p:cTn id="3" fill="hold">
+                      <p:stCondLst>
+                        <p:cond delay="indefinite"/>
+                      </p:stCondLst>
+                      <p:childTnLst>
+                        <p:par>
+                          <p:cTn id="4" fill="hold">
+                            <p:stCondLst>
+                              <p:cond delay="0"/>
+                            </p:stCondLst>
+                            <p:childTnLst>
+                              <p:par>
+                                <p:cTn id="5" presetID="10" presetClass="entr" presetSubtype="0" fill="hold" grpId="0" nodeType="clickEffect">
+                                  <p:stCondLst>
+                                    <p:cond delay="0"/>
+                                  </p:stCondLst>
+                                  <p:childTnLst>
+                                    <p:set>
+                                      <p:cBhvr>
+                                        <p:cTn id="6" dur="1" fill="hold">
+                                          <p:stCondLst>
+                                            <p:cond delay="0"/>
+                                          </p:stCondLst>
+                                        </p:cTn>
+                                        <p:tgtEl>
+                                          <p:spTgt spid="4"/>
+                                        </p:tgtEl>
+                                        <p:attrNameLst>
+                                          <p:attrName>style.visibility</p:attrName>
+                                        </p:attrNameLst>
+                                      </p:cBhvr>
+                                      <p:to>
+                                        <p:strVal val="visible"/>
+                                      </p:to>
+                                    </p:set>
+                                    <p:animEffect transition="in" filter="fade">
+                                      <p:cBhvr>
+                                        <p:cTn id="7" dur="500"/>
+                                        <p:tgtEl>
+                                          <p:spTgt spid="4"/>
+                                        </p:tgtEl>
+                                      </p:cBhvr>
+                                    </p:animEffect>
+                                  </p:childTnLst>
+                                </p:cTn>
+                              </p:par>
+                            </p:childTnLst>
+                          </p:cTn>
+                        </p:par>
+                      </p:childTnLst>
+                    </p:cTn>
+                  </p:par>
+                </p:childTnLst>
+              </p:cTn>
+              <p:prevCondLst>
+                <p:cond evt="onPrev" delay="0">
+                  <p:tgtEl>
+                    <p:sldTgt/>
+                  </p:tgtEl>
+                </p:cond>
+              </p:prevCondLst>
+              <p:nextCondLst>
+                <p:cond evt="onNext" delay="0">
+                  <p:tgtEl>
+                    <p:sldTgt/>
+                  </p:tgtEl>
+                </p:cond>
+              </p:nextCondLst>
+            </p:seq>
+          </p:childTnLst>
+        </p:cTn>
+      </p:par>
+    </p:tnLst>
+    <p:bldLst>
+      <p:bldP spid="4" grpId="0"/>
+    </p:bldLst>
+  </p:timing>
 </p:sld>
 </file>
 
@@ -5511,9 +10029,10 @@
               <a:defRPr b="1"/>
             </a:pPr>
             <a:r>
-              <a:rPr b="0"/>
+              <a:rPr b="0" dirty="0" err="1"/>
               <a:t>目录</a:t>
             </a:r>
+            <a:endParaRPr b="0" dirty="0"/>
           </a:p>
         </p:txBody>
       </p:sp>
@@ -5529,7 +10048,7 @@
         </p:nvSpPr>
         <p:spPr>
           <a:xfrm>
-            <a:off x="3131840" y="1916832"/>
+            <a:off x="3131840" y="1700808"/>
             <a:ext cx="8229600" cy="4686322"/>
           </a:xfrm>
           <a:prstGeom prst="rect">
@@ -5542,32 +10061,86 @@
           <a:p>
             <a:r>
               <a:rPr dirty="0"/>
-              <a:t>1.项目概述</a:t>
-            </a:r>
-          </a:p>
-          <a:p>
+              <a:t>1.</a:t>
+            </a:r>
+            <a:r>
+              <a:rPr dirty="0" smtClean="0"/>
+              <a:t>项目概述</a:t>
+            </a:r>
+            <a:endParaRPr lang="en-US" dirty="0" smtClean="0"/>
+          </a:p>
+          <a:p>
+            <a:r>
+              <a:rPr lang="en-US" dirty="0" smtClean="0"/>
+              <a:t>2</a:t>
+            </a:r>
+            <a:r>
+              <a:rPr dirty="0" smtClean="0"/>
+              <a:t>.项目团队组织</a:t>
+            </a:r>
+            <a:endParaRPr dirty="0"/>
+          </a:p>
+          <a:p>
+            <a:r>
+              <a:rPr lang="en-US" dirty="0" smtClean="0"/>
+              <a:t>3</a:t>
+            </a:r>
+            <a:r>
+              <a:rPr dirty="0" smtClean="0"/>
+              <a:t>.</a:t>
+            </a:r>
             <a:r>
               <a:rPr dirty="0"/>
-              <a:t>2.项目团队组织</a:t>
-            </a:r>
-          </a:p>
-          <a:p>
-            <a:r>
-              <a:rPr dirty="0"/>
-              <a:t>3.工作流程</a:t>
-            </a:r>
-          </a:p>
-          <a:p>
-            <a:r>
-              <a:rPr dirty="0"/>
-              <a:t>4.支持条件</a:t>
-            </a:r>
-          </a:p>
-          <a:p>
-            <a:r>
-              <a:rPr dirty="0"/>
-              <a:t>5.成本预算</a:t>
-            </a:r>
+              <a:t>工作流程</a:t>
+            </a:r>
+          </a:p>
+          <a:p>
+            <a:r>
+              <a:rPr lang="en-US" dirty="0" smtClean="0"/>
+              <a:t>4</a:t>
+            </a:r>
+            <a:r>
+              <a:rPr dirty="0" smtClean="0"/>
+              <a:t>.</a:t>
+            </a:r>
+            <a:r>
+              <a:rPr lang="zh-CN" altLang="en-US" dirty="0" smtClean="0"/>
+              <a:t>可行性分析</a:t>
+            </a:r>
+            <a:endParaRPr lang="en-US" altLang="zh-CN" dirty="0" smtClean="0"/>
+          </a:p>
+          <a:p>
+            <a:r>
+              <a:rPr lang="en-US" dirty="0" smtClean="0"/>
+              <a:t>5</a:t>
+            </a:r>
+            <a:r>
+              <a:rPr dirty="0" smtClean="0"/>
+              <a:t>.成本预算</a:t>
+            </a:r>
+            <a:endParaRPr lang="en-US" dirty="0" smtClean="0"/>
+          </a:p>
+          <a:p>
+            <a:r>
+              <a:rPr lang="en-US" dirty="0" smtClean="0"/>
+              <a:t>6.</a:t>
+            </a:r>
+            <a:r>
+              <a:rPr lang="zh-CN" altLang="en-US" dirty="0" smtClean="0"/>
+              <a:t>参考资料</a:t>
+            </a:r>
+            <a:endParaRPr lang="en-US" altLang="zh-CN" dirty="0" smtClean="0"/>
+          </a:p>
+          <a:p>
+            <a:r>
+              <a:rPr lang="en-US" dirty="0" smtClean="0"/>
+              <a:t>7.</a:t>
+            </a:r>
+            <a:r>
+              <a:rPr lang="zh-CN" altLang="en-US" dirty="0" smtClean="0"/>
+              <a:t>会议记录</a:t>
+            </a:r>
+            <a:endParaRPr dirty="0"/>
           </a:p>
         </p:txBody>
       </p:sp>
@@ -5577,6 +10150,1277 @@
     <a:masterClrMapping/>
   </p:clrMapOvr>
   <p:transition spd="med"/>
+  <p:timing>
+    <p:tnLst>
+      <p:par>
+        <p:cTn id="1" dur="indefinite" restart="never" nodeType="tmRoot">
+          <p:childTnLst>
+            <p:seq concurrent="1" nextAc="seek">
+              <p:cTn id="2" dur="indefinite" nodeType="mainSeq">
+                <p:childTnLst>
+                  <p:par>
+                    <p:cTn id="3" fill="hold">
+                      <p:stCondLst>
+                        <p:cond delay="indefinite"/>
+                      </p:stCondLst>
+                      <p:childTnLst>
+                        <p:par>
+                          <p:cTn id="4" fill="hold">
+                            <p:stCondLst>
+                              <p:cond delay="0"/>
+                            </p:stCondLst>
+                            <p:childTnLst>
+                              <p:par>
+                                <p:cTn id="5" presetID="10" presetClass="entr" presetSubtype="0" fill="hold" grpId="0" nodeType="clickEffect">
+                                  <p:stCondLst>
+                                    <p:cond delay="0"/>
+                                  </p:stCondLst>
+                                  <p:childTnLst>
+                                    <p:set>
+                                      <p:cBhvr>
+                                        <p:cTn id="6" dur="1" fill="hold">
+                                          <p:stCondLst>
+                                            <p:cond delay="0"/>
+                                          </p:stCondLst>
+                                        </p:cTn>
+                                        <p:tgtEl>
+                                          <p:spTgt spid="133"/>
+                                        </p:tgtEl>
+                                        <p:attrNameLst>
+                                          <p:attrName>style.visibility</p:attrName>
+                                        </p:attrNameLst>
+                                      </p:cBhvr>
+                                      <p:to>
+                                        <p:strVal val="visible"/>
+                                      </p:to>
+                                    </p:set>
+                                    <p:animEffect transition="in" filter="fade">
+                                      <p:cBhvr>
+                                        <p:cTn id="7" dur="500"/>
+                                        <p:tgtEl>
+                                          <p:spTgt spid="133"/>
+                                        </p:tgtEl>
+                                      </p:cBhvr>
+                                    </p:animEffect>
+                                  </p:childTnLst>
+                                </p:cTn>
+                              </p:par>
+                            </p:childTnLst>
+                          </p:cTn>
+                        </p:par>
+                      </p:childTnLst>
+                    </p:cTn>
+                  </p:par>
+                  <p:par>
+                    <p:cTn id="8" fill="hold">
+                      <p:stCondLst>
+                        <p:cond delay="indefinite"/>
+                      </p:stCondLst>
+                      <p:childTnLst>
+                        <p:par>
+                          <p:cTn id="9" fill="hold">
+                            <p:stCondLst>
+                              <p:cond delay="0"/>
+                            </p:stCondLst>
+                            <p:childTnLst>
+                              <p:par>
+                                <p:cTn id="10" presetID="2" presetClass="entr" presetSubtype="4" fill="hold" grpId="0" nodeType="clickEffect">
+                                  <p:stCondLst>
+                                    <p:cond delay="0"/>
+                                  </p:stCondLst>
+                                  <p:childTnLst>
+                                    <p:set>
+                                      <p:cBhvr>
+                                        <p:cTn id="11" dur="1" fill="hold">
+                                          <p:stCondLst>
+                                            <p:cond delay="0"/>
+                                          </p:stCondLst>
+                                        </p:cTn>
+                                        <p:tgtEl>
+                                          <p:spTgt spid="134">
+                                            <p:bg/>
+                                          </p:spTgt>
+                                        </p:tgtEl>
+                                        <p:attrNameLst>
+                                          <p:attrName>style.visibility</p:attrName>
+                                        </p:attrNameLst>
+                                      </p:cBhvr>
+                                      <p:to>
+                                        <p:strVal val="visible"/>
+                                      </p:to>
+                                    </p:set>
+                                    <p:anim calcmode="lin" valueType="num">
+                                      <p:cBhvr additive="base">
+                                        <p:cTn id="12" dur="500" fill="hold"/>
+                                        <p:tgtEl>
+                                          <p:spTgt spid="134">
+                                            <p:bg/>
+                                          </p:spTgt>
+                                        </p:tgtEl>
+                                        <p:attrNameLst>
+                                          <p:attrName>ppt_x</p:attrName>
+                                        </p:attrNameLst>
+                                      </p:cBhvr>
+                                      <p:tavLst>
+                                        <p:tav tm="0">
+                                          <p:val>
+                                            <p:strVal val="#ppt_x"/>
+                                          </p:val>
+                                        </p:tav>
+                                        <p:tav tm="100000">
+                                          <p:val>
+                                            <p:strVal val="#ppt_x"/>
+                                          </p:val>
+                                        </p:tav>
+                                      </p:tavLst>
+                                    </p:anim>
+                                    <p:anim calcmode="lin" valueType="num">
+                                      <p:cBhvr additive="base">
+                                        <p:cTn id="13" dur="500" fill="hold"/>
+                                        <p:tgtEl>
+                                          <p:spTgt spid="134">
+                                            <p:bg/>
+                                          </p:spTgt>
+                                        </p:tgtEl>
+                                        <p:attrNameLst>
+                                          <p:attrName>ppt_y</p:attrName>
+                                        </p:attrNameLst>
+                                      </p:cBhvr>
+                                      <p:tavLst>
+                                        <p:tav tm="0">
+                                          <p:val>
+                                            <p:strVal val="1+#ppt_h/2"/>
+                                          </p:val>
+                                        </p:tav>
+                                        <p:tav tm="100000">
+                                          <p:val>
+                                            <p:strVal val="#ppt_y"/>
+                                          </p:val>
+                                        </p:tav>
+                                      </p:tavLst>
+                                    </p:anim>
+                                  </p:childTnLst>
+                                </p:cTn>
+                              </p:par>
+                            </p:childTnLst>
+                          </p:cTn>
+                        </p:par>
+                      </p:childTnLst>
+                    </p:cTn>
+                  </p:par>
+                  <p:par>
+                    <p:cTn id="14" fill="hold">
+                      <p:stCondLst>
+                        <p:cond delay="indefinite"/>
+                      </p:stCondLst>
+                      <p:childTnLst>
+                        <p:par>
+                          <p:cTn id="15" fill="hold">
+                            <p:stCondLst>
+                              <p:cond delay="0"/>
+                            </p:stCondLst>
+                            <p:childTnLst>
+                              <p:par>
+                                <p:cTn id="16" presetID="2" presetClass="entr" presetSubtype="4" fill="hold" grpId="0" nodeType="clickEffect">
+                                  <p:stCondLst>
+                                    <p:cond delay="0"/>
+                                  </p:stCondLst>
+                                  <p:childTnLst>
+                                    <p:set>
+                                      <p:cBhvr>
+                                        <p:cTn id="17" dur="1" fill="hold">
+                                          <p:stCondLst>
+                                            <p:cond delay="0"/>
+                                          </p:stCondLst>
+                                        </p:cTn>
+                                        <p:tgtEl>
+                                          <p:spTgt spid="134">
+                                            <p:txEl>
+                                              <p:pRg st="0" end="0"/>
+                                            </p:txEl>
+                                          </p:spTgt>
+                                        </p:tgtEl>
+                                        <p:attrNameLst>
+                                          <p:attrName>style.visibility</p:attrName>
+                                        </p:attrNameLst>
+                                      </p:cBhvr>
+                                      <p:to>
+                                        <p:strVal val="visible"/>
+                                      </p:to>
+                                    </p:set>
+                                    <p:anim calcmode="lin" valueType="num">
+                                      <p:cBhvr additive="base">
+                                        <p:cTn id="18" dur="500" fill="hold"/>
+                                        <p:tgtEl>
+                                          <p:spTgt spid="134">
+                                            <p:txEl>
+                                              <p:pRg st="0" end="0"/>
+                                            </p:txEl>
+                                          </p:spTgt>
+                                        </p:tgtEl>
+                                        <p:attrNameLst>
+                                          <p:attrName>ppt_x</p:attrName>
+                                        </p:attrNameLst>
+                                      </p:cBhvr>
+                                      <p:tavLst>
+                                        <p:tav tm="0">
+                                          <p:val>
+                                            <p:strVal val="#ppt_x"/>
+                                          </p:val>
+                                        </p:tav>
+                                        <p:tav tm="100000">
+                                          <p:val>
+                                            <p:strVal val="#ppt_x"/>
+                                          </p:val>
+                                        </p:tav>
+                                      </p:tavLst>
+                                    </p:anim>
+                                    <p:anim calcmode="lin" valueType="num">
+                                      <p:cBhvr additive="base">
+                                        <p:cTn id="19" dur="500" fill="hold"/>
+                                        <p:tgtEl>
+                                          <p:spTgt spid="134">
+                                            <p:txEl>
+                                              <p:pRg st="0" end="0"/>
+                                            </p:txEl>
+                                          </p:spTgt>
+                                        </p:tgtEl>
+                                        <p:attrNameLst>
+                                          <p:attrName>ppt_y</p:attrName>
+                                        </p:attrNameLst>
+                                      </p:cBhvr>
+                                      <p:tavLst>
+                                        <p:tav tm="0">
+                                          <p:val>
+                                            <p:strVal val="1+#ppt_h/2"/>
+                                          </p:val>
+                                        </p:tav>
+                                        <p:tav tm="100000">
+                                          <p:val>
+                                            <p:strVal val="#ppt_y"/>
+                                          </p:val>
+                                        </p:tav>
+                                      </p:tavLst>
+                                    </p:anim>
+                                  </p:childTnLst>
+                                </p:cTn>
+                              </p:par>
+                            </p:childTnLst>
+                          </p:cTn>
+                        </p:par>
+                      </p:childTnLst>
+                    </p:cTn>
+                  </p:par>
+                  <p:par>
+                    <p:cTn id="20" fill="hold">
+                      <p:stCondLst>
+                        <p:cond delay="indefinite"/>
+                      </p:stCondLst>
+                      <p:childTnLst>
+                        <p:par>
+                          <p:cTn id="21" fill="hold">
+                            <p:stCondLst>
+                              <p:cond delay="0"/>
+                            </p:stCondLst>
+                            <p:childTnLst>
+                              <p:par>
+                                <p:cTn id="22" presetID="2" presetClass="entr" presetSubtype="4" fill="hold" grpId="0" nodeType="clickEffect">
+                                  <p:stCondLst>
+                                    <p:cond delay="0"/>
+                                  </p:stCondLst>
+                                  <p:childTnLst>
+                                    <p:set>
+                                      <p:cBhvr>
+                                        <p:cTn id="23" dur="1" fill="hold">
+                                          <p:stCondLst>
+                                            <p:cond delay="0"/>
+                                          </p:stCondLst>
+                                        </p:cTn>
+                                        <p:tgtEl>
+                                          <p:spTgt spid="134">
+                                            <p:txEl>
+                                              <p:pRg st="1" end="1"/>
+                                            </p:txEl>
+                                          </p:spTgt>
+                                        </p:tgtEl>
+                                        <p:attrNameLst>
+                                          <p:attrName>style.visibility</p:attrName>
+                                        </p:attrNameLst>
+                                      </p:cBhvr>
+                                      <p:to>
+                                        <p:strVal val="visible"/>
+                                      </p:to>
+                                    </p:set>
+                                    <p:anim calcmode="lin" valueType="num">
+                                      <p:cBhvr additive="base">
+                                        <p:cTn id="24" dur="500" fill="hold"/>
+                                        <p:tgtEl>
+                                          <p:spTgt spid="134">
+                                            <p:txEl>
+                                              <p:pRg st="1" end="1"/>
+                                            </p:txEl>
+                                          </p:spTgt>
+                                        </p:tgtEl>
+                                        <p:attrNameLst>
+                                          <p:attrName>ppt_x</p:attrName>
+                                        </p:attrNameLst>
+                                      </p:cBhvr>
+                                      <p:tavLst>
+                                        <p:tav tm="0">
+                                          <p:val>
+                                            <p:strVal val="#ppt_x"/>
+                                          </p:val>
+                                        </p:tav>
+                                        <p:tav tm="100000">
+                                          <p:val>
+                                            <p:strVal val="#ppt_x"/>
+                                          </p:val>
+                                        </p:tav>
+                                      </p:tavLst>
+                                    </p:anim>
+                                    <p:anim calcmode="lin" valueType="num">
+                                      <p:cBhvr additive="base">
+                                        <p:cTn id="25" dur="500" fill="hold"/>
+                                        <p:tgtEl>
+                                          <p:spTgt spid="134">
+                                            <p:txEl>
+                                              <p:pRg st="1" end="1"/>
+                                            </p:txEl>
+                                          </p:spTgt>
+                                        </p:tgtEl>
+                                        <p:attrNameLst>
+                                          <p:attrName>ppt_y</p:attrName>
+                                        </p:attrNameLst>
+                                      </p:cBhvr>
+                                      <p:tavLst>
+                                        <p:tav tm="0">
+                                          <p:val>
+                                            <p:strVal val="1+#ppt_h/2"/>
+                                          </p:val>
+                                        </p:tav>
+                                        <p:tav tm="100000">
+                                          <p:val>
+                                            <p:strVal val="#ppt_y"/>
+                                          </p:val>
+                                        </p:tav>
+                                      </p:tavLst>
+                                    </p:anim>
+                                  </p:childTnLst>
+                                </p:cTn>
+                              </p:par>
+                            </p:childTnLst>
+                          </p:cTn>
+                        </p:par>
+                      </p:childTnLst>
+                    </p:cTn>
+                  </p:par>
+                  <p:par>
+                    <p:cTn id="26" fill="hold">
+                      <p:stCondLst>
+                        <p:cond delay="indefinite"/>
+                      </p:stCondLst>
+                      <p:childTnLst>
+                        <p:par>
+                          <p:cTn id="27" fill="hold">
+                            <p:stCondLst>
+                              <p:cond delay="0"/>
+                            </p:stCondLst>
+                            <p:childTnLst>
+                              <p:par>
+                                <p:cTn id="28" presetID="2" presetClass="entr" presetSubtype="4" fill="hold" grpId="0" nodeType="clickEffect">
+                                  <p:stCondLst>
+                                    <p:cond delay="0"/>
+                                  </p:stCondLst>
+                                  <p:childTnLst>
+                                    <p:set>
+                                      <p:cBhvr>
+                                        <p:cTn id="29" dur="1" fill="hold">
+                                          <p:stCondLst>
+                                            <p:cond delay="0"/>
+                                          </p:stCondLst>
+                                        </p:cTn>
+                                        <p:tgtEl>
+                                          <p:spTgt spid="134">
+                                            <p:txEl>
+                                              <p:pRg st="2" end="2"/>
+                                            </p:txEl>
+                                          </p:spTgt>
+                                        </p:tgtEl>
+                                        <p:attrNameLst>
+                                          <p:attrName>style.visibility</p:attrName>
+                                        </p:attrNameLst>
+                                      </p:cBhvr>
+                                      <p:to>
+                                        <p:strVal val="visible"/>
+                                      </p:to>
+                                    </p:set>
+                                    <p:anim calcmode="lin" valueType="num">
+                                      <p:cBhvr additive="base">
+                                        <p:cTn id="30" dur="500" fill="hold"/>
+                                        <p:tgtEl>
+                                          <p:spTgt spid="134">
+                                            <p:txEl>
+                                              <p:pRg st="2" end="2"/>
+                                            </p:txEl>
+                                          </p:spTgt>
+                                        </p:tgtEl>
+                                        <p:attrNameLst>
+                                          <p:attrName>ppt_x</p:attrName>
+                                        </p:attrNameLst>
+                                      </p:cBhvr>
+                                      <p:tavLst>
+                                        <p:tav tm="0">
+                                          <p:val>
+                                            <p:strVal val="#ppt_x"/>
+                                          </p:val>
+                                        </p:tav>
+                                        <p:tav tm="100000">
+                                          <p:val>
+                                            <p:strVal val="#ppt_x"/>
+                                          </p:val>
+                                        </p:tav>
+                                      </p:tavLst>
+                                    </p:anim>
+                                    <p:anim calcmode="lin" valueType="num">
+                                      <p:cBhvr additive="base">
+                                        <p:cTn id="31" dur="500" fill="hold"/>
+                                        <p:tgtEl>
+                                          <p:spTgt spid="134">
+                                            <p:txEl>
+                                              <p:pRg st="2" end="2"/>
+                                            </p:txEl>
+                                          </p:spTgt>
+                                        </p:tgtEl>
+                                        <p:attrNameLst>
+                                          <p:attrName>ppt_y</p:attrName>
+                                        </p:attrNameLst>
+                                      </p:cBhvr>
+                                      <p:tavLst>
+                                        <p:tav tm="0">
+                                          <p:val>
+                                            <p:strVal val="1+#ppt_h/2"/>
+                                          </p:val>
+                                        </p:tav>
+                                        <p:tav tm="100000">
+                                          <p:val>
+                                            <p:strVal val="#ppt_y"/>
+                                          </p:val>
+                                        </p:tav>
+                                      </p:tavLst>
+                                    </p:anim>
+                                  </p:childTnLst>
+                                </p:cTn>
+                              </p:par>
+                            </p:childTnLst>
+                          </p:cTn>
+                        </p:par>
+                      </p:childTnLst>
+                    </p:cTn>
+                  </p:par>
+                  <p:par>
+                    <p:cTn id="32" fill="hold">
+                      <p:stCondLst>
+                        <p:cond delay="indefinite"/>
+                      </p:stCondLst>
+                      <p:childTnLst>
+                        <p:par>
+                          <p:cTn id="33" fill="hold">
+                            <p:stCondLst>
+                              <p:cond delay="0"/>
+                            </p:stCondLst>
+                            <p:childTnLst>
+                              <p:par>
+                                <p:cTn id="34" presetID="2" presetClass="entr" presetSubtype="4" fill="hold" grpId="0" nodeType="clickEffect">
+                                  <p:stCondLst>
+                                    <p:cond delay="0"/>
+                                  </p:stCondLst>
+                                  <p:childTnLst>
+                                    <p:set>
+                                      <p:cBhvr>
+                                        <p:cTn id="35" dur="1" fill="hold">
+                                          <p:stCondLst>
+                                            <p:cond delay="0"/>
+                                          </p:stCondLst>
+                                        </p:cTn>
+                                        <p:tgtEl>
+                                          <p:spTgt spid="134">
+                                            <p:txEl>
+                                              <p:pRg st="3" end="3"/>
+                                            </p:txEl>
+                                          </p:spTgt>
+                                        </p:tgtEl>
+                                        <p:attrNameLst>
+                                          <p:attrName>style.visibility</p:attrName>
+                                        </p:attrNameLst>
+                                      </p:cBhvr>
+                                      <p:to>
+                                        <p:strVal val="visible"/>
+                                      </p:to>
+                                    </p:set>
+                                    <p:anim calcmode="lin" valueType="num">
+                                      <p:cBhvr additive="base">
+                                        <p:cTn id="36" dur="500" fill="hold"/>
+                                        <p:tgtEl>
+                                          <p:spTgt spid="134">
+                                            <p:txEl>
+                                              <p:pRg st="3" end="3"/>
+                                            </p:txEl>
+                                          </p:spTgt>
+                                        </p:tgtEl>
+                                        <p:attrNameLst>
+                                          <p:attrName>ppt_x</p:attrName>
+                                        </p:attrNameLst>
+                                      </p:cBhvr>
+                                      <p:tavLst>
+                                        <p:tav tm="0">
+                                          <p:val>
+                                            <p:strVal val="#ppt_x"/>
+                                          </p:val>
+                                        </p:tav>
+                                        <p:tav tm="100000">
+                                          <p:val>
+                                            <p:strVal val="#ppt_x"/>
+                                          </p:val>
+                                        </p:tav>
+                                      </p:tavLst>
+                                    </p:anim>
+                                    <p:anim calcmode="lin" valueType="num">
+                                      <p:cBhvr additive="base">
+                                        <p:cTn id="37" dur="500" fill="hold"/>
+                                        <p:tgtEl>
+                                          <p:spTgt spid="134">
+                                            <p:txEl>
+                                              <p:pRg st="3" end="3"/>
+                                            </p:txEl>
+                                          </p:spTgt>
+                                        </p:tgtEl>
+                                        <p:attrNameLst>
+                                          <p:attrName>ppt_y</p:attrName>
+                                        </p:attrNameLst>
+                                      </p:cBhvr>
+                                      <p:tavLst>
+                                        <p:tav tm="0">
+                                          <p:val>
+                                            <p:strVal val="1+#ppt_h/2"/>
+                                          </p:val>
+                                        </p:tav>
+                                        <p:tav tm="100000">
+                                          <p:val>
+                                            <p:strVal val="#ppt_y"/>
+                                          </p:val>
+                                        </p:tav>
+                                      </p:tavLst>
+                                    </p:anim>
+                                  </p:childTnLst>
+                                </p:cTn>
+                              </p:par>
+                            </p:childTnLst>
+                          </p:cTn>
+                        </p:par>
+                      </p:childTnLst>
+                    </p:cTn>
+                  </p:par>
+                  <p:par>
+                    <p:cTn id="38" fill="hold">
+                      <p:stCondLst>
+                        <p:cond delay="indefinite"/>
+                      </p:stCondLst>
+                      <p:childTnLst>
+                        <p:par>
+                          <p:cTn id="39" fill="hold">
+                            <p:stCondLst>
+                              <p:cond delay="0"/>
+                            </p:stCondLst>
+                            <p:childTnLst>
+                              <p:par>
+                                <p:cTn id="40" presetID="2" presetClass="entr" presetSubtype="4" fill="hold" grpId="0" nodeType="clickEffect">
+                                  <p:stCondLst>
+                                    <p:cond delay="0"/>
+                                  </p:stCondLst>
+                                  <p:childTnLst>
+                                    <p:set>
+                                      <p:cBhvr>
+                                        <p:cTn id="41" dur="1" fill="hold">
+                                          <p:stCondLst>
+                                            <p:cond delay="0"/>
+                                          </p:stCondLst>
+                                        </p:cTn>
+                                        <p:tgtEl>
+                                          <p:spTgt spid="134">
+                                            <p:txEl>
+                                              <p:pRg st="4" end="4"/>
+                                            </p:txEl>
+                                          </p:spTgt>
+                                        </p:tgtEl>
+                                        <p:attrNameLst>
+                                          <p:attrName>style.visibility</p:attrName>
+                                        </p:attrNameLst>
+                                      </p:cBhvr>
+                                      <p:to>
+                                        <p:strVal val="visible"/>
+                                      </p:to>
+                                    </p:set>
+                                    <p:anim calcmode="lin" valueType="num">
+                                      <p:cBhvr additive="base">
+                                        <p:cTn id="42" dur="500" fill="hold"/>
+                                        <p:tgtEl>
+                                          <p:spTgt spid="134">
+                                            <p:txEl>
+                                              <p:pRg st="4" end="4"/>
+                                            </p:txEl>
+                                          </p:spTgt>
+                                        </p:tgtEl>
+                                        <p:attrNameLst>
+                                          <p:attrName>ppt_x</p:attrName>
+                                        </p:attrNameLst>
+                                      </p:cBhvr>
+                                      <p:tavLst>
+                                        <p:tav tm="0">
+                                          <p:val>
+                                            <p:strVal val="#ppt_x"/>
+                                          </p:val>
+                                        </p:tav>
+                                        <p:tav tm="100000">
+                                          <p:val>
+                                            <p:strVal val="#ppt_x"/>
+                                          </p:val>
+                                        </p:tav>
+                                      </p:tavLst>
+                                    </p:anim>
+                                    <p:anim calcmode="lin" valueType="num">
+                                      <p:cBhvr additive="base">
+                                        <p:cTn id="43" dur="500" fill="hold"/>
+                                        <p:tgtEl>
+                                          <p:spTgt spid="134">
+                                            <p:txEl>
+                                              <p:pRg st="4" end="4"/>
+                                            </p:txEl>
+                                          </p:spTgt>
+                                        </p:tgtEl>
+                                        <p:attrNameLst>
+                                          <p:attrName>ppt_y</p:attrName>
+                                        </p:attrNameLst>
+                                      </p:cBhvr>
+                                      <p:tavLst>
+                                        <p:tav tm="0">
+                                          <p:val>
+                                            <p:strVal val="1+#ppt_h/2"/>
+                                          </p:val>
+                                        </p:tav>
+                                        <p:tav tm="100000">
+                                          <p:val>
+                                            <p:strVal val="#ppt_y"/>
+                                          </p:val>
+                                        </p:tav>
+                                      </p:tavLst>
+                                    </p:anim>
+                                  </p:childTnLst>
+                                </p:cTn>
+                              </p:par>
+                            </p:childTnLst>
+                          </p:cTn>
+                        </p:par>
+                      </p:childTnLst>
+                    </p:cTn>
+                  </p:par>
+                  <p:par>
+                    <p:cTn id="44" fill="hold">
+                      <p:stCondLst>
+                        <p:cond delay="indefinite"/>
+                      </p:stCondLst>
+                      <p:childTnLst>
+                        <p:par>
+                          <p:cTn id="45" fill="hold">
+                            <p:stCondLst>
+                              <p:cond delay="0"/>
+                            </p:stCondLst>
+                            <p:childTnLst>
+                              <p:par>
+                                <p:cTn id="46" presetID="2" presetClass="entr" presetSubtype="4" fill="hold" grpId="0" nodeType="clickEffect">
+                                  <p:stCondLst>
+                                    <p:cond delay="0"/>
+                                  </p:stCondLst>
+                                  <p:childTnLst>
+                                    <p:set>
+                                      <p:cBhvr>
+                                        <p:cTn id="47" dur="1" fill="hold">
+                                          <p:stCondLst>
+                                            <p:cond delay="0"/>
+                                          </p:stCondLst>
+                                        </p:cTn>
+                                        <p:tgtEl>
+                                          <p:spTgt spid="134">
+                                            <p:txEl>
+                                              <p:pRg st="5" end="5"/>
+                                            </p:txEl>
+                                          </p:spTgt>
+                                        </p:tgtEl>
+                                        <p:attrNameLst>
+                                          <p:attrName>style.visibility</p:attrName>
+                                        </p:attrNameLst>
+                                      </p:cBhvr>
+                                      <p:to>
+                                        <p:strVal val="visible"/>
+                                      </p:to>
+                                    </p:set>
+                                    <p:anim calcmode="lin" valueType="num">
+                                      <p:cBhvr additive="base">
+                                        <p:cTn id="48" dur="500" fill="hold"/>
+                                        <p:tgtEl>
+                                          <p:spTgt spid="134">
+                                            <p:txEl>
+                                              <p:pRg st="5" end="5"/>
+                                            </p:txEl>
+                                          </p:spTgt>
+                                        </p:tgtEl>
+                                        <p:attrNameLst>
+                                          <p:attrName>ppt_x</p:attrName>
+                                        </p:attrNameLst>
+                                      </p:cBhvr>
+                                      <p:tavLst>
+                                        <p:tav tm="0">
+                                          <p:val>
+                                            <p:strVal val="#ppt_x"/>
+                                          </p:val>
+                                        </p:tav>
+                                        <p:tav tm="100000">
+                                          <p:val>
+                                            <p:strVal val="#ppt_x"/>
+                                          </p:val>
+                                        </p:tav>
+                                      </p:tavLst>
+                                    </p:anim>
+                                    <p:anim calcmode="lin" valueType="num">
+                                      <p:cBhvr additive="base">
+                                        <p:cTn id="49" dur="500" fill="hold"/>
+                                        <p:tgtEl>
+                                          <p:spTgt spid="134">
+                                            <p:txEl>
+                                              <p:pRg st="5" end="5"/>
+                                            </p:txEl>
+                                          </p:spTgt>
+                                        </p:tgtEl>
+                                        <p:attrNameLst>
+                                          <p:attrName>ppt_y</p:attrName>
+                                        </p:attrNameLst>
+                                      </p:cBhvr>
+                                      <p:tavLst>
+                                        <p:tav tm="0">
+                                          <p:val>
+                                            <p:strVal val="1+#ppt_h/2"/>
+                                          </p:val>
+                                        </p:tav>
+                                        <p:tav tm="100000">
+                                          <p:val>
+                                            <p:strVal val="#ppt_y"/>
+                                          </p:val>
+                                        </p:tav>
+                                      </p:tavLst>
+                                    </p:anim>
+                                  </p:childTnLst>
+                                </p:cTn>
+                              </p:par>
+                            </p:childTnLst>
+                          </p:cTn>
+                        </p:par>
+                      </p:childTnLst>
+                    </p:cTn>
+                  </p:par>
+                  <p:par>
+                    <p:cTn id="50" fill="hold">
+                      <p:stCondLst>
+                        <p:cond delay="indefinite"/>
+                      </p:stCondLst>
+                      <p:childTnLst>
+                        <p:par>
+                          <p:cTn id="51" fill="hold">
+                            <p:stCondLst>
+                              <p:cond delay="0"/>
+                            </p:stCondLst>
+                            <p:childTnLst>
+                              <p:par>
+                                <p:cTn id="52" presetID="2" presetClass="entr" presetSubtype="4" fill="hold" grpId="0" nodeType="clickEffect">
+                                  <p:stCondLst>
+                                    <p:cond delay="0"/>
+                                  </p:stCondLst>
+                                  <p:childTnLst>
+                                    <p:set>
+                                      <p:cBhvr>
+                                        <p:cTn id="53" dur="1" fill="hold">
+                                          <p:stCondLst>
+                                            <p:cond delay="0"/>
+                                          </p:stCondLst>
+                                        </p:cTn>
+                                        <p:tgtEl>
+                                          <p:spTgt spid="134">
+                                            <p:txEl>
+                                              <p:pRg st="6" end="6"/>
+                                            </p:txEl>
+                                          </p:spTgt>
+                                        </p:tgtEl>
+                                        <p:attrNameLst>
+                                          <p:attrName>style.visibility</p:attrName>
+                                        </p:attrNameLst>
+                                      </p:cBhvr>
+                                      <p:to>
+                                        <p:strVal val="visible"/>
+                                      </p:to>
+                                    </p:set>
+                                    <p:anim calcmode="lin" valueType="num">
+                                      <p:cBhvr additive="base">
+                                        <p:cTn id="54" dur="500" fill="hold"/>
+                                        <p:tgtEl>
+                                          <p:spTgt spid="134">
+                                            <p:txEl>
+                                              <p:pRg st="6" end="6"/>
+                                            </p:txEl>
+                                          </p:spTgt>
+                                        </p:tgtEl>
+                                        <p:attrNameLst>
+                                          <p:attrName>ppt_x</p:attrName>
+                                        </p:attrNameLst>
+                                      </p:cBhvr>
+                                      <p:tavLst>
+                                        <p:tav tm="0">
+                                          <p:val>
+                                            <p:strVal val="#ppt_x"/>
+                                          </p:val>
+                                        </p:tav>
+                                        <p:tav tm="100000">
+                                          <p:val>
+                                            <p:strVal val="#ppt_x"/>
+                                          </p:val>
+                                        </p:tav>
+                                      </p:tavLst>
+                                    </p:anim>
+                                    <p:anim calcmode="lin" valueType="num">
+                                      <p:cBhvr additive="base">
+                                        <p:cTn id="55" dur="500" fill="hold"/>
+                                        <p:tgtEl>
+                                          <p:spTgt spid="134">
+                                            <p:txEl>
+                                              <p:pRg st="6" end="6"/>
+                                            </p:txEl>
+                                          </p:spTgt>
+                                        </p:tgtEl>
+                                        <p:attrNameLst>
+                                          <p:attrName>ppt_y</p:attrName>
+                                        </p:attrNameLst>
+                                      </p:cBhvr>
+                                      <p:tavLst>
+                                        <p:tav tm="0">
+                                          <p:val>
+                                            <p:strVal val="1+#ppt_h/2"/>
+                                          </p:val>
+                                        </p:tav>
+                                        <p:tav tm="100000">
+                                          <p:val>
+                                            <p:strVal val="#ppt_y"/>
+                                          </p:val>
+                                        </p:tav>
+                                      </p:tavLst>
+                                    </p:anim>
+                                  </p:childTnLst>
+                                </p:cTn>
+                              </p:par>
+                            </p:childTnLst>
+                          </p:cTn>
+                        </p:par>
+                      </p:childTnLst>
+                    </p:cTn>
+                  </p:par>
+                </p:childTnLst>
+              </p:cTn>
+              <p:prevCondLst>
+                <p:cond evt="onPrev" delay="0">
+                  <p:tgtEl>
+                    <p:sldTgt/>
+                  </p:tgtEl>
+                </p:cond>
+              </p:prevCondLst>
+              <p:nextCondLst>
+                <p:cond evt="onNext" delay="0">
+                  <p:tgtEl>
+                    <p:sldTgt/>
+                  </p:tgtEl>
+                </p:cond>
+              </p:nextCondLst>
+            </p:seq>
+          </p:childTnLst>
+        </p:cTn>
+      </p:par>
+    </p:tnLst>
+    <p:bldLst>
+      <p:bldP spid="133" grpId="0" animBg="1"/>
+      <p:bldP spid="134" grpId="0" build="p" animBg="1"/>
+    </p:bldLst>
+  </p:timing>
+</p:sld>
+</file>
+
+<file path=ppt/slides/slide20.xml><?xml version="1.0" encoding="utf-8"?>
+<p:sld xmlns:a="http://schemas.openxmlformats.org/drawingml/2006/main" xmlns:r="http://schemas.openxmlformats.org/officeDocument/2006/relationships" xmlns:p="http://schemas.openxmlformats.org/presentationml/2006/main">
+  <p:cSld>
+    <p:spTree>
+      <p:nvGrpSpPr>
+        <p:cNvPr id="1" name=""/>
+        <p:cNvGrpSpPr/>
+        <p:nvPr/>
+      </p:nvGrpSpPr>
+      <p:grpSpPr>
+        <a:xfrm>
+          <a:off x="0" y="0"/>
+          <a:ext cx="0" cy="0"/>
+          <a:chOff x="0" y="0"/>
+          <a:chExt cx="0" cy="0"/>
+        </a:xfrm>
+      </p:grpSpPr>
+      <p:sp>
+        <p:nvSpPr>
+          <p:cNvPr id="4" name="成本预算"/>
+          <p:cNvSpPr txBox="1">
+            <a:spLocks noGrp="1"/>
+          </p:cNvSpPr>
+          <p:nvPr>
+            <p:ph type="title"/>
+          </p:nvPr>
+        </p:nvSpPr>
+        <p:spPr>
+          <a:xfrm>
+            <a:off x="457200" y="2857500"/>
+            <a:ext cx="8229600" cy="1143000"/>
+          </a:xfrm>
+          <a:prstGeom prst="rect">
+            <a:avLst/>
+          </a:prstGeom>
+        </p:spPr>
+        <p:txBody>
+          <a:bodyPr/>
+          <a:lstStyle>
+            <a:lvl1pPr defTabSz="905255">
+              <a:defRPr sz="5940"/>
+            </a:lvl1pPr>
+          </a:lstStyle>
+          <a:p>
+            <a:r>
+              <a:rPr lang="zh-CN" altLang="en-US" dirty="0" smtClean="0"/>
+              <a:t>会议记录</a:t>
+            </a:r>
+            <a:endParaRPr dirty="0"/>
+          </a:p>
+        </p:txBody>
+      </p:sp>
+    </p:spTree>
+    <p:extLst>
+      <p:ext uri="{BB962C8B-B14F-4D97-AF65-F5344CB8AC3E}">
+        <p14:creationId xmlns:p14="http://schemas.microsoft.com/office/powerpoint/2010/main" val="488791870"/>
+      </p:ext>
+    </p:extLst>
+  </p:cSld>
+  <p:clrMapOvr>
+    <a:masterClrMapping/>
+  </p:clrMapOvr>
+  <p:transition spd="med"/>
+  <p:timing>
+    <p:tnLst>
+      <p:par>
+        <p:cTn id="1" dur="indefinite" restart="never" nodeType="tmRoot">
+          <p:childTnLst>
+            <p:seq concurrent="1" nextAc="seek">
+              <p:cTn id="2" dur="indefinite" nodeType="mainSeq">
+                <p:childTnLst>
+                  <p:par>
+                    <p:cTn id="3" fill="hold">
+                      <p:stCondLst>
+                        <p:cond delay="indefinite"/>
+                      </p:stCondLst>
+                      <p:childTnLst>
+                        <p:par>
+                          <p:cTn id="4" fill="hold">
+                            <p:stCondLst>
+                              <p:cond delay="0"/>
+                            </p:stCondLst>
+                            <p:childTnLst>
+                              <p:par>
+                                <p:cTn id="5" presetID="16" presetClass="entr" presetSubtype="21" fill="hold" grpId="0" nodeType="clickEffect">
+                                  <p:stCondLst>
+                                    <p:cond delay="0"/>
+                                  </p:stCondLst>
+                                  <p:childTnLst>
+                                    <p:set>
+                                      <p:cBhvr>
+                                        <p:cTn id="6" dur="1" fill="hold">
+                                          <p:stCondLst>
+                                            <p:cond delay="0"/>
+                                          </p:stCondLst>
+                                        </p:cTn>
+                                        <p:tgtEl>
+                                          <p:spTgt spid="4"/>
+                                        </p:tgtEl>
+                                        <p:attrNameLst>
+                                          <p:attrName>style.visibility</p:attrName>
+                                        </p:attrNameLst>
+                                      </p:cBhvr>
+                                      <p:to>
+                                        <p:strVal val="visible"/>
+                                      </p:to>
+                                    </p:set>
+                                    <p:animEffect transition="in" filter="barn(inVertical)">
+                                      <p:cBhvr>
+                                        <p:cTn id="7" dur="500"/>
+                                        <p:tgtEl>
+                                          <p:spTgt spid="4"/>
+                                        </p:tgtEl>
+                                      </p:cBhvr>
+                                    </p:animEffect>
+                                  </p:childTnLst>
+                                </p:cTn>
+                              </p:par>
+                            </p:childTnLst>
+                          </p:cTn>
+                        </p:par>
+                      </p:childTnLst>
+                    </p:cTn>
+                  </p:par>
+                </p:childTnLst>
+              </p:cTn>
+              <p:prevCondLst>
+                <p:cond evt="onPrev" delay="0">
+                  <p:tgtEl>
+                    <p:sldTgt/>
+                  </p:tgtEl>
+                </p:cond>
+              </p:prevCondLst>
+              <p:nextCondLst>
+                <p:cond evt="onNext" delay="0">
+                  <p:tgtEl>
+                    <p:sldTgt/>
+                  </p:tgtEl>
+                </p:cond>
+              </p:nextCondLst>
+            </p:seq>
+          </p:childTnLst>
+        </p:cTn>
+      </p:par>
+    </p:tnLst>
+    <p:bldLst>
+      <p:bldP spid="4" grpId="0" animBg="1"/>
+    </p:bldLst>
+  </p:timing>
+</p:sld>
+</file>
+
+<file path=ppt/slides/slide21.xml><?xml version="1.0" encoding="utf-8"?>
+<p:sld xmlns:a="http://schemas.openxmlformats.org/drawingml/2006/main" xmlns:r="http://schemas.openxmlformats.org/officeDocument/2006/relationships" xmlns:p="http://schemas.openxmlformats.org/presentationml/2006/main">
+  <p:cSld>
+    <p:spTree>
+      <p:nvGrpSpPr>
+        <p:cNvPr id="1" name=""/>
+        <p:cNvGrpSpPr/>
+        <p:nvPr/>
+      </p:nvGrpSpPr>
+      <p:grpSpPr>
+        <a:xfrm>
+          <a:off x="0" y="0"/>
+          <a:ext cx="0" cy="0"/>
+          <a:chOff x="0" y="0"/>
+          <a:chExt cx="0" cy="0"/>
+        </a:xfrm>
+      </p:grpSpPr>
+      <p:pic>
+        <p:nvPicPr>
+          <p:cNvPr id="4" name="图片 3"/>
+          <p:cNvPicPr>
+            <a:picLocks noChangeAspect="1"/>
+          </p:cNvPicPr>
+          <p:nvPr/>
+        </p:nvPicPr>
+        <p:blipFill>
+          <a:blip r:embed="rId2">
+            <a:extLst>
+              <a:ext uri="{28A0092B-C50C-407E-A947-70E740481C1C}">
+                <a14:useLocalDpi xmlns:a14="http://schemas.microsoft.com/office/drawing/2010/main" val="0"/>
+              </a:ext>
+            </a:extLst>
+          </a:blip>
+          <a:stretch>
+            <a:fillRect/>
+          </a:stretch>
+        </p:blipFill>
+        <p:spPr>
+          <a:xfrm>
+            <a:off x="1937969" y="266258"/>
+            <a:ext cx="5268061" cy="6325483"/>
+          </a:xfrm>
+          <a:prstGeom prst="rect">
+            <a:avLst/>
+          </a:prstGeom>
+        </p:spPr>
+      </p:pic>
+    </p:spTree>
+    <p:extLst>
+      <p:ext uri="{BB962C8B-B14F-4D97-AF65-F5344CB8AC3E}">
+        <p14:creationId xmlns:p14="http://schemas.microsoft.com/office/powerpoint/2010/main" val="3694517646"/>
+      </p:ext>
+    </p:extLst>
+  </p:cSld>
+  <p:clrMapOvr>
+    <a:masterClrMapping/>
+  </p:clrMapOvr>
+  <p:transition spd="med"/>
+  <p:timing>
+    <p:tnLst>
+      <p:par>
+        <p:cTn id="1" dur="indefinite" restart="never" nodeType="tmRoot">
+          <p:childTnLst>
+            <p:seq concurrent="1" nextAc="seek">
+              <p:cTn id="2" dur="indefinite" nodeType="mainSeq">
+                <p:childTnLst>
+                  <p:par>
+                    <p:cTn id="3" fill="hold">
+                      <p:stCondLst>
+                        <p:cond delay="indefinite"/>
+                      </p:stCondLst>
+                      <p:childTnLst>
+                        <p:par>
+                          <p:cTn id="4" fill="hold">
+                            <p:stCondLst>
+                              <p:cond delay="0"/>
+                            </p:stCondLst>
+                            <p:childTnLst>
+                              <p:par>
+                                <p:cTn id="5" presetID="10" presetClass="entr" presetSubtype="0" fill="hold" nodeType="clickEffect">
+                                  <p:stCondLst>
+                                    <p:cond delay="0"/>
+                                  </p:stCondLst>
+                                  <p:childTnLst>
+                                    <p:set>
+                                      <p:cBhvr>
+                                        <p:cTn id="6" dur="1" fill="hold">
+                                          <p:stCondLst>
+                                            <p:cond delay="0"/>
+                                          </p:stCondLst>
+                                        </p:cTn>
+                                        <p:tgtEl>
+                                          <p:spTgt spid="4"/>
+                                        </p:tgtEl>
+                                        <p:attrNameLst>
+                                          <p:attrName>style.visibility</p:attrName>
+                                        </p:attrNameLst>
+                                      </p:cBhvr>
+                                      <p:to>
+                                        <p:strVal val="visible"/>
+                                      </p:to>
+                                    </p:set>
+                                    <p:animEffect transition="in" filter="fade">
+                                      <p:cBhvr>
+                                        <p:cTn id="7" dur="500"/>
+                                        <p:tgtEl>
+                                          <p:spTgt spid="4"/>
+                                        </p:tgtEl>
+                                      </p:cBhvr>
+                                    </p:animEffect>
+                                  </p:childTnLst>
+                                </p:cTn>
+                              </p:par>
+                            </p:childTnLst>
+                          </p:cTn>
+                        </p:par>
+                      </p:childTnLst>
+                    </p:cTn>
+                  </p:par>
+                </p:childTnLst>
+              </p:cTn>
+              <p:prevCondLst>
+                <p:cond evt="onPrev" delay="0">
+                  <p:tgtEl>
+                    <p:sldTgt/>
+                  </p:tgtEl>
+                </p:cond>
+              </p:prevCondLst>
+              <p:nextCondLst>
+                <p:cond evt="onNext" delay="0">
+                  <p:tgtEl>
+                    <p:sldTgt/>
+                  </p:tgtEl>
+                </p:cond>
+              </p:nextCondLst>
+            </p:seq>
+          </p:childTnLst>
+        </p:cTn>
+      </p:par>
+    </p:tnLst>
+  </p:timing>
+</p:sld>
+</file>
+
+<file path=ppt/slides/slide22.xml><?xml version="1.0" encoding="utf-8"?>
+<p:sld xmlns:a="http://schemas.openxmlformats.org/drawingml/2006/main" xmlns:r="http://schemas.openxmlformats.org/officeDocument/2006/relationships" xmlns:p="http://schemas.openxmlformats.org/presentationml/2006/main">
+  <p:cSld>
+    <p:spTree>
+      <p:nvGrpSpPr>
+        <p:cNvPr id="1" name=""/>
+        <p:cNvGrpSpPr/>
+        <p:nvPr/>
+      </p:nvGrpSpPr>
+      <p:grpSpPr>
+        <a:xfrm>
+          <a:off x="0" y="0"/>
+          <a:ext cx="0" cy="0"/>
+          <a:chOff x="0" y="0"/>
+          <a:chExt cx="0" cy="0"/>
+        </a:xfrm>
+      </p:grpSpPr>
+      <p:sp>
+        <p:nvSpPr>
+          <p:cNvPr id="173" name="标题 1"/>
+          <p:cNvSpPr txBox="1">
+            <a:spLocks noGrp="1"/>
+          </p:cNvSpPr>
+          <p:nvPr>
+            <p:ph type="title"/>
+          </p:nvPr>
+        </p:nvSpPr>
+        <p:spPr>
+          <a:xfrm>
+            <a:off x="683567" y="2708919"/>
+            <a:ext cx="8064898" cy="2088233"/>
+          </a:xfrm>
+          <a:prstGeom prst="rect">
+            <a:avLst/>
+          </a:prstGeom>
+        </p:spPr>
+        <p:txBody>
+          <a:bodyPr/>
+          <a:lstStyle/>
+          <a:p>
+            <a:pPr>
+              <a:defRPr sz="6600"/>
+            </a:pPr>
+            <a:r>
+              <a:t>感谢观看</a:t>
+            </a:r>
+            <a:br/>
+            <a:r>
+              <a:rPr sz="5400"/>
+              <a:t>q&amp;a</a:t>
+            </a:r>
+          </a:p>
+        </p:txBody>
+      </p:sp>
+    </p:spTree>
+  </p:cSld>
+  <p:clrMapOvr>
+    <a:masterClrMapping/>
+  </p:clrMapOvr>
+  <p:transition spd="med"/>
+  <p:timing>
+    <p:tnLst>
+      <p:par>
+        <p:cTn id="1" dur="indefinite" restart="never" nodeType="tmRoot"/>
+      </p:par>
+    </p:tnLst>
+  </p:timing>
 </p:sld>
 </file>
 
@@ -5616,7 +11460,7 @@
           </a:ln>
           <a:extLst>
             <a:ext uri="{C572A759-6A51-4108-AA02-DFA0A04FC94B}">
-              <ma14:wrappingTextBoxFlag xmlns="" xmlns:m="http://schemas.openxmlformats.org/officeDocument/2006/math" xmlns:a14="http://schemas.microsoft.com/office/drawing/2010/main" xmlns:ma14="http://schemas.microsoft.com/office/mac/drawingml/2011/main" val="1"/>
+              <ma14:wrappingTextBoxFlag xmlns:ma14="http://schemas.microsoft.com/office/mac/drawingml/2011/main" xmlns:a14="http://schemas.microsoft.com/office/drawing/2010/main" xmlns:m="http://schemas.openxmlformats.org/officeDocument/2006/math" xmlns="" val="1"/>
             </a:ext>
           </a:extLst>
         </p:spPr>
@@ -5639,8 +11483,10 @@
           </a:lstStyle>
           <a:p>
             <a:r>
+              <a:rPr dirty="0" err="1"/>
               <a:t>项目概述</a:t>
             </a:r>
+            <a:endParaRPr dirty="0"/>
           </a:p>
         </p:txBody>
       </p:sp>
@@ -5650,6 +11496,92 @@
     <a:masterClrMapping/>
   </p:clrMapOvr>
   <p:transition spd="med"/>
+  <p:timing>
+    <p:tnLst>
+      <p:par>
+        <p:cTn id="1" dur="indefinite" restart="never" nodeType="tmRoot">
+          <p:childTnLst>
+            <p:seq concurrent="1" nextAc="seek">
+              <p:cTn id="2" dur="indefinite" nodeType="mainSeq">
+                <p:childTnLst>
+                  <p:par>
+                    <p:cTn id="3" fill="hold">
+                      <p:stCondLst>
+                        <p:cond delay="indefinite"/>
+                      </p:stCondLst>
+                      <p:childTnLst>
+                        <p:par>
+                          <p:cTn id="4" fill="hold">
+                            <p:stCondLst>
+                              <p:cond delay="0"/>
+                            </p:stCondLst>
+                            <p:childTnLst>
+                              <p:par>
+                                <p:cTn id="5" presetID="16" presetClass="entr" presetSubtype="21" fill="hold" grpId="0" nodeType="clickEffect">
+                                  <p:stCondLst>
+                                    <p:cond delay="0"/>
+                                  </p:stCondLst>
+                                  <p:childTnLst>
+                                    <p:set>
+                                      <p:cBhvr>
+                                        <p:cTn id="6" dur="1" fill="hold">
+                                          <p:stCondLst>
+                                            <p:cond delay="0"/>
+                                          </p:stCondLst>
+                                        </p:cTn>
+                                        <p:tgtEl>
+                                          <p:spTgt spid="136"/>
+                                        </p:tgtEl>
+                                        <p:attrNameLst>
+                                          <p:attrName>style.visibility</p:attrName>
+                                        </p:attrNameLst>
+                                      </p:cBhvr>
+                                      <p:to>
+                                        <p:strVal val="visible"/>
+                                      </p:to>
+                                    </p:set>
+                                    <p:animEffect transition="in" filter="barn(inVertical)">
+                                      <p:cBhvr>
+                                        <p:cTn id="7" dur="500"/>
+                                        <p:tgtEl>
+                                          <p:spTgt spid="136"/>
+                                        </p:tgtEl>
+                                      </p:cBhvr>
+                                    </p:animEffect>
+                                  </p:childTnLst>
+                                </p:cTn>
+                              </p:par>
+                            </p:childTnLst>
+                          </p:cTn>
+                        </p:par>
+                      </p:childTnLst>
+                    </p:cTn>
+                  </p:par>
+                </p:childTnLst>
+              </p:cTn>
+              <p:prevCondLst>
+                <p:cond evt="onPrev" delay="0">
+                  <p:tgtEl>
+                    <p:sldTgt/>
+                  </p:tgtEl>
+                </p:cond>
+              </p:prevCondLst>
+              <p:nextCondLst>
+                <p:cond evt="onNext" delay="0">
+                  <p:tgtEl>
+                    <p:sldTgt/>
+                  </p:tgtEl>
+                </p:cond>
+              </p:nextCondLst>
+            </p:seq>
+          </p:childTnLst>
+        </p:cTn>
+      </p:par>
+    </p:tnLst>
+    <p:bldLst>
+      <p:bldP spid="136" grpId="0" animBg="1"/>
+    </p:bldLst>
+  </p:timing>
 </p:sld>
 </file>
 
@@ -5682,8 +11614,8 @@
         </p:nvSpPr>
         <p:spPr>
           <a:xfrm>
-            <a:off x="457199" y="1600200"/>
-            <a:ext cx="5050906" cy="4133056"/>
+            <a:off x="1187624" y="980728"/>
+            <a:ext cx="5482953" cy="4608512"/>
           </a:xfrm>
           <a:prstGeom prst="rect">
             <a:avLst/>
@@ -5706,21 +11638,35 @@
               <a:defRPr sz="3600"/>
             </a:pPr>
             <a:r>
+              <a:rPr lang="en-US" dirty="0" smtClean="0"/>
+              <a:t>	</a:t>
+            </a:r>
+            <a:r>
+              <a:rPr dirty="0" err="1" smtClean="0"/>
               <a:t>我们希望为那些</a:t>
             </a:r>
             <a:r>
-              <a:rPr>
+              <a:rPr dirty="0" err="1" smtClean="0">
                 <a:solidFill>
                   <a:srgbClr val="FF1C0A"/>
                 </a:solidFill>
               </a:rPr>
-              <a:t>想体验一下钓鱼</a:t>
-            </a:r>
-            <a:r>
-              <a:t>或者偶尔钓一下鱼的人，提供一款</a:t>
-            </a:r>
-            <a:r>
-              <a:rPr>
+              <a:t>想体验钓鱼</a:t>
+            </a:r>
+            <a:r>
+              <a:rPr dirty="0" err="1" smtClean="0"/>
+              <a:t>或者偶尔钓鱼的人</a:t>
+            </a:r>
+            <a:r>
+              <a:rPr lang="zh-CN" altLang="en-US" dirty="0" smtClean="0"/>
+              <a:t>，</a:t>
+            </a:r>
+            <a:r>
+              <a:rPr dirty="0" smtClean="0"/>
+              <a:t>提供一款</a:t>
+            </a:r>
+            <a:r>
+              <a:rPr dirty="0">
                 <a:solidFill>
                   <a:srgbClr val="FF0000"/>
                 </a:solidFill>
@@ -5728,6 +11674,7 @@
               <a:t>3D仿真钓鱼游戏</a:t>
             </a:r>
             <a:r>
+              <a:rPr dirty="0"/>
               <a:t>，并以第一人称视角呈现，让他们在移动设备上体验钓鱼的乐趣。</a:t>
             </a:r>
           </a:p>
@@ -5751,7 +11698,7 @@
         </p:blipFill>
         <p:spPr>
           <a:xfrm>
-            <a:off x="5436096" y="2636913"/>
+            <a:off x="5364088" y="3501008"/>
             <a:ext cx="3285405" cy="2664297"/>
           </a:xfrm>
           <a:prstGeom prst="rect">
@@ -5768,6 +11715,248 @@
     <a:masterClrMapping/>
   </p:clrMapOvr>
   <p:transition spd="med"/>
+  <p:timing>
+    <p:tnLst>
+      <p:par>
+        <p:cTn id="1" dur="indefinite" restart="never" nodeType="tmRoot">
+          <p:childTnLst>
+            <p:seq concurrent="1" nextAc="seek">
+              <p:cTn id="2" dur="indefinite" nodeType="mainSeq">
+                <p:childTnLst>
+                  <p:par>
+                    <p:cTn id="3" fill="hold">
+                      <p:stCondLst>
+                        <p:cond delay="indefinite"/>
+                      </p:stCondLst>
+                      <p:childTnLst>
+                        <p:par>
+                          <p:cTn id="4" fill="hold">
+                            <p:stCondLst>
+                              <p:cond delay="0"/>
+                            </p:stCondLst>
+                            <p:childTnLst>
+                              <p:par>
+                                <p:cTn id="5" presetID="22" presetClass="entr" presetSubtype="4" fill="hold" grpId="0" nodeType="clickEffect">
+                                  <p:stCondLst>
+                                    <p:cond delay="0"/>
+                                  </p:stCondLst>
+                                  <p:childTnLst>
+                                    <p:set>
+                                      <p:cBhvr>
+                                        <p:cTn id="6" dur="1" fill="hold">
+                                          <p:stCondLst>
+                                            <p:cond delay="0"/>
+                                          </p:stCondLst>
+                                        </p:cTn>
+                                        <p:tgtEl>
+                                          <p:spTgt spid="138">
+                                            <p:bg/>
+                                          </p:spTgt>
+                                        </p:tgtEl>
+                                        <p:attrNameLst>
+                                          <p:attrName>style.visibility</p:attrName>
+                                        </p:attrNameLst>
+                                      </p:cBhvr>
+                                      <p:to>
+                                        <p:strVal val="visible"/>
+                                      </p:to>
+                                    </p:set>
+                                    <p:animEffect transition="in" filter="wipe(down)">
+                                      <p:cBhvr>
+                                        <p:cTn id="7" dur="500"/>
+                                        <p:tgtEl>
+                                          <p:spTgt spid="138">
+                                            <p:bg/>
+                                          </p:spTgt>
+                                        </p:tgtEl>
+                                      </p:cBhvr>
+                                    </p:animEffect>
+                                  </p:childTnLst>
+                                </p:cTn>
+                              </p:par>
+                            </p:childTnLst>
+                          </p:cTn>
+                        </p:par>
+                      </p:childTnLst>
+                    </p:cTn>
+                  </p:par>
+                  <p:par>
+                    <p:cTn id="8" fill="hold">
+                      <p:stCondLst>
+                        <p:cond delay="indefinite"/>
+                      </p:stCondLst>
+                      <p:childTnLst>
+                        <p:par>
+                          <p:cTn id="9" fill="hold">
+                            <p:stCondLst>
+                              <p:cond delay="0"/>
+                            </p:stCondLst>
+                            <p:childTnLst>
+                              <p:par>
+                                <p:cTn id="10" presetID="22" presetClass="entr" presetSubtype="4" fill="hold" grpId="0" nodeType="clickEffect">
+                                  <p:stCondLst>
+                                    <p:cond delay="0"/>
+                                  </p:stCondLst>
+                                  <p:childTnLst>
+                                    <p:set>
+                                      <p:cBhvr>
+                                        <p:cTn id="11" dur="1" fill="hold">
+                                          <p:stCondLst>
+                                            <p:cond delay="0"/>
+                                          </p:stCondLst>
+                                        </p:cTn>
+                                        <p:tgtEl>
+                                          <p:spTgt spid="138">
+                                            <p:txEl>
+                                              <p:pRg st="0" end="0"/>
+                                            </p:txEl>
+                                          </p:spTgt>
+                                        </p:tgtEl>
+                                        <p:attrNameLst>
+                                          <p:attrName>style.visibility</p:attrName>
+                                        </p:attrNameLst>
+                                      </p:cBhvr>
+                                      <p:to>
+                                        <p:strVal val="visible"/>
+                                      </p:to>
+                                    </p:set>
+                                    <p:animEffect transition="in" filter="wipe(down)">
+                                      <p:cBhvr>
+                                        <p:cTn id="12" dur="500"/>
+                                        <p:tgtEl>
+                                          <p:spTgt spid="138">
+                                            <p:txEl>
+                                              <p:pRg st="0" end="0"/>
+                                            </p:txEl>
+                                          </p:spTgt>
+                                        </p:tgtEl>
+                                      </p:cBhvr>
+                                    </p:animEffect>
+                                  </p:childTnLst>
+                                </p:cTn>
+                              </p:par>
+                            </p:childTnLst>
+                          </p:cTn>
+                        </p:par>
+                      </p:childTnLst>
+                    </p:cTn>
+                  </p:par>
+                  <p:par>
+                    <p:cTn id="13" fill="hold">
+                      <p:stCondLst>
+                        <p:cond delay="indefinite"/>
+                      </p:stCondLst>
+                      <p:childTnLst>
+                        <p:par>
+                          <p:cTn id="14" fill="hold">
+                            <p:stCondLst>
+                              <p:cond delay="0"/>
+                            </p:stCondLst>
+                            <p:childTnLst>
+                              <p:par>
+                                <p:cTn id="15" presetID="2" presetClass="entr" presetSubtype="4" fill="hold" nodeType="clickEffect">
+                                  <p:stCondLst>
+                                    <p:cond delay="0"/>
+                                  </p:stCondLst>
+                                  <p:childTnLst>
+                                    <p:set>
+                                      <p:cBhvr>
+                                        <p:cTn id="16" dur="1" fill="hold">
+                                          <p:stCondLst>
+                                            <p:cond delay="0"/>
+                                          </p:stCondLst>
+                                        </p:cTn>
+                                        <p:tgtEl>
+                                          <p:spTgt spid="139"/>
+                                        </p:tgtEl>
+                                        <p:attrNameLst>
+                                          <p:attrName>style.visibility</p:attrName>
+                                        </p:attrNameLst>
+                                      </p:cBhvr>
+                                      <p:to>
+                                        <p:strVal val="visible"/>
+                                      </p:to>
+                                    </p:set>
+                                    <p:anim calcmode="lin" valueType="num">
+                                      <p:cBhvr additive="base">
+                                        <p:cTn id="17" dur="500" fill="hold"/>
+                                        <p:tgtEl>
+                                          <p:spTgt spid="139"/>
+                                        </p:tgtEl>
+                                        <p:attrNameLst>
+                                          <p:attrName>ppt_x</p:attrName>
+                                        </p:attrNameLst>
+                                      </p:cBhvr>
+                                      <p:tavLst>
+                                        <p:tav tm="0">
+                                          <p:val>
+                                            <p:strVal val="#ppt_x"/>
+                                          </p:val>
+                                        </p:tav>
+                                        <p:tav tm="100000">
+                                          <p:val>
+                                            <p:strVal val="#ppt_x"/>
+                                          </p:val>
+                                        </p:tav>
+                                      </p:tavLst>
+                                    </p:anim>
+                                    <p:anim calcmode="lin" valueType="num">
+                                      <p:cBhvr additive="base">
+                                        <p:cTn id="18" dur="500" fill="hold"/>
+                                        <p:tgtEl>
+                                          <p:spTgt spid="139"/>
+                                        </p:tgtEl>
+                                        <p:attrNameLst>
+                                          <p:attrName>ppt_y</p:attrName>
+                                        </p:attrNameLst>
+                                      </p:cBhvr>
+                                      <p:tavLst>
+                                        <p:tav tm="0">
+                                          <p:val>
+                                            <p:strVal val="1+#ppt_h/2"/>
+                                          </p:val>
+                                        </p:tav>
+                                        <p:tav tm="100000">
+                                          <p:val>
+                                            <p:strVal val="#ppt_y"/>
+                                          </p:val>
+                                        </p:tav>
+                                      </p:tavLst>
+                                    </p:anim>
+                                  </p:childTnLst>
+                                </p:cTn>
+                              </p:par>
+                            </p:childTnLst>
+                          </p:cTn>
+                        </p:par>
+                      </p:childTnLst>
+                    </p:cTn>
+                  </p:par>
+                </p:childTnLst>
+              </p:cTn>
+              <p:prevCondLst>
+                <p:cond evt="onPrev" delay="0">
+                  <p:tgtEl>
+                    <p:sldTgt/>
+                  </p:tgtEl>
+                </p:cond>
+              </p:prevCondLst>
+              <p:nextCondLst>
+                <p:cond evt="onNext" delay="0">
+                  <p:tgtEl>
+                    <p:sldTgt/>
+                  </p:tgtEl>
+                </p:cond>
+              </p:nextCondLst>
+            </p:seq>
+          </p:childTnLst>
+        </p:cTn>
+      </p:par>
+    </p:tnLst>
+    <p:bldLst>
+      <p:bldP spid="138" grpId="0" build="p" animBg="1"/>
+    </p:bldLst>
+  </p:timing>
 </p:sld>
 </file>
 
@@ -5807,7 +11996,7 @@
           </a:ln>
           <a:extLst>
             <a:ext uri="{C572A759-6A51-4108-AA02-DFA0A04FC94B}">
-              <ma14:wrappingTextBoxFlag xmlns="" xmlns:m="http://schemas.openxmlformats.org/officeDocument/2006/math" xmlns:a14="http://schemas.microsoft.com/office/drawing/2010/main" xmlns:ma14="http://schemas.microsoft.com/office/mac/drawingml/2011/main" val="1"/>
+              <ma14:wrappingTextBoxFlag xmlns:ma14="http://schemas.microsoft.com/office/mac/drawingml/2011/main" xmlns:a14="http://schemas.microsoft.com/office/drawing/2010/main" xmlns:m="http://schemas.openxmlformats.org/officeDocument/2006/math" xmlns="" val="1"/>
             </a:ext>
           </a:extLst>
         </p:spPr>
@@ -5830,8 +12019,10 @@
           </a:lstStyle>
           <a:p>
             <a:r>
+              <a:rPr dirty="0" err="1"/>
               <a:t>项目团队组织</a:t>
             </a:r>
+            <a:endParaRPr dirty="0"/>
           </a:p>
         </p:txBody>
       </p:sp>
@@ -5841,6 +12032,130 @@
     <a:masterClrMapping/>
   </p:clrMapOvr>
   <p:transition spd="med"/>
+  <p:timing>
+    <p:tnLst>
+      <p:par>
+        <p:cTn id="1" dur="indefinite" restart="never" nodeType="tmRoot">
+          <p:childTnLst>
+            <p:seq concurrent="1" nextAc="seek">
+              <p:cTn id="2" dur="indefinite" nodeType="mainSeq">
+                <p:childTnLst>
+                  <p:par>
+                    <p:cTn id="3" fill="hold">
+                      <p:stCondLst>
+                        <p:cond delay="indefinite"/>
+                      </p:stCondLst>
+                      <p:childTnLst>
+                        <p:par>
+                          <p:cTn id="4" fill="hold">
+                            <p:stCondLst>
+                              <p:cond delay="0"/>
+                            </p:stCondLst>
+                            <p:childTnLst>
+                              <p:par>
+                                <p:cTn id="5" presetID="2" presetClass="entr" presetSubtype="4" fill="hold" grpId="0" nodeType="clickEffect">
+                                  <p:stCondLst>
+                                    <p:cond delay="0"/>
+                                  </p:stCondLst>
+                                  <p:childTnLst>
+                                    <p:set>
+                                      <p:cBhvr>
+                                        <p:cTn id="6" dur="1" fill="hold">
+                                          <p:stCondLst>
+                                            <p:cond delay="0"/>
+                                          </p:stCondLst>
+                                        </p:cTn>
+                                        <p:tgtEl>
+                                          <p:spTgt spid="141"/>
+                                        </p:tgtEl>
+                                        <p:attrNameLst>
+                                          <p:attrName>style.visibility</p:attrName>
+                                        </p:attrNameLst>
+                                      </p:cBhvr>
+                                      <p:to>
+                                        <p:strVal val="visible"/>
+                                      </p:to>
+                                    </p:set>
+                                    <p:anim calcmode="lin" valueType="num">
+                                      <p:cBhvr additive="base">
+                                        <p:cTn id="7" dur="500" fill="hold"/>
+                                        <p:tgtEl>
+                                          <p:spTgt spid="141"/>
+                                        </p:tgtEl>
+                                        <p:attrNameLst>
+                                          <p:attrName>ppt_x</p:attrName>
+                                        </p:attrNameLst>
+                                      </p:cBhvr>
+                                      <p:tavLst>
+                                        <p:tav tm="0">
+                                          <p:val>
+                                            <p:strVal val="#ppt_x"/>
+                                          </p:val>
+                                        </p:tav>
+                                        <p:tav tm="100000">
+                                          <p:val>
+                                            <p:strVal val="#ppt_x"/>
+                                          </p:val>
+                                        </p:tav>
+                                      </p:tavLst>
+                                    </p:anim>
+                                    <p:anim calcmode="lin" valueType="num">
+                                      <p:cBhvr additive="base">
+                                        <p:cTn id="8" dur="500" fill="hold"/>
+                                        <p:tgtEl>
+                                          <p:spTgt spid="141"/>
+                                        </p:tgtEl>
+                                        <p:attrNameLst>
+                                          <p:attrName>ppt_y</p:attrName>
+                                        </p:attrNameLst>
+                                      </p:cBhvr>
+                                      <p:tavLst>
+                                        <p:tav tm="0">
+                                          <p:val>
+                                            <p:strVal val="1+#ppt_h/2"/>
+                                          </p:val>
+                                        </p:tav>
+                                        <p:tav tm="100000">
+                                          <p:val>
+                                            <p:strVal val="#ppt_y"/>
+                                          </p:val>
+                                        </p:tav>
+                                      </p:tavLst>
+                                    </p:anim>
+                                  </p:childTnLst>
+                                </p:cTn>
+                              </p:par>
+                            </p:childTnLst>
+                          </p:cTn>
+                        </p:par>
+                      </p:childTnLst>
+                    </p:cTn>
+                  </p:par>
+                </p:childTnLst>
+              </p:cTn>
+              <p:prevCondLst>
+                <p:cond evt="onPrev" delay="0">
+                  <p:tgtEl>
+                    <p:sldTgt/>
+                  </p:tgtEl>
+                </p:cond>
+              </p:prevCondLst>
+              <p:nextCondLst>
+                <p:cond evt="onNext" delay="0">
+                  <p:tgtEl>
+                    <p:sldTgt/>
+                  </p:tgtEl>
+                </p:cond>
+              </p:nextCondLst>
+            </p:seq>
+          </p:childTnLst>
+        </p:cTn>
+      </p:par>
+    </p:tnLst>
+    <p:bldLst>
+      <p:bldP spid="141" grpId="0" animBg="1"/>
+    </p:bldLst>
+  </p:timing>
 </p:sld>
 </file>
 
@@ -5888,9 +12203,10 @@
               <a:defRPr b="1"/>
             </a:pPr>
             <a:r>
-              <a:rPr b="0"/>
+              <a:rPr b="0" dirty="0" err="1"/>
               <a:t>成员分工</a:t>
             </a:r>
+            <a:endParaRPr b="0" dirty="0"/>
           </a:p>
         </p:txBody>
       </p:sp>
@@ -5964,8 +12280,10 @@
                         <a:defRPr sz="1600"/>
                       </a:pPr>
                       <a:r>
+                        <a:rPr dirty="0" err="1"/>
                         <a:t>角色</a:t>
                       </a:r>
+                      <a:endParaRPr dirty="0"/>
                     </a:p>
                   </a:txBody>
                   <a:tcPr marL="9525" marR="9525" marT="9525" marB="9525" anchor="ctr" horzOverflow="overflow">
@@ -6248,10 +12566,199 @@
     <a:masterClrMapping/>
   </p:clrMapOvr>
   <p:transition spd="med"/>
+  <p:timing>
+    <p:tnLst>
+      <p:par>
+        <p:cTn id="1" dur="indefinite" restart="never" nodeType="tmRoot">
+          <p:childTnLst>
+            <p:seq concurrent="1" nextAc="seek">
+              <p:cTn id="2" dur="indefinite" nodeType="mainSeq">
+                <p:childTnLst>
+                  <p:par>
+                    <p:cTn id="3" fill="hold">
+                      <p:stCondLst>
+                        <p:cond delay="indefinite"/>
+                      </p:stCondLst>
+                      <p:childTnLst>
+                        <p:par>
+                          <p:cTn id="4" fill="hold">
+                            <p:stCondLst>
+                              <p:cond delay="0"/>
+                            </p:stCondLst>
+                            <p:childTnLst>
+                              <p:par>
+                                <p:cTn id="5" presetID="2" presetClass="entr" presetSubtype="4" fill="hold" nodeType="clickEffect">
+                                  <p:stCondLst>
+                                    <p:cond delay="0"/>
+                                  </p:stCondLst>
+                                  <p:childTnLst>
+                                    <p:set>
+                                      <p:cBhvr>
+                                        <p:cTn id="6" dur="1" fill="hold">
+                                          <p:stCondLst>
+                                            <p:cond delay="0"/>
+                                          </p:stCondLst>
+                                        </p:cTn>
+                                        <p:tgtEl>
+                                          <p:spTgt spid="144"/>
+                                        </p:tgtEl>
+                                        <p:attrNameLst>
+                                          <p:attrName>style.visibility</p:attrName>
+                                        </p:attrNameLst>
+                                      </p:cBhvr>
+                                      <p:to>
+                                        <p:strVal val="visible"/>
+                                      </p:to>
+                                    </p:set>
+                                    <p:anim calcmode="lin" valueType="num">
+                                      <p:cBhvr additive="base">
+                                        <p:cTn id="7" dur="500" fill="hold"/>
+                                        <p:tgtEl>
+                                          <p:spTgt spid="144"/>
+                                        </p:tgtEl>
+                                        <p:attrNameLst>
+                                          <p:attrName>ppt_x</p:attrName>
+                                        </p:attrNameLst>
+                                      </p:cBhvr>
+                                      <p:tavLst>
+                                        <p:tav tm="0">
+                                          <p:val>
+                                            <p:strVal val="#ppt_x"/>
+                                          </p:val>
+                                        </p:tav>
+                                        <p:tav tm="100000">
+                                          <p:val>
+                                            <p:strVal val="#ppt_x"/>
+                                          </p:val>
+                                        </p:tav>
+                                      </p:tavLst>
+                                    </p:anim>
+                                    <p:anim calcmode="lin" valueType="num">
+                                      <p:cBhvr additive="base">
+                                        <p:cTn id="8" dur="500" fill="hold"/>
+                                        <p:tgtEl>
+                                          <p:spTgt spid="144"/>
+                                        </p:tgtEl>
+                                        <p:attrNameLst>
+                                          <p:attrName>ppt_y</p:attrName>
+                                        </p:attrNameLst>
+                                      </p:cBhvr>
+                                      <p:tavLst>
+                                        <p:tav tm="0">
+                                          <p:val>
+                                            <p:strVal val="1+#ppt_h/2"/>
+                                          </p:val>
+                                        </p:tav>
+                                        <p:tav tm="100000">
+                                          <p:val>
+                                            <p:strVal val="#ppt_y"/>
+                                          </p:val>
+                                        </p:tav>
+                                      </p:tavLst>
+                                    </p:anim>
+                                  </p:childTnLst>
+                                </p:cTn>
+                              </p:par>
+                            </p:childTnLst>
+                          </p:cTn>
+                        </p:par>
+                      </p:childTnLst>
+                    </p:cTn>
+                  </p:par>
+                </p:childTnLst>
+              </p:cTn>
+              <p:prevCondLst>
+                <p:cond evt="onPrev" delay="0">
+                  <p:tgtEl>
+                    <p:sldTgt/>
+                  </p:tgtEl>
+                </p:cond>
+              </p:prevCondLst>
+              <p:nextCondLst>
+                <p:cond evt="onNext" delay="0">
+                  <p:tgtEl>
+                    <p:sldTgt/>
+                  </p:tgtEl>
+                </p:cond>
+              </p:nextCondLst>
+            </p:seq>
+          </p:childTnLst>
+        </p:cTn>
+      </p:par>
+    </p:tnLst>
+  </p:timing>
 </p:sld>
 </file>
 
 <file path=ppt/slides/slide7.xml><?xml version="1.0" encoding="utf-8"?>
+<p:sld xmlns:a="http://schemas.openxmlformats.org/drawingml/2006/main" xmlns:r="http://schemas.openxmlformats.org/officeDocument/2006/relationships" xmlns:p="http://schemas.openxmlformats.org/presentationml/2006/main">
+  <p:cSld>
+    <p:spTree>
+      <p:nvGrpSpPr>
+        <p:cNvPr id="1" name=""/>
+        <p:cNvGrpSpPr/>
+        <p:nvPr/>
+      </p:nvGrpSpPr>
+      <p:grpSpPr>
+        <a:xfrm>
+          <a:off x="0" y="0"/>
+          <a:ext cx="0" cy="0"/>
+          <a:chOff x="0" y="0"/>
+          <a:chExt cx="0" cy="0"/>
+        </a:xfrm>
+      </p:grpSpPr>
+      <p:pic>
+        <p:nvPicPr>
+          <p:cNvPr id="4" name="图片 3"/>
+          <p:cNvPicPr>
+            <a:picLocks noChangeAspect="1"/>
+          </p:cNvPicPr>
+          <p:nvPr/>
+        </p:nvPicPr>
+        <p:blipFill>
+          <a:blip r:embed="rId2">
+            <a:extLst>
+              <a:ext uri="{28A0092B-C50C-407E-A947-70E740481C1C}">
+                <a14:useLocalDpi xmlns:a14="http://schemas.microsoft.com/office/drawing/2010/main" val="0"/>
+              </a:ext>
+            </a:extLst>
+          </a:blip>
+          <a:stretch>
+            <a:fillRect/>
+          </a:stretch>
+        </p:blipFill>
+        <p:spPr>
+          <a:xfrm>
+            <a:off x="0" y="2028698"/>
+            <a:ext cx="9144000" cy="2800603"/>
+          </a:xfrm>
+          <a:prstGeom prst="rect">
+            <a:avLst/>
+          </a:prstGeom>
+        </p:spPr>
+      </p:pic>
+    </p:spTree>
+    <p:extLst>
+      <p:ext uri="{BB962C8B-B14F-4D97-AF65-F5344CB8AC3E}">
+        <p14:creationId xmlns:p14="http://schemas.microsoft.com/office/powerpoint/2010/main" val="657194600"/>
+      </p:ext>
+    </p:extLst>
+  </p:cSld>
+  <p:clrMapOvr>
+    <a:masterClrMapping/>
+  </p:clrMapOvr>
+  <p:transition spd="med"/>
+  <p:timing>
+    <p:tnLst>
+      <p:par>
+        <p:cTn id="1" dur="indefinite" restart="never" nodeType="tmRoot"/>
+      </p:par>
+    </p:tnLst>
+  </p:timing>
+</p:sld>
+</file>
+
+<file path=ppt/slides/slide8.xml><?xml version="1.0" encoding="utf-8"?>
 <p:sld xmlns:a="http://schemas.openxmlformats.org/drawingml/2006/main" xmlns:r="http://schemas.openxmlformats.org/officeDocument/2006/relationships" xmlns:p="http://schemas.openxmlformats.org/presentationml/2006/main">
   <p:cSld>
     <p:spTree>
@@ -6288,8 +12795,10 @@
           <a:lstStyle/>
           <a:p>
             <a:r>
+              <a:rPr dirty="0" err="1"/>
               <a:t>工作流程</a:t>
             </a:r>
+            <a:endParaRPr dirty="0"/>
           </a:p>
         </p:txBody>
       </p:sp>
@@ -6329,10 +12838,149 @@
     <a:masterClrMapping/>
   </p:clrMapOvr>
   <p:transition spd="med"/>
+  <p:timing>
+    <p:tnLst>
+      <p:par>
+        <p:cTn id="1" dur="indefinite" restart="never" nodeType="tmRoot">
+          <p:childTnLst>
+            <p:seq concurrent="1" nextAc="seek">
+              <p:cTn id="2" dur="indefinite" nodeType="mainSeq">
+                <p:childTnLst>
+                  <p:par>
+                    <p:cTn id="3" fill="hold">
+                      <p:stCondLst>
+                        <p:cond delay="indefinite"/>
+                      </p:stCondLst>
+                      <p:childTnLst>
+                        <p:par>
+                          <p:cTn id="4" fill="hold">
+                            <p:stCondLst>
+                              <p:cond delay="0"/>
+                            </p:stCondLst>
+                            <p:childTnLst>
+                              <p:par>
+                                <p:cTn id="5" presetID="21" presetClass="entr" presetSubtype="1" fill="hold" grpId="0" nodeType="clickEffect">
+                                  <p:stCondLst>
+                                    <p:cond delay="0"/>
+                                  </p:stCondLst>
+                                  <p:childTnLst>
+                                    <p:set>
+                                      <p:cBhvr>
+                                        <p:cTn id="6" dur="1" fill="hold">
+                                          <p:stCondLst>
+                                            <p:cond delay="0"/>
+                                          </p:stCondLst>
+                                        </p:cTn>
+                                        <p:tgtEl>
+                                          <p:spTgt spid="146"/>
+                                        </p:tgtEl>
+                                        <p:attrNameLst>
+                                          <p:attrName>style.visibility</p:attrName>
+                                        </p:attrNameLst>
+                                      </p:cBhvr>
+                                      <p:to>
+                                        <p:strVal val="visible"/>
+                                      </p:to>
+                                    </p:set>
+                                    <p:animEffect transition="in" filter="wheel(1)">
+                                      <p:cBhvr>
+                                        <p:cTn id="7" dur="2000"/>
+                                        <p:tgtEl>
+                                          <p:spTgt spid="146"/>
+                                        </p:tgtEl>
+                                      </p:cBhvr>
+                                    </p:animEffect>
+                                  </p:childTnLst>
+                                </p:cTn>
+                              </p:par>
+                            </p:childTnLst>
+                          </p:cTn>
+                        </p:par>
+                      </p:childTnLst>
+                    </p:cTn>
+                  </p:par>
+                  <p:par>
+                    <p:cTn id="8" fill="hold">
+                      <p:stCondLst>
+                        <p:cond delay="indefinite"/>
+                      </p:stCondLst>
+                      <p:childTnLst>
+                        <p:par>
+                          <p:cTn id="9" fill="hold">
+                            <p:stCondLst>
+                              <p:cond delay="0"/>
+                            </p:stCondLst>
+                            <p:childTnLst>
+                              <p:par>
+                                <p:cTn id="10" presetID="16" presetClass="entr" presetSubtype="21" fill="hold" nodeType="clickEffect">
+                                  <p:stCondLst>
+                                    <p:cond delay="0"/>
+                                  </p:stCondLst>
+                                  <p:childTnLst>
+                                    <p:set>
+                                      <p:cBhvr>
+                                        <p:cTn id="11" dur="1" fill="hold">
+                                          <p:stCondLst>
+                                            <p:cond delay="0"/>
+                                          </p:stCondLst>
+                                        </p:cTn>
+                                        <p:tgtEl>
+                                          <p:spTgt spid="147"/>
+                                        </p:tgtEl>
+                                        <p:attrNameLst>
+                                          <p:attrName>style.visibility</p:attrName>
+                                        </p:attrNameLst>
+                                      </p:cBhvr>
+                                      <p:to>
+                                        <p:strVal val="visible"/>
+                                      </p:to>
+                                    </p:set>
+                                    <p:animEffect transition="in" filter="barn(inVertical)">
+                                      <p:cBhvr>
+                                        <p:cTn id="12" dur="500"/>
+                                        <p:tgtEl>
+                                          <p:spTgt spid="147"/>
+                                        </p:tgtEl>
+                                      </p:cBhvr>
+                                    </p:animEffect>
+                                  </p:childTnLst>
+                                </p:cTn>
+                              </p:par>
+                            </p:childTnLst>
+                          </p:cTn>
+                        </p:par>
+                      </p:childTnLst>
+                    </p:cTn>
+                  </p:par>
+                </p:childTnLst>
+              </p:cTn>
+              <p:prevCondLst>
+                <p:cond evt="onPrev" delay="0">
+                  <p:tgtEl>
+                    <p:sldTgt/>
+                  </p:tgtEl>
+                </p:cond>
+              </p:prevCondLst>
+              <p:nextCondLst>
+                <p:cond evt="onNext" delay="0">
+                  <p:tgtEl>
+                    <p:sldTgt/>
+                  </p:tgtEl>
+                </p:cond>
+              </p:nextCondLst>
+            </p:seq>
+          </p:childTnLst>
+        </p:cTn>
+      </p:par>
+    </p:tnLst>
+    <p:bldLst>
+      <p:bldP spid="146" grpId="0" animBg="1"/>
+    </p:bldLst>
+  </p:timing>
 </p:sld>
 </file>
 
-<file path=ppt/slides/slide8.xml><?xml version="1.0" encoding="utf-8"?>
+<file path=ppt/slides/slide9.xml><?xml version="1.0" encoding="utf-8"?>
 <p:sld xmlns:a="http://schemas.openxmlformats.org/drawingml/2006/main" xmlns:r="http://schemas.openxmlformats.org/officeDocument/2006/relationships" xmlns:p="http://schemas.openxmlformats.org/presentationml/2006/main">
   <p:cSld>
     <p:spTree>
@@ -6385,65 +13033,89 @@
     <a:masterClrMapping/>
   </p:clrMapOvr>
   <p:transition spd="med"/>
-</p:sld>
-</file>
-
-<file path=ppt/slides/slide9.xml><?xml version="1.0" encoding="utf-8"?>
-<p:sld xmlns:a="http://schemas.openxmlformats.org/drawingml/2006/main" xmlns:r="http://schemas.openxmlformats.org/officeDocument/2006/relationships" xmlns:p="http://schemas.openxmlformats.org/presentationml/2006/main">
-  <p:cSld>
-    <p:spTree>
-      <p:nvGrpSpPr>
-        <p:cNvPr id="1" name=""/>
-        <p:cNvGrpSpPr/>
-        <p:nvPr/>
-      </p:nvGrpSpPr>
-      <p:grpSpPr>
-        <a:xfrm>
-          <a:off x="0" y="0"/>
-          <a:ext cx="0" cy="0"/>
-          <a:chOff x="0" y="0"/>
-          <a:chExt cx="0" cy="0"/>
-        </a:xfrm>
-      </p:grpSpPr>
-      <p:sp>
-        <p:nvSpPr>
-          <p:cNvPr id="151" name="支持条件"/>
-          <p:cNvSpPr txBox="1">
-            <a:spLocks noGrp="1"/>
-          </p:cNvSpPr>
-          <p:nvPr>
-            <p:ph type="title"/>
-          </p:nvPr>
-        </p:nvSpPr>
-        <p:spPr>
-          <a:xfrm>
-            <a:off x="-300385" y="2121048"/>
-            <a:ext cx="9744770" cy="2615904"/>
-          </a:xfrm>
-          <a:prstGeom prst="rect">
-            <a:avLst/>
-          </a:prstGeom>
-        </p:spPr>
-        <p:txBody>
-          <a:bodyPr/>
-          <a:lstStyle>
-            <a:lvl1pPr>
-              <a:defRPr sz="6000"/>
-            </a:lvl1pPr>
-          </a:lstStyle>
-          <a:p>
-            <a:r>
-              <a:t>支持条件</a:t>
-            </a:r>
-          </a:p>
-        </p:txBody>
-      </p:sp>
-    </p:spTree>
-  </p:cSld>
-  <p:clrMapOvr>
-    <a:masterClrMapping/>
-  </p:clrMapOvr>
-  <p:transition spd="med"/>
+  <p:timing>
+    <p:tnLst>
+      <p:par>
+        <p:cTn id="1" dur="indefinite" restart="never" nodeType="tmRoot">
+          <p:childTnLst>
+            <p:seq concurrent="1" nextAc="seek">
+              <p:cTn id="2" dur="indefinite" nodeType="mainSeq">
+                <p:childTnLst>
+                  <p:par>
+                    <p:cTn id="3" fill="hold">
+                      <p:stCondLst>
+                        <p:cond delay="indefinite"/>
+                      </p:stCondLst>
+                      <p:childTnLst>
+                        <p:par>
+                          <p:cTn id="4" fill="hold">
+                            <p:stCondLst>
+                              <p:cond delay="0"/>
+                            </p:stCondLst>
+                            <p:childTnLst>
+                              <p:par>
+                                <p:cTn id="5" presetID="16" presetClass="entr" presetSubtype="21" fill="hold" nodeType="clickEffect">
+                                  <p:stCondLst>
+                                    <p:cond delay="0"/>
+                                  </p:stCondLst>
+                                  <p:childTnLst>
+                                    <p:set>
+                                      <p:cBhvr>
+                                        <p:cTn id="6" dur="1" fill="hold">
+                                          <p:stCondLst>
+                                            <p:cond delay="0"/>
+                                          </p:stCondLst>
+                                        </p:cTn>
+                                        <p:tgtEl>
+                                          <p:spTgt spid="149"/>
+                                        </p:tgtEl>
+                                        <p:attrNameLst>
+                                          <p:attrName>style.visibility</p:attrName>
+                                        </p:attrNameLst>
+                                      </p:cBhvr>
+                                      <p:to>
+                                        <p:strVal val="visible"/>
+                                      </p:to>
+                                    </p:set>
+                                    <p:animEffect transition="in" filter="barn(inVertical)">
+                                      <p:cBhvr>
+                                        <p:cTn id="7" dur="500"/>
+                                        <p:tgtEl>
+                                          <p:spTgt spid="149"/>
+                                        </p:tgtEl>
+                                      </p:cBhvr>
+                                    </p:animEffect>
+                                  </p:childTnLst>
+                                </p:cTn>
+                              </p:par>
+                            </p:childTnLst>
+                          </p:cTn>
+                        </p:par>
+                      </p:childTnLst>
+                    </p:cTn>
+                  </p:par>
+                </p:childTnLst>
+              </p:cTn>
+              <p:prevCondLst>
+                <p:cond evt="onPrev" delay="0">
+                  <p:tgtEl>
+                    <p:sldTgt/>
+                  </p:tgtEl>
+                </p:cond>
+              </p:prevCondLst>
+              <p:nextCondLst>
+                <p:cond evt="onNext" delay="0">
+                  <p:tgtEl>
+                    <p:sldTgt/>
+                  </p:tgtEl>
+                </p:cond>
+              </p:nextCondLst>
+            </p:seq>
+          </p:childTnLst>
+        </p:cTn>
+      </p:par>
+    </p:tnLst>
+  </p:timing>
 </p:sld>
 </file>
 
